--- a/디자인설계 및 조사분석.pptx
+++ b/디자인설계 및 조사분석.pptx
@@ -5401,21 +5401,28 @@
                 <a:latin typeface="나눔스퀘어OTF Bold" pitchFamily="34" charset="-127"/>
                 <a:ea typeface="나눔스퀘어OTF Bold" pitchFamily="34" charset="-127"/>
               </a:rPr>
-              <a:t>홈페이지 만 </a:t>
-            </a:r>
-            <a:r>
-              <a:rPr lang="ko-KR" altLang="en-US" sz="1500" dirty="0" err="1" smtClean="0">
-                <a:latin typeface="나눔스퀘어OTF Bold" pitchFamily="34" charset="-127"/>
-                <a:ea typeface="나눔스퀘어OTF Bold" pitchFamily="34" charset="-127"/>
-              </a:rPr>
-              <a:t>봤을땐</a:t>
+              <a:t>홈페이지 </a:t>
+            </a:r>
+            <a:r>
+              <a:rPr lang="ko-KR" altLang="en-US" sz="1500" smtClean="0">
+                <a:latin typeface="나눔스퀘어OTF Bold" pitchFamily="34" charset="-127"/>
+                <a:ea typeface="나눔스퀘어OTF Bold" pitchFamily="34" charset="-127"/>
+              </a:rPr>
+              <a:t>만 </a:t>
+            </a:r>
+            <a:r>
+              <a:rPr lang="ko-KR" altLang="en-US" sz="1500" smtClean="0">
+                <a:latin typeface="나눔스퀘어OTF Bold" pitchFamily="34" charset="-127"/>
+                <a:ea typeface="나눔스퀘어OTF Bold" pitchFamily="34" charset="-127"/>
+              </a:rPr>
+              <a:t>봤을 때 </a:t>
             </a:r>
             <a:r>
               <a:rPr lang="ko-KR" altLang="en-US" sz="1500" dirty="0" smtClean="0">
                 <a:latin typeface="나눔스퀘어OTF Bold" pitchFamily="34" charset="-127"/>
                 <a:ea typeface="나눔스퀘어OTF Bold" pitchFamily="34" charset="-127"/>
               </a:rPr>
-              <a:t> 디자인으로 적으로 사이트에  신경 쓴 느낌을 준다</a:t>
+              <a:t>디자인으로 적으로 사이트에  신경 쓴 느낌을 준다</a:t>
             </a:r>
             <a:r>
               <a:rPr lang="en-US" altLang="ko-KR" sz="1500" dirty="0" smtClean="0">

--- a/디자인설계 및 조사분석.pptx
+++ b/디자인설계 및 조사분석.pptx
@@ -5401,17 +5401,10 @@
                 <a:latin typeface="나눔스퀘어OTF Bold" pitchFamily="34" charset="-127"/>
                 <a:ea typeface="나눔스퀘어OTF Bold" pitchFamily="34" charset="-127"/>
               </a:rPr>
-              <a:t>홈페이지 </a:t>
-            </a:r>
-            <a:r>
-              <a:rPr lang="ko-KR" altLang="en-US" sz="1500" smtClean="0">
-                <a:latin typeface="나눔스퀘어OTF Bold" pitchFamily="34" charset="-127"/>
-                <a:ea typeface="나눔스퀘어OTF Bold" pitchFamily="34" charset="-127"/>
-              </a:rPr>
-              <a:t>만 </a:t>
-            </a:r>
-            <a:r>
-              <a:rPr lang="ko-KR" altLang="en-US" sz="1500" smtClean="0">
+              <a:t>홈페이지 만 </a:t>
+            </a:r>
+            <a:r>
+              <a:rPr lang="ko-KR" altLang="en-US" sz="1500" dirty="0" smtClean="0">
                 <a:latin typeface="나눔스퀘어OTF Bold" pitchFamily="34" charset="-127"/>
                 <a:ea typeface="나눔스퀘어OTF Bold" pitchFamily="34" charset="-127"/>
               </a:rPr>
@@ -6820,7 +6813,7 @@
         </p:nvSpPr>
         <p:spPr>
           <a:xfrm>
-            <a:off x="467544" y="4661410"/>
+            <a:off x="467544" y="4801796"/>
             <a:ext cx="2448272" cy="523220"/>
           </a:xfrm>
           <a:prstGeom prst="rect">
@@ -7259,7 +7252,7 @@
         </p:nvSpPr>
         <p:spPr>
           <a:xfrm>
-            <a:off x="3658741" y="5674788"/>
+            <a:off x="3658741" y="5823448"/>
             <a:ext cx="2929483" cy="220010"/>
           </a:xfrm>
           <a:prstGeom prst="rect">
@@ -7308,7 +7301,7 @@
         </p:nvSpPr>
         <p:spPr>
           <a:xfrm>
-            <a:off x="4629460" y="6124390"/>
+            <a:off x="4629460" y="6273050"/>
             <a:ext cx="2462820" cy="220010"/>
           </a:xfrm>
           <a:prstGeom prst="rect">
@@ -7357,7 +7350,7 @@
         </p:nvSpPr>
         <p:spPr>
           <a:xfrm>
-            <a:off x="3275855" y="5229200"/>
+            <a:off x="3275855" y="5377860"/>
             <a:ext cx="2141145" cy="220010"/>
           </a:xfrm>
           <a:prstGeom prst="rect">
@@ -7406,7 +7399,7 @@
         </p:nvSpPr>
         <p:spPr>
           <a:xfrm>
-            <a:off x="467544" y="5184630"/>
+            <a:off x="467544" y="5325016"/>
             <a:ext cx="8280920" cy="323165"/>
           </a:xfrm>
           <a:prstGeom prst="rect">
@@ -7442,7 +7435,7 @@
         </p:nvSpPr>
         <p:spPr>
           <a:xfrm>
-            <a:off x="467544" y="5623211"/>
+            <a:off x="467544" y="5763597"/>
             <a:ext cx="8424936" cy="323165"/>
           </a:xfrm>
           <a:prstGeom prst="rect">
@@ -7489,7 +7482,7 @@
         </p:nvSpPr>
         <p:spPr>
           <a:xfrm>
-            <a:off x="467544" y="6061793"/>
+            <a:off x="467544" y="6202179"/>
             <a:ext cx="8424936" cy="323165"/>
           </a:xfrm>
           <a:prstGeom prst="rect">
@@ -7942,6 +7935,90 @@
           </a:extLst>
         </p:spPr>
       </p:pic>
+      <p:sp>
+        <p:nvSpPr>
+          <p:cNvPr id="3" name="TextBox 2"/>
+          <p:cNvSpPr txBox="1"/>
+          <p:nvPr/>
+        </p:nvSpPr>
+        <p:spPr>
+          <a:xfrm>
+            <a:off x="483497" y="4365104"/>
+            <a:ext cx="920151" cy="276999"/>
+          </a:xfrm>
+          <a:prstGeom prst="rect">
+            <a:avLst/>
+          </a:prstGeom>
+          <a:noFill/>
+        </p:spPr>
+        <p:txBody>
+          <a:bodyPr wrap="square" rtlCol="0">
+            <a:spAutoFit/>
+          </a:bodyPr>
+          <a:lstStyle/>
+          <a:p>
+            <a:r>
+              <a:rPr lang="ko-KR" altLang="en-US" sz="1200" b="1" dirty="0" err="1" smtClean="0">
+                <a:solidFill>
+                  <a:srgbClr val="212121"/>
+                </a:solidFill>
+              </a:rPr>
+              <a:t>종근당</a:t>
+            </a:r>
+            <a:r>
+              <a:rPr lang="ko-KR" altLang="en-US" sz="1200" b="1" dirty="0" smtClean="0">
+                <a:solidFill>
+                  <a:srgbClr val="212121"/>
+                </a:solidFill>
+              </a:rPr>
+              <a:t> 몰</a:t>
+            </a:r>
+            <a:endParaRPr lang="ko-KR" altLang="en-US" sz="1200" b="1" dirty="0">
+              <a:solidFill>
+                <a:srgbClr val="212121"/>
+              </a:solidFill>
+            </a:endParaRPr>
+          </a:p>
+        </p:txBody>
+      </p:sp>
+      <p:sp>
+        <p:nvSpPr>
+          <p:cNvPr id="23" name="TextBox 22"/>
+          <p:cNvSpPr txBox="1"/>
+          <p:nvPr/>
+        </p:nvSpPr>
+        <p:spPr>
+          <a:xfrm>
+            <a:off x="4591465" y="4336615"/>
+            <a:ext cx="920151" cy="276999"/>
+          </a:xfrm>
+          <a:prstGeom prst="rect">
+            <a:avLst/>
+          </a:prstGeom>
+          <a:noFill/>
+        </p:spPr>
+        <p:txBody>
+          <a:bodyPr wrap="square" rtlCol="0">
+            <a:spAutoFit/>
+          </a:bodyPr>
+          <a:lstStyle/>
+          <a:p>
+            <a:r>
+              <a:rPr lang="ko-KR" altLang="en-US" sz="1200" b="1" dirty="0" err="1" smtClean="0">
+                <a:solidFill>
+                  <a:srgbClr val="212121"/>
+                </a:solidFill>
+              </a:rPr>
+              <a:t>종근당</a:t>
+            </a:r>
+            <a:endParaRPr lang="ko-KR" altLang="en-US" sz="1200" b="1" dirty="0">
+              <a:solidFill>
+                <a:srgbClr val="212121"/>
+              </a:solidFill>
+            </a:endParaRPr>
+          </a:p>
+        </p:txBody>
+      </p:sp>
     </p:spTree>
     <p:extLst>
       <p:ext uri="{BB962C8B-B14F-4D97-AF65-F5344CB8AC3E}">
@@ -8045,7 +8122,7 @@
         </p:nvSpPr>
         <p:spPr>
           <a:xfrm>
-            <a:off x="467544" y="4661410"/>
+            <a:off x="467544" y="4793521"/>
             <a:ext cx="2448272" cy="523220"/>
           </a:xfrm>
           <a:prstGeom prst="rect">
@@ -8494,7 +8571,7 @@
         </p:nvSpPr>
         <p:spPr>
           <a:xfrm>
-            <a:off x="3059832" y="5229200"/>
+            <a:off x="3059832" y="5361311"/>
             <a:ext cx="1879848" cy="220010"/>
           </a:xfrm>
           <a:prstGeom prst="rect">
@@ -8543,7 +8620,7 @@
         </p:nvSpPr>
         <p:spPr>
           <a:xfrm>
-            <a:off x="467544" y="5184630"/>
+            <a:off x="467544" y="5316741"/>
             <a:ext cx="8280920" cy="323165"/>
           </a:xfrm>
           <a:prstGeom prst="rect">
@@ -8604,7 +8681,7 @@
         </p:nvSpPr>
         <p:spPr>
           <a:xfrm>
-            <a:off x="467544" y="5623211"/>
+            <a:off x="467544" y="5755322"/>
             <a:ext cx="8568952" cy="553998"/>
           </a:xfrm>
           <a:prstGeom prst="rect">
@@ -9098,6 +9175,90 @@
           </a:extLst>
         </p:spPr>
       </p:pic>
+      <p:sp>
+        <p:nvSpPr>
+          <p:cNvPr id="17" name="TextBox 16"/>
+          <p:cNvSpPr txBox="1"/>
+          <p:nvPr/>
+        </p:nvSpPr>
+        <p:spPr>
+          <a:xfrm>
+            <a:off x="483497" y="4365104"/>
+            <a:ext cx="920151" cy="276999"/>
+          </a:xfrm>
+          <a:prstGeom prst="rect">
+            <a:avLst/>
+          </a:prstGeom>
+          <a:noFill/>
+        </p:spPr>
+        <p:txBody>
+          <a:bodyPr wrap="square" rtlCol="0">
+            <a:spAutoFit/>
+          </a:bodyPr>
+          <a:lstStyle/>
+          <a:p>
+            <a:r>
+              <a:rPr lang="ko-KR" altLang="en-US" sz="1200" b="1" dirty="0" err="1" smtClean="0">
+                <a:solidFill>
+                  <a:srgbClr val="212121"/>
+                </a:solidFill>
+              </a:rPr>
+              <a:t>종근당</a:t>
+            </a:r>
+            <a:r>
+              <a:rPr lang="ko-KR" altLang="en-US" sz="1200" b="1" dirty="0" smtClean="0">
+                <a:solidFill>
+                  <a:srgbClr val="212121"/>
+                </a:solidFill>
+              </a:rPr>
+              <a:t> 몰</a:t>
+            </a:r>
+            <a:endParaRPr lang="ko-KR" altLang="en-US" sz="1200" b="1" dirty="0">
+              <a:solidFill>
+                <a:srgbClr val="212121"/>
+              </a:solidFill>
+            </a:endParaRPr>
+          </a:p>
+        </p:txBody>
+      </p:sp>
+      <p:sp>
+        <p:nvSpPr>
+          <p:cNvPr id="20" name="TextBox 19"/>
+          <p:cNvSpPr txBox="1"/>
+          <p:nvPr/>
+        </p:nvSpPr>
+        <p:spPr>
+          <a:xfrm>
+            <a:off x="4591465" y="4336615"/>
+            <a:ext cx="920151" cy="276999"/>
+          </a:xfrm>
+          <a:prstGeom prst="rect">
+            <a:avLst/>
+          </a:prstGeom>
+          <a:noFill/>
+        </p:spPr>
+        <p:txBody>
+          <a:bodyPr wrap="square" rtlCol="0">
+            <a:spAutoFit/>
+          </a:bodyPr>
+          <a:lstStyle/>
+          <a:p>
+            <a:r>
+              <a:rPr lang="ko-KR" altLang="en-US" sz="1200" b="1" dirty="0" err="1" smtClean="0">
+                <a:solidFill>
+                  <a:srgbClr val="212121"/>
+                </a:solidFill>
+              </a:rPr>
+              <a:t>종근당</a:t>
+            </a:r>
+            <a:endParaRPr lang="ko-KR" altLang="en-US" sz="1200" b="1" dirty="0">
+              <a:solidFill>
+                <a:srgbClr val="212121"/>
+              </a:solidFill>
+            </a:endParaRPr>
+          </a:p>
+        </p:txBody>
+      </p:sp>
     </p:spTree>
     <p:extLst>
       <p:ext uri="{BB962C8B-B14F-4D97-AF65-F5344CB8AC3E}">

--- a/디자인설계 및 조사분석.pptx
+++ b/디자인설계 및 조사분석.pptx
@@ -5415,7 +5415,14 @@
                 <a:latin typeface="나눔스퀘어OTF Bold" pitchFamily="34" charset="-127"/>
                 <a:ea typeface="나눔스퀘어OTF Bold" pitchFamily="34" charset="-127"/>
               </a:rPr>
-              <a:t>디자인으로 적으로 사이트에  신경 쓴 느낌을 준다</a:t>
+              <a:t>디자인으로 적으로 사이트에  신경 쓴 </a:t>
+            </a:r>
+            <a:r>
+              <a:rPr lang="ko-KR" altLang="en-US" sz="1500" dirty="0" smtClean="0">
+                <a:latin typeface="나눔스퀘어OTF Bold" pitchFamily="34" charset="-127"/>
+                <a:ea typeface="나눔스퀘어OTF Bold" pitchFamily="34" charset="-127"/>
+              </a:rPr>
+              <a:t>느낌</a:t>
             </a:r>
             <a:r>
               <a:rPr lang="en-US" altLang="ko-KR" sz="1500" dirty="0" smtClean="0">
@@ -5771,7 +5778,21 @@
                 <a:latin typeface="나눔스퀘어OTF Bold" pitchFamily="34" charset="-127"/>
                 <a:ea typeface="나눔스퀘어OTF Bold" pitchFamily="34" charset="-127"/>
               </a:rPr>
-              <a:t>슬라이더 형식의 홈페이지로 제작되어 스크롤을 내릴 필요 없이 한 화면에서 정보를 확인하기가 편하다</a:t>
+              <a:t>슬라이더 형식의 홈페이지로 제작되어 스크롤을 내릴 필요 없이 한 화면에서 정보를 확인하기가 </a:t>
+            </a:r>
+            <a:r>
+              <a:rPr lang="ko-KR" altLang="en-US" sz="1500" dirty="0" smtClean="0">
+                <a:latin typeface="나눔스퀘어OTF Bold" pitchFamily="34" charset="-127"/>
+                <a:ea typeface="나눔스퀘어OTF Bold" pitchFamily="34" charset="-127"/>
+              </a:rPr>
+              <a:t>편</a:t>
+            </a:r>
+            <a:r>
+              <a:rPr lang="ko-KR" altLang="en-US" sz="1500" dirty="0">
+                <a:latin typeface="나눔스퀘어OTF Bold" pitchFamily="34" charset="-127"/>
+                <a:ea typeface="나눔스퀘어OTF Bold" pitchFamily="34" charset="-127"/>
+              </a:rPr>
+              <a:t>함</a:t>
             </a:r>
             <a:r>
               <a:rPr lang="en-US" altLang="ko-KR" sz="1500" dirty="0" smtClean="0">
@@ -5818,7 +5839,14 @@
                 <a:latin typeface="나눔스퀘어OTF Bold" pitchFamily="34" charset="-127"/>
                 <a:ea typeface="나눔스퀘어OTF Bold" pitchFamily="34" charset="-127"/>
               </a:rPr>
-              <a:t>영문버전 홈페이지가 따로 있어 외국인이 사용하기에 용이하다</a:t>
+              <a:t>영문버전 홈페이지가 따로 있어 외국인이 사용하기에 </a:t>
+            </a:r>
+            <a:r>
+              <a:rPr lang="ko-KR" altLang="en-US" sz="1500" dirty="0" smtClean="0">
+                <a:latin typeface="나눔스퀘어OTF Bold" pitchFamily="34" charset="-127"/>
+                <a:ea typeface="나눔스퀘어OTF Bold" pitchFamily="34" charset="-127"/>
+              </a:rPr>
+              <a:t>용이</a:t>
             </a:r>
             <a:r>
               <a:rPr lang="en-US" altLang="ko-KR" sz="1500" dirty="0" smtClean="0">
@@ -6360,7 +6388,14 @@
                 <a:latin typeface="나눔스퀘어OTF Bold" pitchFamily="34" charset="-127"/>
                 <a:ea typeface="나눔스퀘어OTF Bold" pitchFamily="34" charset="-127"/>
               </a:rPr>
-              <a:t>홈페이지임에도 불구하고 카테고리가 영어로 분류되어있어 영어를 잘 모르는 사람에게는 거부감이 느껴진다</a:t>
+              <a:t>홈페이지임에도 불구하고 카테고리가 영어로 분류되어있어 영어를 잘 모르는 사람에게는 거부감이 </a:t>
+            </a:r>
+            <a:r>
+              <a:rPr lang="ko-KR" altLang="en-US" sz="1500" dirty="0" smtClean="0">
+                <a:latin typeface="나눔스퀘어OTF Bold" pitchFamily="34" charset="-127"/>
+                <a:ea typeface="나눔스퀘어OTF Bold" pitchFamily="34" charset="-127"/>
+              </a:rPr>
+              <a:t>느껴짐</a:t>
             </a:r>
             <a:r>
               <a:rPr lang="en-US" altLang="ko-KR" sz="1500" dirty="0" smtClean="0">
@@ -6407,7 +6442,14 @@
                 <a:latin typeface="나눔스퀘어OTF Bold" pitchFamily="34" charset="-127"/>
                 <a:ea typeface="나눔스퀘어OTF Bold" pitchFamily="34" charset="-127"/>
               </a:rPr>
-              <a:t>최신식이나 조작법이 익숙하지 않은 시니어 계층은 이용하기 불편 할 듯 하다</a:t>
+              <a:t>최신식이나 조작법이 익숙하지 않은 시니어 계층은 이용하기 불편 할 듯 </a:t>
+            </a:r>
+            <a:r>
+              <a:rPr lang="ko-KR" altLang="en-US" sz="1500" dirty="0">
+                <a:latin typeface="나눔스퀘어OTF Bold" pitchFamily="34" charset="-127"/>
+                <a:ea typeface="나눔스퀘어OTF Bold" pitchFamily="34" charset="-127"/>
+              </a:rPr>
+              <a:t>함</a:t>
             </a:r>
             <a:r>
               <a:rPr lang="en-US" altLang="ko-KR" sz="1500" dirty="0" smtClean="0">
@@ -6454,7 +6496,14 @@
                 <a:latin typeface="나눔스퀘어OTF Bold" pitchFamily="34" charset="-127"/>
                 <a:ea typeface="나눔스퀘어OTF Bold" pitchFamily="34" charset="-127"/>
               </a:rPr>
-              <a:t>브랜드 컬러로 포인트를 주었지만 정체성을 나타내기엔 부족해 보인다</a:t>
+              <a:t>브랜드 컬러로 포인트를 주었지만 정체성을 나타내기엔 부족해 </a:t>
+            </a:r>
+            <a:r>
+              <a:rPr lang="ko-KR" altLang="en-US" sz="1500" dirty="0" smtClean="0">
+                <a:latin typeface="나눔스퀘어OTF Bold" pitchFamily="34" charset="-127"/>
+                <a:ea typeface="나눔스퀘어OTF Bold" pitchFamily="34" charset="-127"/>
+              </a:rPr>
+              <a:t>보임</a:t>
             </a:r>
             <a:r>
               <a:rPr lang="en-US" altLang="ko-KR" sz="1500" dirty="0" smtClean="0">
@@ -7422,8 +7471,26 @@
                 <a:latin typeface="나눔스퀘어OTF Bold" pitchFamily="34" charset="-127"/>
                 <a:ea typeface="나눔스퀘어OTF Bold" pitchFamily="34" charset="-127"/>
               </a:rPr>
-              <a:t>글을 읽기 어려워하는 사람들도 쉽게 접근 할 수 있는 아이콘</a:t>
-            </a:r>
+              <a:t>글을 읽기 어려워하는 사람들도 쉽게 접근 할 수 있는 </a:t>
+            </a:r>
+            <a:r>
+              <a:rPr lang="ko-KR" altLang="en-US" sz="1500" dirty="0" smtClean="0">
+                <a:latin typeface="나눔스퀘어OTF Bold" pitchFamily="34" charset="-127"/>
+                <a:ea typeface="나눔스퀘어OTF Bold" pitchFamily="34" charset="-127"/>
+              </a:rPr>
+              <a:t>아이콘</a:t>
+            </a:r>
+            <a:r>
+              <a:rPr lang="en-US" altLang="ko-KR" sz="1500" dirty="0" smtClean="0">
+                <a:latin typeface="나눔스퀘어OTF Bold" pitchFamily="34" charset="-127"/>
+                <a:ea typeface="나눔스퀘어OTF Bold" pitchFamily="34" charset="-127"/>
+              </a:rPr>
+              <a:t>.</a:t>
+            </a:r>
+            <a:endParaRPr lang="ko-KR" altLang="en-US" sz="1500" dirty="0" smtClean="0">
+              <a:latin typeface="나눔스퀘어OTF Bold" pitchFamily="34" charset="-127"/>
+              <a:ea typeface="나눔스퀘어OTF Bold" pitchFamily="34" charset="-127"/>
+            </a:endParaRPr>
           </a:p>
         </p:txBody>
       </p:sp>

--- a/디자인설계 및 조사분석.pptx
+++ b/디자인설계 및 조사분석.pptx
@@ -14,8 +14,7 @@
     <p:sldId id="273" r:id="rId8"/>
     <p:sldId id="274" r:id="rId9"/>
     <p:sldId id="267" r:id="rId10"/>
-    <p:sldId id="268" r:id="rId11"/>
-    <p:sldId id="269" r:id="rId12"/>
+    <p:sldId id="269" r:id="rId11"/>
   </p:sldIdLst>
   <p:sldSz cx="9144000" cy="6858000" type="screen4x3"/>
   <p:notesSz cx="6858000" cy="9144000"/>
@@ -3213,450 +3212,6 @@
 </file>
 
 <file path=ppt/slides/slide10.xml><?xml version="1.0" encoding="utf-8"?>
-<p:sld xmlns:a="http://schemas.openxmlformats.org/drawingml/2006/main" xmlns:r="http://schemas.openxmlformats.org/officeDocument/2006/relationships" xmlns:p="http://schemas.openxmlformats.org/presentationml/2006/main">
-  <p:cSld>
-    <p:spTree>
-      <p:nvGrpSpPr>
-        <p:cNvPr id="1" name=""/>
-        <p:cNvGrpSpPr/>
-        <p:nvPr/>
-      </p:nvGrpSpPr>
-      <p:grpSpPr>
-        <a:xfrm>
-          <a:off x="0" y="0"/>
-          <a:ext cx="0" cy="0"/>
-          <a:chOff x="0" y="0"/>
-          <a:chExt cx="0" cy="0"/>
-        </a:xfrm>
-      </p:grpSpPr>
-      <p:sp>
-        <p:nvSpPr>
-          <p:cNvPr id="2" name="TextBox 1"/>
-          <p:cNvSpPr txBox="1"/>
-          <p:nvPr/>
-        </p:nvSpPr>
-        <p:spPr>
-          <a:xfrm>
-            <a:off x="539552" y="296822"/>
-            <a:ext cx="7056784" cy="369332"/>
-          </a:xfrm>
-          <a:prstGeom prst="rect">
-            <a:avLst/>
-          </a:prstGeom>
-          <a:noFill/>
-        </p:spPr>
-        <p:txBody>
-          <a:bodyPr wrap="square" rtlCol="0">
-            <a:spAutoFit/>
-          </a:bodyPr>
-          <a:lstStyle/>
-          <a:p>
-            <a:r>
-              <a:rPr lang="en-US" altLang="ko-KR" dirty="0" smtClean="0"/>
-              <a:t>2.</a:t>
-            </a:r>
-            <a:r>
-              <a:rPr lang="ko-KR" altLang="en-US" dirty="0" smtClean="0"/>
-              <a:t>사용자 조사하기</a:t>
-            </a:r>
-            <a:endParaRPr lang="en-US" altLang="ko-KR" dirty="0" smtClean="0"/>
-          </a:p>
-        </p:txBody>
-      </p:sp>
-      <p:pic>
-        <p:nvPicPr>
-          <p:cNvPr id="7170" name="Picture 2" descr="C:\Users\13\Desktop\동화약품\Untitled-2.jpg"/>
-          <p:cNvPicPr>
-            <a:picLocks noChangeAspect="1" noChangeArrowheads="1"/>
-          </p:cNvPicPr>
-          <p:nvPr/>
-        </p:nvPicPr>
-        <p:blipFill>
-          <a:blip r:embed="rId2">
-            <a:extLst>
-              <a:ext uri="{28A0092B-C50C-407E-A947-70E740481C1C}">
-                <a14:useLocalDpi xmlns:a14="http://schemas.microsoft.com/office/drawing/2010/main" val="0"/>
-              </a:ext>
-            </a:extLst>
-          </a:blip>
-          <a:srcRect/>
-          <a:stretch>
-            <a:fillRect/>
-          </a:stretch>
-        </p:blipFill>
-        <p:spPr bwMode="auto">
-          <a:xfrm>
-            <a:off x="395536" y="980729"/>
-            <a:ext cx="7920880" cy="3225592"/>
-          </a:xfrm>
-          <a:prstGeom prst="rect">
-            <a:avLst/>
-          </a:prstGeom>
-          <a:noFill/>
-          <a:extLst>
-            <a:ext uri="{909E8E84-426E-40DD-AFC4-6F175D3DCCD1}">
-              <a14:hiddenFill xmlns:a14="http://schemas.microsoft.com/office/drawing/2010/main">
-                <a:solidFill>
-                  <a:srgbClr val="FFFFFF"/>
-                </a:solidFill>
-              </a14:hiddenFill>
-            </a:ext>
-          </a:extLst>
-        </p:spPr>
-      </p:pic>
-      <p:sp>
-        <p:nvSpPr>
-          <p:cNvPr id="4" name="TextBox 3"/>
-          <p:cNvSpPr txBox="1"/>
-          <p:nvPr/>
-        </p:nvSpPr>
-        <p:spPr>
-          <a:xfrm>
-            <a:off x="251520" y="4364728"/>
-            <a:ext cx="6984776" cy="461665"/>
-          </a:xfrm>
-          <a:prstGeom prst="rect">
-            <a:avLst/>
-          </a:prstGeom>
-          <a:noFill/>
-        </p:spPr>
-        <p:txBody>
-          <a:bodyPr wrap="square" rtlCol="0">
-            <a:spAutoFit/>
-          </a:bodyPr>
-          <a:lstStyle/>
-          <a:p>
-            <a:r>
-              <a:rPr lang="en-US" altLang="ko-KR" sz="2400" dirty="0" smtClean="0">
-                <a:latin typeface="나눔스퀘어 네오 Heavy" pitchFamily="2" charset="-127"/>
-                <a:ea typeface="나눔스퀘어 네오 Heavy" pitchFamily="2" charset="-127"/>
-              </a:rPr>
-              <a:t>2023  UI/UX </a:t>
-            </a:r>
-            <a:r>
-              <a:rPr lang="ko-KR" altLang="en-US" sz="2400" dirty="0" err="1" smtClean="0">
-                <a:latin typeface="나눔스퀘어 네오 Heavy" pitchFamily="2" charset="-127"/>
-                <a:ea typeface="나눔스퀘어 네오 Heavy" pitchFamily="2" charset="-127"/>
-              </a:rPr>
-              <a:t>트렌드</a:t>
-            </a:r>
-            <a:r>
-              <a:rPr lang="en-US" altLang="ko-KR" sz="2400" dirty="0" smtClean="0">
-                <a:latin typeface="나눔스퀘어 네오 Heavy" pitchFamily="2" charset="-127"/>
-                <a:ea typeface="나눔스퀘어 네오 Heavy" pitchFamily="2" charset="-127"/>
-              </a:rPr>
-              <a:t> </a:t>
-            </a:r>
-            <a:r>
-              <a:rPr lang="ko-KR" altLang="en-US" sz="1400" dirty="0" smtClean="0">
-                <a:solidFill>
-                  <a:srgbClr val="E1251B"/>
-                </a:solidFill>
-                <a:latin typeface="나눔스퀘어OTF Bold" pitchFamily="34" charset="-127"/>
-                <a:ea typeface="나눔스퀘어OTF Bold" pitchFamily="34" charset="-127"/>
-              </a:rPr>
-              <a:t>출처 </a:t>
-            </a:r>
-            <a:r>
-              <a:rPr lang="en-US" altLang="ko-KR" sz="1400" dirty="0" smtClean="0">
-                <a:solidFill>
-                  <a:srgbClr val="E1251B"/>
-                </a:solidFill>
-                <a:latin typeface="나눔스퀘어OTF Bold" pitchFamily="34" charset="-127"/>
-                <a:ea typeface="나눔스퀘어OTF Bold" pitchFamily="34" charset="-127"/>
-              </a:rPr>
-              <a:t>https://wordpresser.co.kr/20386/</a:t>
-            </a:r>
-            <a:endParaRPr lang="ko-KR" altLang="en-US" sz="1400" dirty="0">
-              <a:solidFill>
-                <a:srgbClr val="E1251B"/>
-              </a:solidFill>
-              <a:latin typeface="나눔스퀘어OTF Bold" pitchFamily="34" charset="-127"/>
-              <a:ea typeface="나눔스퀘어OTF Bold" pitchFamily="34" charset="-127"/>
-            </a:endParaRPr>
-          </a:p>
-        </p:txBody>
-      </p:sp>
-      <p:sp>
-        <p:nvSpPr>
-          <p:cNvPr id="5" name="TextBox 4"/>
-          <p:cNvSpPr txBox="1"/>
-          <p:nvPr/>
-        </p:nvSpPr>
-        <p:spPr>
-          <a:xfrm>
-            <a:off x="251520" y="4940792"/>
-            <a:ext cx="8892480" cy="369332"/>
-          </a:xfrm>
-          <a:prstGeom prst="rect">
-            <a:avLst/>
-          </a:prstGeom>
-          <a:noFill/>
-        </p:spPr>
-        <p:txBody>
-          <a:bodyPr wrap="square" rtlCol="0">
-            <a:spAutoFit/>
-          </a:bodyPr>
-          <a:lstStyle/>
-          <a:p>
-            <a:pPr marL="285750" indent="-285750">
-              <a:buFont typeface="Arial" pitchFamily="34" charset="0"/>
-              <a:buChar char="•"/>
-            </a:pPr>
-            <a:r>
-              <a:rPr lang="ko-KR" altLang="en-US" dirty="0" err="1" smtClean="0">
-                <a:latin typeface="나눔고딕OTF ExtraBold" pitchFamily="34" charset="-127"/>
-                <a:ea typeface="나눔고딕OTF ExtraBold" pitchFamily="34" charset="-127"/>
-              </a:rPr>
-              <a:t>인클루시브</a:t>
-            </a:r>
-            <a:r>
-              <a:rPr lang="ko-KR" altLang="en-US" dirty="0" smtClean="0">
-                <a:latin typeface="나눔고딕OTF ExtraBold" pitchFamily="34" charset="-127"/>
-                <a:ea typeface="나눔고딕OTF ExtraBold" pitchFamily="34" charset="-127"/>
-              </a:rPr>
-              <a:t> 디자인 </a:t>
-            </a:r>
-            <a:r>
-              <a:rPr lang="ko-KR" altLang="en-US" b="1" dirty="0" smtClean="0">
-                <a:solidFill>
-                  <a:srgbClr val="E1251B"/>
-                </a:solidFill>
-                <a:latin typeface="나눔고딕OTF ExtraBold" pitchFamily="34" charset="-127"/>
-                <a:ea typeface="나눔고딕OTF ExtraBold" pitchFamily="34" charset="-127"/>
-              </a:rPr>
-              <a:t>▶</a:t>
-            </a:r>
-            <a:r>
-              <a:rPr lang="ko-KR" altLang="en-US" dirty="0" smtClean="0">
-                <a:latin typeface="나눔고딕OTF ExtraBold" pitchFamily="34" charset="-127"/>
-                <a:ea typeface="나눔고딕OTF ExtraBold" pitchFamily="34" charset="-127"/>
-              </a:rPr>
-              <a:t> 다양한 사용자를 포괄하는 디자인으로 소외된 계층을 포용</a:t>
-            </a:r>
-            <a:endParaRPr lang="ko-KR" altLang="en-US" dirty="0">
-              <a:latin typeface="나눔고딕OTF ExtraBold" pitchFamily="34" charset="-127"/>
-              <a:ea typeface="나눔고딕OTF ExtraBold" pitchFamily="34" charset="-127"/>
-            </a:endParaRPr>
-          </a:p>
-        </p:txBody>
-      </p:sp>
-      <p:sp>
-        <p:nvSpPr>
-          <p:cNvPr id="14" name="TextBox 13"/>
-          <p:cNvSpPr txBox="1"/>
-          <p:nvPr/>
-        </p:nvSpPr>
-        <p:spPr>
-          <a:xfrm>
-            <a:off x="251520" y="5335389"/>
-            <a:ext cx="8892480" cy="369332"/>
-          </a:xfrm>
-          <a:prstGeom prst="rect">
-            <a:avLst/>
-          </a:prstGeom>
-          <a:noFill/>
-        </p:spPr>
-        <p:txBody>
-          <a:bodyPr wrap="square" rtlCol="0">
-            <a:spAutoFit/>
-          </a:bodyPr>
-          <a:lstStyle/>
-          <a:p>
-            <a:pPr marL="285750" indent="-285750">
-              <a:buFont typeface="Arial" pitchFamily="34" charset="0"/>
-              <a:buChar char="•"/>
-            </a:pPr>
-            <a:r>
-              <a:rPr lang="ko-KR" altLang="en-US" dirty="0" smtClean="0">
-                <a:latin typeface="나눔고딕OTF ExtraBold" pitchFamily="34" charset="-127"/>
-                <a:ea typeface="나눔고딕OTF ExtraBold" pitchFamily="34" charset="-127"/>
-              </a:rPr>
-              <a:t>미니멀리즘과 단순화 </a:t>
-            </a:r>
-            <a:r>
-              <a:rPr lang="ko-KR" altLang="en-US" b="1" dirty="0" smtClean="0">
-                <a:solidFill>
-                  <a:srgbClr val="E1251B"/>
-                </a:solidFill>
-                <a:latin typeface="나눔고딕OTF ExtraBold" pitchFamily="34" charset="-127"/>
-                <a:ea typeface="나눔고딕OTF ExtraBold" pitchFamily="34" charset="-127"/>
-              </a:rPr>
-              <a:t>▶</a:t>
-            </a:r>
-            <a:r>
-              <a:rPr lang="ko-KR" altLang="en-US" dirty="0" smtClean="0">
-                <a:latin typeface="나눔고딕OTF ExtraBold" pitchFamily="34" charset="-127"/>
-                <a:ea typeface="나눔고딕OTF ExtraBold" pitchFamily="34" charset="-127"/>
-              </a:rPr>
-              <a:t> 간편하고</a:t>
-            </a:r>
-            <a:r>
-              <a:rPr lang="en-US" altLang="ko-KR" dirty="0" smtClean="0">
-                <a:latin typeface="나눔고딕OTF ExtraBold" pitchFamily="34" charset="-127"/>
-                <a:ea typeface="나눔고딕OTF ExtraBold" pitchFamily="34" charset="-127"/>
-              </a:rPr>
-              <a:t>, </a:t>
-            </a:r>
-            <a:r>
-              <a:rPr lang="ko-KR" altLang="en-US" dirty="0" smtClean="0">
-                <a:latin typeface="나눔고딕OTF ExtraBold" pitchFamily="34" charset="-127"/>
-                <a:ea typeface="나눔고딕OTF ExtraBold" pitchFamily="34" charset="-127"/>
-              </a:rPr>
-              <a:t>유익하며</a:t>
-            </a:r>
-            <a:r>
-              <a:rPr lang="en-US" altLang="ko-KR" dirty="0" smtClean="0">
-                <a:latin typeface="나눔고딕OTF ExtraBold" pitchFamily="34" charset="-127"/>
-                <a:ea typeface="나눔고딕OTF ExtraBold" pitchFamily="34" charset="-127"/>
-              </a:rPr>
-              <a:t>, </a:t>
-            </a:r>
-            <a:r>
-              <a:rPr lang="ko-KR" altLang="en-US" dirty="0" smtClean="0">
-                <a:latin typeface="나눔고딕OTF ExtraBold" pitchFamily="34" charset="-127"/>
-                <a:ea typeface="나눔고딕OTF ExtraBold" pitchFamily="34" charset="-127"/>
-              </a:rPr>
-              <a:t>단순함을 추구</a:t>
-            </a:r>
-            <a:endParaRPr lang="ko-KR" altLang="en-US" dirty="0">
-              <a:latin typeface="나눔고딕OTF ExtraBold" pitchFamily="34" charset="-127"/>
-              <a:ea typeface="나눔고딕OTF ExtraBold" pitchFamily="34" charset="-127"/>
-            </a:endParaRPr>
-          </a:p>
-        </p:txBody>
-      </p:sp>
-      <p:sp>
-        <p:nvSpPr>
-          <p:cNvPr id="15" name="TextBox 14"/>
-          <p:cNvSpPr txBox="1"/>
-          <p:nvPr/>
-        </p:nvSpPr>
-        <p:spPr>
-          <a:xfrm>
-            <a:off x="251520" y="5729986"/>
-            <a:ext cx="8892480" cy="369332"/>
-          </a:xfrm>
-          <a:prstGeom prst="rect">
-            <a:avLst/>
-          </a:prstGeom>
-          <a:noFill/>
-        </p:spPr>
-        <p:txBody>
-          <a:bodyPr wrap="square" rtlCol="0">
-            <a:spAutoFit/>
-          </a:bodyPr>
-          <a:lstStyle/>
-          <a:p>
-            <a:pPr marL="285750" indent="-285750">
-              <a:buFont typeface="Arial" pitchFamily="34" charset="0"/>
-              <a:buChar char="•"/>
-            </a:pPr>
-            <a:r>
-              <a:rPr lang="ko-KR" altLang="en-US" dirty="0" smtClean="0">
-                <a:latin typeface="나눔고딕OTF ExtraBold" pitchFamily="34" charset="-127"/>
-                <a:ea typeface="나눔고딕OTF ExtraBold" pitchFamily="34" charset="-127"/>
-              </a:rPr>
-              <a:t>마이크로 카피 </a:t>
-            </a:r>
-            <a:r>
-              <a:rPr lang="ko-KR" altLang="en-US" b="1" dirty="0" smtClean="0">
-                <a:solidFill>
-                  <a:srgbClr val="E1251B"/>
-                </a:solidFill>
-                <a:latin typeface="나눔고딕OTF ExtraBold" pitchFamily="34" charset="-127"/>
-                <a:ea typeface="나눔고딕OTF ExtraBold" pitchFamily="34" charset="-127"/>
-              </a:rPr>
-              <a:t>▶</a:t>
-            </a:r>
-            <a:r>
-              <a:rPr lang="en-US" altLang="ko-KR" dirty="0" smtClean="0">
-                <a:latin typeface="나눔고딕OTF ExtraBold" pitchFamily="34" charset="-127"/>
-                <a:ea typeface="나눔고딕OTF ExtraBold" pitchFamily="34" charset="-127"/>
-              </a:rPr>
-              <a:t> </a:t>
-            </a:r>
-            <a:r>
-              <a:rPr lang="ko-KR" altLang="en-US" dirty="0" smtClean="0">
-                <a:latin typeface="나눔고딕OTF ExtraBold" pitchFamily="34" charset="-127"/>
-                <a:ea typeface="나눔고딕OTF ExtraBold" pitchFamily="34" charset="-127"/>
-              </a:rPr>
-              <a:t>대상되는 잠재 고객의 선호도에 따라 디자인 방향성을 제시</a:t>
-            </a:r>
-            <a:endParaRPr lang="ko-KR" altLang="en-US" dirty="0">
-              <a:latin typeface="나눔고딕OTF ExtraBold" pitchFamily="34" charset="-127"/>
-              <a:ea typeface="나눔고딕OTF ExtraBold" pitchFamily="34" charset="-127"/>
-            </a:endParaRPr>
-          </a:p>
-        </p:txBody>
-      </p:sp>
-      <p:sp>
-        <p:nvSpPr>
-          <p:cNvPr id="18" name="직각 삼각형 17"/>
-          <p:cNvSpPr/>
-          <p:nvPr/>
-        </p:nvSpPr>
-        <p:spPr>
-          <a:xfrm flipH="1">
-            <a:off x="0" y="0"/>
-            <a:ext cx="9144000" cy="6858000"/>
-          </a:xfrm>
-          <a:prstGeom prst="rtTriangle">
-            <a:avLst/>
-          </a:prstGeom>
-          <a:solidFill>
-            <a:srgbClr val="E1251B"/>
-          </a:solidFill>
-          <a:ln>
-            <a:noFill/>
-          </a:ln>
-        </p:spPr>
-        <p:style>
-          <a:lnRef idx="2">
-            <a:schemeClr val="accent1">
-              <a:shade val="50000"/>
-            </a:schemeClr>
-          </a:lnRef>
-          <a:fillRef idx="1">
-            <a:schemeClr val="accent1"/>
-          </a:fillRef>
-          <a:effectRef idx="0">
-            <a:schemeClr val="accent1"/>
-          </a:effectRef>
-          <a:fontRef idx="minor">
-            <a:schemeClr val="lt1"/>
-          </a:fontRef>
-        </p:style>
-        <p:txBody>
-          <a:bodyPr rtlCol="0" anchor="ctr"/>
-          <a:lstStyle/>
-          <a:p>
-            <a:pPr algn="ctr"/>
-            <a:endParaRPr lang="ko-KR" altLang="en-US"/>
-          </a:p>
-        </p:txBody>
-      </p:sp>
-    </p:spTree>
-    <p:extLst>
-      <p:ext uri="{BB962C8B-B14F-4D97-AF65-F5344CB8AC3E}">
-        <p14:creationId xmlns:p14="http://schemas.microsoft.com/office/powerpoint/2010/main" val="1615801210"/>
-      </p:ext>
-    </p:extLst>
-  </p:cSld>
-  <p:clrMapOvr>
-    <a:masterClrMapping/>
-  </p:clrMapOvr>
-  <p:timing>
-    <p:tnLst>
-      <p:par>
-        <p:cTn id="1" dur="indefinite" restart="never" nodeType="tmRoot"/>
-      </p:par>
-    </p:tnLst>
-  </p:timing>
-</p:sld>
-</file>
-
-<file path=ppt/slides/slide11.xml><?xml version="1.0" encoding="utf-8"?>
 <p:sld xmlns:a="http://schemas.openxmlformats.org/drawingml/2006/main" xmlns:r="http://schemas.openxmlformats.org/officeDocument/2006/relationships" xmlns:p="http://schemas.openxmlformats.org/presentationml/2006/main">
   <p:cSld>
     <p:spTree>

--- a/디자인설계 및 조사분석.pptx
+++ b/디자인설계 및 조사분석.pptx
@@ -13,7 +13,7 @@
     <p:sldId id="272" r:id="rId7"/>
     <p:sldId id="273" r:id="rId8"/>
     <p:sldId id="274" r:id="rId9"/>
-    <p:sldId id="267" r:id="rId10"/>
+    <p:sldId id="275" r:id="rId10"/>
     <p:sldId id="269" r:id="rId11"/>
   </p:sldIdLst>
   <p:sldSz cx="9144000" cy="6858000" type="screen4x3"/>
@@ -3295,7 +3295,7 @@
         <p:spPr>
           <a:xfrm>
             <a:off x="252536" y="4133895"/>
-            <a:ext cx="8711952" cy="584775"/>
+            <a:ext cx="8711952" cy="861774"/>
           </a:xfrm>
           <a:prstGeom prst="rect">
             <a:avLst/>
@@ -3309,11 +3309,25 @@
           <a:lstStyle/>
           <a:p>
             <a:r>
+              <a:rPr lang="ko-KR" altLang="en-US" sz="3200" dirty="0" smtClean="0">
+                <a:latin typeface="나눔스퀘어 네오 Heavy" pitchFamily="2" charset="-127"/>
+                <a:ea typeface="나눔스퀘어 네오 Heavy" pitchFamily="2" charset="-127"/>
+              </a:rPr>
+              <a:t>분석 결과 </a:t>
+            </a:r>
+            <a:r>
               <a:rPr lang="en-US" altLang="ko-KR" sz="3200" dirty="0" smtClean="0">
                 <a:latin typeface="나눔스퀘어 네오 Heavy" pitchFamily="2" charset="-127"/>
                 <a:ea typeface="나눔스퀘어 네오 Heavy" pitchFamily="2" charset="-127"/>
               </a:rPr>
-              <a:t>2023  UI/UX </a:t>
+              <a:t>2023  </a:t>
+            </a:r>
+            <a:r>
+              <a:rPr lang="en-US" altLang="ko-KR" sz="3200" dirty="0" smtClean="0">
+                <a:latin typeface="나눔스퀘어 네오 Heavy" pitchFamily="2" charset="-127"/>
+                <a:ea typeface="나눔스퀘어 네오 Heavy" pitchFamily="2" charset="-127"/>
+              </a:rPr>
+              <a:t>UI/UX </a:t>
             </a:r>
             <a:r>
               <a:rPr lang="ko-KR" altLang="en-US" sz="3200" dirty="0" err="1" smtClean="0">
@@ -3329,6 +3343,12 @@
               </a:rPr>
               <a:t> </a:t>
             </a:r>
+            <a:endParaRPr lang="en-US" altLang="ko-KR" sz="3200" dirty="0" smtClean="0">
+              <a:latin typeface="나눔스퀘어 네오 Heavy" pitchFamily="2" charset="-127"/>
+              <a:ea typeface="나눔스퀘어 네오 Heavy" pitchFamily="2" charset="-127"/>
+            </a:endParaRPr>
+          </a:p>
+          <a:p>
             <a:r>
               <a:rPr lang="ko-KR" altLang="en-US" dirty="0" smtClean="0">
                 <a:solidFill>
@@ -3367,7 +3387,7 @@
         </p:nvSpPr>
         <p:spPr>
           <a:xfrm>
-            <a:off x="252536" y="4838202"/>
+            <a:off x="180528" y="5126234"/>
             <a:ext cx="8711952" cy="384721"/>
           </a:xfrm>
           <a:prstGeom prst="rect">
@@ -3431,7 +3451,7 @@
         </p:nvSpPr>
         <p:spPr>
           <a:xfrm>
-            <a:off x="252536" y="5309393"/>
+            <a:off x="180528" y="5597425"/>
             <a:ext cx="8711952" cy="384721"/>
           </a:xfrm>
           <a:prstGeom prst="rect">
@@ -3516,7 +3536,7 @@
         </p:nvSpPr>
         <p:spPr>
           <a:xfrm>
-            <a:off x="252536" y="5780583"/>
+            <a:off x="180528" y="6068615"/>
             <a:ext cx="8711952" cy="384721"/>
           </a:xfrm>
           <a:prstGeom prst="rect">
@@ -3595,7 +3615,7 @@
         </p:blipFill>
         <p:spPr bwMode="auto">
           <a:xfrm>
-            <a:off x="767702" y="871474"/>
+            <a:off x="767702" y="560023"/>
             <a:ext cx="7476706" cy="3349614"/>
           </a:xfrm>
           <a:prstGeom prst="rect">
@@ -3615,19 +3635,70 @@
       </p:pic>
       <p:sp>
         <p:nvSpPr>
-          <p:cNvPr id="12" name="TextBox 11"/>
+          <p:cNvPr id="9" name="직사각형 8"/>
+          <p:cNvSpPr/>
+          <p:nvPr/>
+        </p:nvSpPr>
+        <p:spPr>
+          <a:xfrm>
+            <a:off x="223421" y="588749"/>
+            <a:ext cx="7444923" cy="166081"/>
+          </a:xfrm>
+          <a:prstGeom prst="rect">
+            <a:avLst/>
+          </a:prstGeom>
+          <a:solidFill>
+            <a:srgbClr val="E1251B"/>
+          </a:solidFill>
+          <a:ln>
+            <a:noFill/>
+          </a:ln>
+        </p:spPr>
+        <p:style>
+          <a:lnRef idx="2">
+            <a:schemeClr val="accent1">
+              <a:shade val="50000"/>
+            </a:schemeClr>
+          </a:lnRef>
+          <a:fillRef idx="1">
+            <a:schemeClr val="accent1"/>
+          </a:fillRef>
+          <a:effectRef idx="0">
+            <a:schemeClr val="accent1"/>
+          </a:effectRef>
+          <a:fontRef idx="minor">
+            <a:schemeClr val="lt1"/>
+          </a:fontRef>
+        </p:style>
+        <p:txBody>
+          <a:bodyPr rtlCol="0" anchor="ctr"/>
+          <a:lstStyle/>
+          <a:p>
+            <a:pPr algn="ctr"/>
+            <a:endParaRPr lang="ko-KR" altLang="en-US"/>
+          </a:p>
+        </p:txBody>
+      </p:sp>
+      <p:sp>
+        <p:nvSpPr>
+          <p:cNvPr id="10" name="TextBox 9"/>
           <p:cNvSpPr txBox="1"/>
           <p:nvPr/>
         </p:nvSpPr>
         <p:spPr>
           <a:xfrm>
-            <a:off x="251520" y="411612"/>
-            <a:ext cx="6984776" cy="461665"/>
+            <a:off x="395536" y="188640"/>
+            <a:ext cx="7632848" cy="400110"/>
           </a:xfrm>
           <a:prstGeom prst="rect">
             <a:avLst/>
           </a:prstGeom>
           <a:noFill/>
+          <a:ln w="28575">
+            <a:solidFill>
+              <a:srgbClr val="E1251B"/>
+            </a:solidFill>
+          </a:ln>
         </p:spPr>
         <p:txBody>
           <a:bodyPr wrap="square" rtlCol="0">
@@ -3636,47 +3707,83 @@
           <a:lstStyle/>
           <a:p>
             <a:r>
-              <a:rPr lang="en-US" altLang="ko-KR" sz="2400" dirty="0" smtClean="0">
+              <a:rPr lang="en-US" altLang="ko-KR" sz="2000" dirty="0" smtClean="0">
                 <a:latin typeface="나눔스퀘어 네오 Heavy" pitchFamily="2" charset="-127"/>
                 <a:ea typeface="나눔스퀘어 네오 Heavy" pitchFamily="2" charset="-127"/>
               </a:rPr>
-              <a:t>02. </a:t>
-            </a:r>
-            <a:r>
-              <a:rPr lang="ko-KR" altLang="en-US" sz="2400" dirty="0" smtClean="0">
+              <a:t>02 </a:t>
+            </a:r>
+            <a:r>
+              <a:rPr lang="ko-KR" altLang="en-US" sz="2000" dirty="0" smtClean="0">
                 <a:latin typeface="나눔스퀘어 네오 Heavy" pitchFamily="2" charset="-127"/>
                 <a:ea typeface="나눔스퀘어 네오 Heavy" pitchFamily="2" charset="-127"/>
               </a:rPr>
               <a:t>사용자 조사</a:t>
             </a:r>
             <a:r>
-              <a:rPr lang="en-US" altLang="ko-KR" sz="2400" dirty="0">
+              <a:rPr lang="en-US" altLang="ko-KR" sz="2000" dirty="0" smtClean="0">
                 <a:latin typeface="나눔스퀘어 네오 Heavy" pitchFamily="2" charset="-127"/>
                 <a:ea typeface="나눔스퀘어 네오 Heavy" pitchFamily="2" charset="-127"/>
               </a:rPr>
-              <a:t> </a:t>
-            </a:r>
-            <a:r>
-              <a:rPr lang="en-US" altLang="ko-KR" sz="2400" dirty="0" smtClean="0">
-                <a:latin typeface="나눔스퀘어 네오 Heavy" pitchFamily="2" charset="-127"/>
-                <a:ea typeface="나눔스퀘어 네오 Heavy" pitchFamily="2" charset="-127"/>
-              </a:rPr>
-              <a:t>– </a:t>
-            </a:r>
-            <a:r>
-              <a:rPr lang="ko-KR" altLang="en-US" sz="2400" dirty="0" smtClean="0">
-                <a:latin typeface="나눔스퀘어 네오 Heavy" pitchFamily="2" charset="-127"/>
-                <a:ea typeface="나눔스퀘어 네오 Heavy" pitchFamily="2" charset="-127"/>
-              </a:rPr>
-              <a:t>조사방법과 결과 요약</a:t>
-            </a:r>
-            <a:endParaRPr lang="ko-KR" altLang="en-US" sz="1400" dirty="0">
+              <a:t>: </a:t>
+            </a:r>
+            <a:r>
+              <a:rPr lang="ko-KR" altLang="en-US" dirty="0" smtClean="0"/>
+              <a:t>조사방법과 결과요약</a:t>
+            </a:r>
+            <a:endParaRPr lang="en-US" altLang="ko-KR" dirty="0" smtClean="0">
               <a:solidFill>
-                <a:srgbClr val="E1251B"/>
+                <a:srgbClr val="212121"/>
               </a:solidFill>
               <a:latin typeface="나눔스퀘어OTF Bold" pitchFamily="34" charset="-127"/>
               <a:ea typeface="나눔스퀘어OTF Bold" pitchFamily="34" charset="-127"/>
             </a:endParaRPr>
+          </a:p>
+        </p:txBody>
+      </p:sp>
+      <p:sp>
+        <p:nvSpPr>
+          <p:cNvPr id="11" name="직사각형 10"/>
+          <p:cNvSpPr/>
+          <p:nvPr/>
+        </p:nvSpPr>
+        <p:spPr>
+          <a:xfrm>
+            <a:off x="223421" y="422560"/>
+            <a:ext cx="172115" cy="332380"/>
+          </a:xfrm>
+          <a:prstGeom prst="rect">
+            <a:avLst/>
+          </a:prstGeom>
+          <a:solidFill>
+            <a:srgbClr val="E1251B"/>
+          </a:solidFill>
+          <a:ln>
+            <a:noFill/>
+          </a:ln>
+        </p:spPr>
+        <p:style>
+          <a:lnRef idx="2">
+            <a:schemeClr val="accent1">
+              <a:shade val="50000"/>
+            </a:schemeClr>
+          </a:lnRef>
+          <a:fillRef idx="1">
+            <a:schemeClr val="accent1"/>
+          </a:fillRef>
+          <a:effectRef idx="0">
+            <a:schemeClr val="accent1"/>
+          </a:effectRef>
+          <a:fontRef idx="minor">
+            <a:schemeClr val="lt1"/>
+          </a:fontRef>
+        </p:style>
+        <p:txBody>
+          <a:bodyPr rtlCol="0" anchor="ctr"/>
+          <a:lstStyle/>
+          <a:p>
+            <a:pPr algn="ctr"/>
+            <a:endParaRPr lang="ko-KR" altLang="en-US"/>
           </a:p>
         </p:txBody>
       </p:sp>
@@ -10660,19 +10767,122 @@
       </p:grpSpPr>
       <p:sp>
         <p:nvSpPr>
+          <p:cNvPr id="28" name="직사각형 27"/>
+          <p:cNvSpPr/>
+          <p:nvPr/>
+        </p:nvSpPr>
+        <p:spPr>
+          <a:xfrm>
+            <a:off x="0" y="0"/>
+            <a:ext cx="9144000" cy="6858000"/>
+          </a:xfrm>
+          <a:prstGeom prst="rect">
+            <a:avLst/>
+          </a:prstGeom>
+          <a:solidFill>
+            <a:srgbClr val="FFEEDD"/>
+          </a:solidFill>
+          <a:ln>
+            <a:noFill/>
+          </a:ln>
+        </p:spPr>
+        <p:style>
+          <a:lnRef idx="2">
+            <a:schemeClr val="accent1">
+              <a:shade val="50000"/>
+            </a:schemeClr>
+          </a:lnRef>
+          <a:fillRef idx="1">
+            <a:schemeClr val="accent1"/>
+          </a:fillRef>
+          <a:effectRef idx="0">
+            <a:schemeClr val="accent1"/>
+          </a:effectRef>
+          <a:fontRef idx="minor">
+            <a:schemeClr val="lt1"/>
+          </a:fontRef>
+        </p:style>
+        <p:txBody>
+          <a:bodyPr rtlCol="0" anchor="ctr"/>
+          <a:lstStyle/>
+          <a:p>
+            <a:pPr algn="ctr"/>
+            <a:r>
+              <a:rPr lang="en-US" altLang="ko-KR" dirty="0" smtClean="0"/>
+              <a:t> </a:t>
+            </a:r>
+            <a:endParaRPr lang="ko-KR" altLang="en-US" dirty="0"/>
+          </a:p>
+        </p:txBody>
+      </p:sp>
+      <p:sp>
+        <p:nvSpPr>
+          <p:cNvPr id="21" name="직사각형 20"/>
+          <p:cNvSpPr/>
+          <p:nvPr/>
+        </p:nvSpPr>
+        <p:spPr>
+          <a:xfrm>
+            <a:off x="223421" y="422451"/>
+            <a:ext cx="7444923" cy="332380"/>
+          </a:xfrm>
+          <a:prstGeom prst="rect">
+            <a:avLst/>
+          </a:prstGeom>
+          <a:solidFill>
+            <a:srgbClr val="E1251B"/>
+          </a:solidFill>
+          <a:ln>
+            <a:noFill/>
+          </a:ln>
+        </p:spPr>
+        <p:style>
+          <a:lnRef idx="2">
+            <a:schemeClr val="accent1">
+              <a:shade val="50000"/>
+            </a:schemeClr>
+          </a:lnRef>
+          <a:fillRef idx="1">
+            <a:schemeClr val="accent1"/>
+          </a:fillRef>
+          <a:effectRef idx="0">
+            <a:schemeClr val="accent1"/>
+          </a:effectRef>
+          <a:fontRef idx="minor">
+            <a:schemeClr val="lt1"/>
+          </a:fontRef>
+        </p:style>
+        <p:txBody>
+          <a:bodyPr rtlCol="0" anchor="ctr"/>
+          <a:lstStyle/>
+          <a:p>
+            <a:pPr algn="ctr"/>
+            <a:endParaRPr lang="ko-KR" altLang="en-US"/>
+          </a:p>
+        </p:txBody>
+      </p:sp>
+      <p:sp>
+        <p:nvSpPr>
           <p:cNvPr id="2" name="TextBox 1"/>
           <p:cNvSpPr txBox="1"/>
           <p:nvPr/>
         </p:nvSpPr>
         <p:spPr>
           <a:xfrm>
-            <a:off x="539552" y="296822"/>
-            <a:ext cx="7056784" cy="369332"/>
-          </a:xfrm>
-          <a:prstGeom prst="rect">
-            <a:avLst/>
-          </a:prstGeom>
-          <a:noFill/>
+            <a:off x="395536" y="188640"/>
+            <a:ext cx="7632848" cy="400110"/>
+          </a:xfrm>
+          <a:prstGeom prst="rect">
+            <a:avLst/>
+          </a:prstGeom>
+          <a:solidFill>
+            <a:srgbClr val="FFEEDD"/>
+          </a:solidFill>
+          <a:ln w="28575">
+            <a:solidFill>
+              <a:srgbClr val="E1251B"/>
+            </a:solidFill>
+          </a:ln>
         </p:spPr>
         <p:txBody>
           <a:bodyPr wrap="square" rtlCol="0">
@@ -10681,35 +10891,780 @@
           <a:lstStyle/>
           <a:p>
             <a:r>
-              <a:rPr lang="en-US" altLang="ko-KR" dirty="0" smtClean="0"/>
-              <a:t>1.</a:t>
-            </a:r>
-            <a:r>
-              <a:rPr lang="ko-KR" altLang="en-US" dirty="0" smtClean="0"/>
-              <a:t>시장 환경 조사 및 분석하기</a:t>
-            </a:r>
-            <a:r>
-              <a:rPr lang="en-US" altLang="ko-KR" dirty="0" smtClean="0"/>
-              <a:t>-</a:t>
-            </a:r>
-            <a:r>
-              <a:rPr lang="ko-KR" altLang="en-US" dirty="0" smtClean="0"/>
+              <a:rPr lang="en-US" altLang="ko-KR" sz="2000" dirty="0" smtClean="0">
+                <a:latin typeface="나눔스퀘어 네오 Heavy" pitchFamily="2" charset="-127"/>
+                <a:ea typeface="나눔스퀘어 네오 Heavy" pitchFamily="2" charset="-127"/>
+              </a:rPr>
+              <a:t>01 </a:t>
+            </a:r>
+            <a:r>
+              <a:rPr lang="ko-KR" altLang="en-US" sz="2000" dirty="0" smtClean="0">
+                <a:latin typeface="나눔스퀘어 네오 Heavy" pitchFamily="2" charset="-127"/>
+                <a:ea typeface="나눔스퀘어 네오 Heavy" pitchFamily="2" charset="-127"/>
+              </a:rPr>
+              <a:t>시장 환경 조사 및 분석하기 </a:t>
+            </a:r>
+            <a:r>
+              <a:rPr lang="en-US" altLang="ko-KR" sz="2000" dirty="0" smtClean="0">
+                <a:latin typeface="나눔스퀘어 네오 Heavy" pitchFamily="2" charset="-127"/>
+                <a:ea typeface="나눔스퀘어 네오 Heavy" pitchFamily="2" charset="-127"/>
+              </a:rPr>
+              <a:t>: </a:t>
+            </a:r>
+            <a:r>
+              <a:rPr lang="ko-KR" altLang="en-US" dirty="0"/>
               <a:t>키워드 도출과 체크리스트</a:t>
             </a:r>
-            <a:endParaRPr lang="en-US" altLang="ko-KR" dirty="0" smtClean="0"/>
-          </a:p>
-        </p:txBody>
-      </p:sp>
-      <p:sp>
-        <p:nvSpPr>
-          <p:cNvPr id="7" name="TextBox 6"/>
+            <a:endParaRPr lang="en-US" altLang="ko-KR" dirty="0" smtClean="0">
+              <a:solidFill>
+                <a:srgbClr val="212121"/>
+              </a:solidFill>
+              <a:latin typeface="나눔스퀘어OTF Bold" pitchFamily="34" charset="-127"/>
+              <a:ea typeface="나눔스퀘어OTF Bold" pitchFamily="34" charset="-127"/>
+            </a:endParaRPr>
+          </a:p>
+        </p:txBody>
+      </p:sp>
+      <p:sp>
+        <p:nvSpPr>
+          <p:cNvPr id="17" name="직사각형 16"/>
+          <p:cNvSpPr/>
+          <p:nvPr/>
+        </p:nvSpPr>
+        <p:spPr>
+          <a:xfrm>
+            <a:off x="899592" y="1153785"/>
+            <a:ext cx="1299040" cy="669555"/>
+          </a:xfrm>
+          <a:prstGeom prst="rect">
+            <a:avLst/>
+          </a:prstGeom>
+          <a:noFill/>
+          <a:ln w="38100">
+            <a:solidFill>
+              <a:srgbClr val="E1251B"/>
+            </a:solidFill>
+          </a:ln>
+        </p:spPr>
+        <p:style>
+          <a:lnRef idx="2">
+            <a:schemeClr val="accent1">
+              <a:shade val="50000"/>
+            </a:schemeClr>
+          </a:lnRef>
+          <a:fillRef idx="1">
+            <a:schemeClr val="accent1"/>
+          </a:fillRef>
+          <a:effectRef idx="0">
+            <a:schemeClr val="accent1"/>
+          </a:effectRef>
+          <a:fontRef idx="minor">
+            <a:schemeClr val="lt1"/>
+          </a:fontRef>
+        </p:style>
+        <p:txBody>
+          <a:bodyPr rtlCol="0" anchor="ctr"/>
+          <a:lstStyle/>
+          <a:p>
+            <a:pPr algn="ctr"/>
+            <a:r>
+              <a:rPr lang="ko-KR" altLang="en-US" sz="1600" dirty="0" smtClean="0">
+                <a:solidFill>
+                  <a:srgbClr val="212121"/>
+                </a:solidFill>
+                <a:latin typeface="나눔고딕OTF ExtraBold" pitchFamily="34" charset="-127"/>
+                <a:ea typeface="나눔고딕OTF ExtraBold" pitchFamily="34" charset="-127"/>
+              </a:rPr>
+              <a:t>브랜드 컬러</a:t>
+            </a:r>
+            <a:endParaRPr lang="ko-KR" altLang="en-US" sz="1600" dirty="0">
+              <a:solidFill>
+                <a:srgbClr val="212121"/>
+              </a:solidFill>
+              <a:latin typeface="나눔고딕OTF ExtraBold" pitchFamily="34" charset="-127"/>
+              <a:ea typeface="나눔고딕OTF ExtraBold" pitchFamily="34" charset="-127"/>
+            </a:endParaRPr>
+          </a:p>
+        </p:txBody>
+      </p:sp>
+      <p:sp>
+        <p:nvSpPr>
+          <p:cNvPr id="19" name="직사각형 18"/>
+          <p:cNvSpPr/>
+          <p:nvPr/>
+        </p:nvSpPr>
+        <p:spPr>
+          <a:xfrm>
+            <a:off x="1187624" y="805566"/>
+            <a:ext cx="721653" cy="549438"/>
+          </a:xfrm>
+          <a:prstGeom prst="rect">
+            <a:avLst/>
+          </a:prstGeom>
+          <a:solidFill>
+            <a:srgbClr val="FFEEDD"/>
+          </a:solidFill>
+          <a:ln>
+            <a:noFill/>
+          </a:ln>
+        </p:spPr>
+        <p:style>
+          <a:lnRef idx="2">
+            <a:schemeClr val="accent1">
+              <a:shade val="50000"/>
+            </a:schemeClr>
+          </a:lnRef>
+          <a:fillRef idx="1">
+            <a:schemeClr val="accent1"/>
+          </a:fillRef>
+          <a:effectRef idx="0">
+            <a:schemeClr val="accent1"/>
+          </a:effectRef>
+          <a:fontRef idx="minor">
+            <a:schemeClr val="lt1"/>
+          </a:fontRef>
+        </p:style>
+        <p:txBody>
+          <a:bodyPr rtlCol="0" anchor="ctr"/>
+          <a:lstStyle/>
+          <a:p>
+            <a:pPr algn="ctr"/>
+            <a:endParaRPr lang="ko-KR" altLang="en-US"/>
+          </a:p>
+        </p:txBody>
+      </p:sp>
+      <p:pic>
+        <p:nvPicPr>
+          <p:cNvPr id="20" name="Picture 5" descr="C:\Users\13\Desktop\동화약품\자료3.png"/>
+          <p:cNvPicPr>
+            <a:picLocks noChangeAspect="1" noChangeArrowheads="1"/>
+          </p:cNvPicPr>
+          <p:nvPr/>
+        </p:nvPicPr>
+        <p:blipFill>
+          <a:blip r:embed="rId2" cstate="print">
+            <a:extLst>
+              <a:ext uri="{28A0092B-C50C-407E-A947-70E740481C1C}">
+                <a14:useLocalDpi xmlns:a14="http://schemas.microsoft.com/office/drawing/2010/main" val="0"/>
+              </a:ext>
+            </a:extLst>
+          </a:blip>
+          <a:srcRect/>
+          <a:stretch>
+            <a:fillRect/>
+          </a:stretch>
+        </p:blipFill>
+        <p:spPr bwMode="auto">
+          <a:xfrm>
+            <a:off x="1287344" y="883983"/>
+            <a:ext cx="532820" cy="392604"/>
+          </a:xfrm>
+          <a:prstGeom prst="rect">
+            <a:avLst/>
+          </a:prstGeom>
+          <a:noFill/>
+          <a:ln>
+            <a:noFill/>
+          </a:ln>
+          <a:extLst>
+            <a:ext uri="{909E8E84-426E-40DD-AFC4-6F175D3DCCD1}">
+              <a14:hiddenFill xmlns:a14="http://schemas.microsoft.com/office/drawing/2010/main">
+                <a:solidFill>
+                  <a:srgbClr val="FFFFFF"/>
+                </a:solidFill>
+              </a14:hiddenFill>
+            </a:ext>
+          </a:extLst>
+        </p:spPr>
+      </p:pic>
+      <p:sp>
+        <p:nvSpPr>
+          <p:cNvPr id="55" name="직사각형 54"/>
+          <p:cNvSpPr/>
+          <p:nvPr/>
+        </p:nvSpPr>
+        <p:spPr>
+          <a:xfrm>
+            <a:off x="2314935" y="1153785"/>
+            <a:ext cx="1299040" cy="669555"/>
+          </a:xfrm>
+          <a:prstGeom prst="rect">
+            <a:avLst/>
+          </a:prstGeom>
+          <a:noFill/>
+          <a:ln w="38100">
+            <a:solidFill>
+              <a:srgbClr val="E1251B"/>
+            </a:solidFill>
+          </a:ln>
+        </p:spPr>
+        <p:style>
+          <a:lnRef idx="2">
+            <a:schemeClr val="accent1">
+              <a:shade val="50000"/>
+            </a:schemeClr>
+          </a:lnRef>
+          <a:fillRef idx="1">
+            <a:schemeClr val="accent1"/>
+          </a:fillRef>
+          <a:effectRef idx="0">
+            <a:schemeClr val="accent1"/>
+          </a:effectRef>
+          <a:fontRef idx="minor">
+            <a:schemeClr val="lt1"/>
+          </a:fontRef>
+        </p:style>
+        <p:txBody>
+          <a:bodyPr rtlCol="0" anchor="ctr"/>
+          <a:lstStyle/>
+          <a:p>
+            <a:pPr algn="ctr"/>
+            <a:endParaRPr lang="ko-KR" altLang="en-US" sz="1600" dirty="0">
+              <a:solidFill>
+                <a:srgbClr val="212121"/>
+              </a:solidFill>
+              <a:latin typeface="나눔고딕OTF ExtraBold" pitchFamily="34" charset="-127"/>
+              <a:ea typeface="나눔고딕OTF ExtraBold" pitchFamily="34" charset="-127"/>
+            </a:endParaRPr>
+          </a:p>
+        </p:txBody>
+      </p:sp>
+      <p:sp>
+        <p:nvSpPr>
+          <p:cNvPr id="56" name="직사각형 55"/>
+          <p:cNvSpPr/>
+          <p:nvPr/>
+        </p:nvSpPr>
+        <p:spPr>
+          <a:xfrm>
+            <a:off x="2626211" y="805566"/>
+            <a:ext cx="721653" cy="549438"/>
+          </a:xfrm>
+          <a:prstGeom prst="rect">
+            <a:avLst/>
+          </a:prstGeom>
+          <a:solidFill>
+            <a:srgbClr val="FFEEDD"/>
+          </a:solidFill>
+          <a:ln>
+            <a:noFill/>
+          </a:ln>
+        </p:spPr>
+        <p:style>
+          <a:lnRef idx="2">
+            <a:schemeClr val="accent1">
+              <a:shade val="50000"/>
+            </a:schemeClr>
+          </a:lnRef>
+          <a:fillRef idx="1">
+            <a:schemeClr val="accent1"/>
+          </a:fillRef>
+          <a:effectRef idx="0">
+            <a:schemeClr val="accent1"/>
+          </a:effectRef>
+          <a:fontRef idx="minor">
+            <a:schemeClr val="lt1"/>
+          </a:fontRef>
+        </p:style>
+        <p:txBody>
+          <a:bodyPr rtlCol="0" anchor="ctr"/>
+          <a:lstStyle/>
+          <a:p>
+            <a:pPr algn="ctr"/>
+            <a:endParaRPr lang="ko-KR" altLang="en-US"/>
+          </a:p>
+        </p:txBody>
+      </p:sp>
+      <p:pic>
+        <p:nvPicPr>
+          <p:cNvPr id="57" name="Picture 5" descr="C:\Users\13\Desktop\동화약품\자료3.png"/>
+          <p:cNvPicPr>
+            <a:picLocks noChangeAspect="1" noChangeArrowheads="1"/>
+          </p:cNvPicPr>
+          <p:nvPr/>
+        </p:nvPicPr>
+        <p:blipFill>
+          <a:blip r:embed="rId2" cstate="print">
+            <a:extLst>
+              <a:ext uri="{28A0092B-C50C-407E-A947-70E740481C1C}">
+                <a14:useLocalDpi xmlns:a14="http://schemas.microsoft.com/office/drawing/2010/main" val="0"/>
+              </a:ext>
+            </a:extLst>
+          </a:blip>
+          <a:srcRect/>
+          <a:stretch>
+            <a:fillRect/>
+          </a:stretch>
+        </p:blipFill>
+        <p:spPr bwMode="auto">
+          <a:xfrm>
+            <a:off x="2702687" y="883983"/>
+            <a:ext cx="532820" cy="392604"/>
+          </a:xfrm>
+          <a:prstGeom prst="rect">
+            <a:avLst/>
+          </a:prstGeom>
+          <a:noFill/>
+          <a:ln>
+            <a:noFill/>
+          </a:ln>
+          <a:extLst>
+            <a:ext uri="{909E8E84-426E-40DD-AFC4-6F175D3DCCD1}">
+              <a14:hiddenFill xmlns:a14="http://schemas.microsoft.com/office/drawing/2010/main">
+                <a:solidFill>
+                  <a:srgbClr val="FFFFFF"/>
+                </a:solidFill>
+              </a14:hiddenFill>
+            </a:ext>
+          </a:extLst>
+        </p:spPr>
+      </p:pic>
+      <p:sp>
+        <p:nvSpPr>
+          <p:cNvPr id="64" name="직사각형 63"/>
+          <p:cNvSpPr/>
+          <p:nvPr/>
+        </p:nvSpPr>
+        <p:spPr>
+          <a:xfrm>
+            <a:off x="3755095" y="1153785"/>
+            <a:ext cx="1299040" cy="669555"/>
+          </a:xfrm>
+          <a:prstGeom prst="rect">
+            <a:avLst/>
+          </a:prstGeom>
+          <a:noFill/>
+          <a:ln w="38100">
+            <a:solidFill>
+              <a:srgbClr val="E1251B"/>
+            </a:solidFill>
+          </a:ln>
+        </p:spPr>
+        <p:style>
+          <a:lnRef idx="2">
+            <a:schemeClr val="accent1">
+              <a:shade val="50000"/>
+            </a:schemeClr>
+          </a:lnRef>
+          <a:fillRef idx="1">
+            <a:schemeClr val="accent1"/>
+          </a:fillRef>
+          <a:effectRef idx="0">
+            <a:schemeClr val="accent1"/>
+          </a:effectRef>
+          <a:fontRef idx="minor">
+            <a:schemeClr val="lt1"/>
+          </a:fontRef>
+        </p:style>
+        <p:txBody>
+          <a:bodyPr rtlCol="0" anchor="ctr"/>
+          <a:lstStyle/>
+          <a:p>
+            <a:pPr algn="ctr"/>
+            <a:r>
+              <a:rPr lang="ko-KR" altLang="en-US" sz="1600" dirty="0" err="1" smtClean="0">
+                <a:solidFill>
+                  <a:srgbClr val="212121"/>
+                </a:solidFill>
+                <a:latin typeface="나눔고딕OTF ExtraBold" pitchFamily="34" charset="-127"/>
+                <a:ea typeface="나눔고딕OTF ExtraBold" pitchFamily="34" charset="-127"/>
+              </a:rPr>
+              <a:t>접근성</a:t>
+            </a:r>
+            <a:endParaRPr lang="ko-KR" altLang="en-US" sz="1600" dirty="0">
+              <a:solidFill>
+                <a:srgbClr val="212121"/>
+              </a:solidFill>
+              <a:latin typeface="나눔고딕OTF ExtraBold" pitchFamily="34" charset="-127"/>
+              <a:ea typeface="나눔고딕OTF ExtraBold" pitchFamily="34" charset="-127"/>
+            </a:endParaRPr>
+          </a:p>
+        </p:txBody>
+      </p:sp>
+      <p:sp>
+        <p:nvSpPr>
+          <p:cNvPr id="65" name="직사각형 64"/>
+          <p:cNvSpPr/>
+          <p:nvPr/>
+        </p:nvSpPr>
+        <p:spPr>
+          <a:xfrm>
+            <a:off x="4067944" y="805566"/>
+            <a:ext cx="721653" cy="549438"/>
+          </a:xfrm>
+          <a:prstGeom prst="rect">
+            <a:avLst/>
+          </a:prstGeom>
+          <a:solidFill>
+            <a:srgbClr val="FFEEDD"/>
+          </a:solidFill>
+          <a:ln>
+            <a:noFill/>
+          </a:ln>
+        </p:spPr>
+        <p:style>
+          <a:lnRef idx="2">
+            <a:schemeClr val="accent1">
+              <a:shade val="50000"/>
+            </a:schemeClr>
+          </a:lnRef>
+          <a:fillRef idx="1">
+            <a:schemeClr val="accent1"/>
+          </a:fillRef>
+          <a:effectRef idx="0">
+            <a:schemeClr val="accent1"/>
+          </a:effectRef>
+          <a:fontRef idx="minor">
+            <a:schemeClr val="lt1"/>
+          </a:fontRef>
+        </p:style>
+        <p:txBody>
+          <a:bodyPr rtlCol="0" anchor="ctr"/>
+          <a:lstStyle/>
+          <a:p>
+            <a:pPr algn="ctr"/>
+            <a:endParaRPr lang="ko-KR" altLang="en-US"/>
+          </a:p>
+        </p:txBody>
+      </p:sp>
+      <p:pic>
+        <p:nvPicPr>
+          <p:cNvPr id="66" name="Picture 5" descr="C:\Users\13\Desktop\동화약품\자료3.png"/>
+          <p:cNvPicPr>
+            <a:picLocks noChangeAspect="1" noChangeArrowheads="1"/>
+          </p:cNvPicPr>
+          <p:nvPr/>
+        </p:nvPicPr>
+        <p:blipFill>
+          <a:blip r:embed="rId2" cstate="print">
+            <a:extLst>
+              <a:ext uri="{28A0092B-C50C-407E-A947-70E740481C1C}">
+                <a14:useLocalDpi xmlns:a14="http://schemas.microsoft.com/office/drawing/2010/main" val="0"/>
+              </a:ext>
+            </a:extLst>
+          </a:blip>
+          <a:srcRect/>
+          <a:stretch>
+            <a:fillRect/>
+          </a:stretch>
+        </p:blipFill>
+        <p:spPr bwMode="auto">
+          <a:xfrm>
+            <a:off x="4142847" y="883983"/>
+            <a:ext cx="532820" cy="392604"/>
+          </a:xfrm>
+          <a:prstGeom prst="rect">
+            <a:avLst/>
+          </a:prstGeom>
+          <a:noFill/>
+          <a:ln>
+            <a:noFill/>
+          </a:ln>
+          <a:extLst>
+            <a:ext uri="{909E8E84-426E-40DD-AFC4-6F175D3DCCD1}">
+              <a14:hiddenFill xmlns:a14="http://schemas.microsoft.com/office/drawing/2010/main">
+                <a:solidFill>
+                  <a:srgbClr val="FFFFFF"/>
+                </a:solidFill>
+              </a14:hiddenFill>
+            </a:ext>
+          </a:extLst>
+        </p:spPr>
+      </p:pic>
+      <p:sp>
+        <p:nvSpPr>
+          <p:cNvPr id="67" name="직사각형 66"/>
+          <p:cNvSpPr/>
+          <p:nvPr/>
+        </p:nvSpPr>
+        <p:spPr>
+          <a:xfrm>
+            <a:off x="5189571" y="1153785"/>
+            <a:ext cx="1299040" cy="669555"/>
+          </a:xfrm>
+          <a:prstGeom prst="rect">
+            <a:avLst/>
+          </a:prstGeom>
+          <a:noFill/>
+          <a:ln w="38100">
+            <a:solidFill>
+              <a:srgbClr val="E1251B"/>
+            </a:solidFill>
+          </a:ln>
+        </p:spPr>
+        <p:style>
+          <a:lnRef idx="2">
+            <a:schemeClr val="accent1">
+              <a:shade val="50000"/>
+            </a:schemeClr>
+          </a:lnRef>
+          <a:fillRef idx="1">
+            <a:schemeClr val="accent1"/>
+          </a:fillRef>
+          <a:effectRef idx="0">
+            <a:schemeClr val="accent1"/>
+          </a:effectRef>
+          <a:fontRef idx="minor">
+            <a:schemeClr val="lt1"/>
+          </a:fontRef>
+        </p:style>
+        <p:txBody>
+          <a:bodyPr rtlCol="0" anchor="ctr"/>
+          <a:lstStyle/>
+          <a:p>
+            <a:pPr algn="ctr"/>
+            <a:endParaRPr lang="ko-KR" altLang="en-US" sz="1600" dirty="0">
+              <a:solidFill>
+                <a:srgbClr val="212121"/>
+              </a:solidFill>
+              <a:latin typeface="나눔고딕OTF ExtraBold" pitchFamily="34" charset="-127"/>
+              <a:ea typeface="나눔고딕OTF ExtraBold" pitchFamily="34" charset="-127"/>
+            </a:endParaRPr>
+          </a:p>
+        </p:txBody>
+      </p:sp>
+      <p:sp>
+        <p:nvSpPr>
+          <p:cNvPr id="68" name="직사각형 67"/>
+          <p:cNvSpPr/>
+          <p:nvPr/>
+        </p:nvSpPr>
+        <p:spPr>
+          <a:xfrm>
+            <a:off x="5508104" y="805566"/>
+            <a:ext cx="721653" cy="549438"/>
+          </a:xfrm>
+          <a:prstGeom prst="rect">
+            <a:avLst/>
+          </a:prstGeom>
+          <a:solidFill>
+            <a:srgbClr val="FFEEDD"/>
+          </a:solidFill>
+          <a:ln>
+            <a:noFill/>
+          </a:ln>
+        </p:spPr>
+        <p:style>
+          <a:lnRef idx="2">
+            <a:schemeClr val="accent1">
+              <a:shade val="50000"/>
+            </a:schemeClr>
+          </a:lnRef>
+          <a:fillRef idx="1">
+            <a:schemeClr val="accent1"/>
+          </a:fillRef>
+          <a:effectRef idx="0">
+            <a:schemeClr val="accent1"/>
+          </a:effectRef>
+          <a:fontRef idx="minor">
+            <a:schemeClr val="lt1"/>
+          </a:fontRef>
+        </p:style>
+        <p:txBody>
+          <a:bodyPr rtlCol="0" anchor="ctr"/>
+          <a:lstStyle/>
+          <a:p>
+            <a:pPr algn="ctr"/>
+            <a:endParaRPr lang="ko-KR" altLang="en-US"/>
+          </a:p>
+        </p:txBody>
+      </p:sp>
+      <p:pic>
+        <p:nvPicPr>
+          <p:cNvPr id="69" name="Picture 5" descr="C:\Users\13\Desktop\동화약품\자료3.png"/>
+          <p:cNvPicPr>
+            <a:picLocks noChangeAspect="1" noChangeArrowheads="1"/>
+          </p:cNvPicPr>
+          <p:nvPr/>
+        </p:nvPicPr>
+        <p:blipFill>
+          <a:blip r:embed="rId2" cstate="print">
+            <a:extLst>
+              <a:ext uri="{28A0092B-C50C-407E-A947-70E740481C1C}">
+                <a14:useLocalDpi xmlns:a14="http://schemas.microsoft.com/office/drawing/2010/main" val="0"/>
+              </a:ext>
+            </a:extLst>
+          </a:blip>
+          <a:srcRect/>
+          <a:stretch>
+            <a:fillRect/>
+          </a:stretch>
+        </p:blipFill>
+        <p:spPr bwMode="auto">
+          <a:xfrm>
+            <a:off x="5565509" y="883983"/>
+            <a:ext cx="532820" cy="392604"/>
+          </a:xfrm>
+          <a:prstGeom prst="rect">
+            <a:avLst/>
+          </a:prstGeom>
+          <a:noFill/>
+          <a:ln>
+            <a:noFill/>
+          </a:ln>
+          <a:extLst>
+            <a:ext uri="{909E8E84-426E-40DD-AFC4-6F175D3DCCD1}">
+              <a14:hiddenFill xmlns:a14="http://schemas.microsoft.com/office/drawing/2010/main">
+                <a:solidFill>
+                  <a:srgbClr val="FFFFFF"/>
+                </a:solidFill>
+              </a14:hiddenFill>
+            </a:ext>
+          </a:extLst>
+        </p:spPr>
+      </p:pic>
+      <p:sp>
+        <p:nvSpPr>
+          <p:cNvPr id="70" name="직사각형 69"/>
+          <p:cNvSpPr/>
+          <p:nvPr/>
+        </p:nvSpPr>
+        <p:spPr>
+          <a:xfrm>
+            <a:off x="6591119" y="1153786"/>
+            <a:ext cx="1299040" cy="669554"/>
+          </a:xfrm>
+          <a:prstGeom prst="rect">
+            <a:avLst/>
+          </a:prstGeom>
+          <a:noFill/>
+          <a:ln w="38100">
+            <a:solidFill>
+              <a:srgbClr val="E1251B"/>
+            </a:solidFill>
+          </a:ln>
+        </p:spPr>
+        <p:style>
+          <a:lnRef idx="2">
+            <a:schemeClr val="accent1">
+              <a:shade val="50000"/>
+            </a:schemeClr>
+          </a:lnRef>
+          <a:fillRef idx="1">
+            <a:schemeClr val="accent1"/>
+          </a:fillRef>
+          <a:effectRef idx="0">
+            <a:schemeClr val="accent1"/>
+          </a:effectRef>
+          <a:fontRef idx="minor">
+            <a:schemeClr val="lt1"/>
+          </a:fontRef>
+        </p:style>
+        <p:txBody>
+          <a:bodyPr rtlCol="0" anchor="ctr"/>
+          <a:lstStyle/>
+          <a:p>
+            <a:pPr algn="ctr"/>
+            <a:endParaRPr lang="ko-KR" altLang="en-US" sz="1600" dirty="0">
+              <a:solidFill>
+                <a:srgbClr val="212121"/>
+              </a:solidFill>
+              <a:latin typeface="나눔고딕OTF ExtraBold" pitchFamily="34" charset="-127"/>
+              <a:ea typeface="나눔고딕OTF ExtraBold" pitchFamily="34" charset="-127"/>
+            </a:endParaRPr>
+          </a:p>
+        </p:txBody>
+      </p:sp>
+      <p:sp>
+        <p:nvSpPr>
+          <p:cNvPr id="71" name="직사각형 70"/>
+          <p:cNvSpPr/>
+          <p:nvPr/>
+        </p:nvSpPr>
+        <p:spPr>
+          <a:xfrm>
+            <a:off x="6876256" y="805566"/>
+            <a:ext cx="721653" cy="549438"/>
+          </a:xfrm>
+          <a:prstGeom prst="rect">
+            <a:avLst/>
+          </a:prstGeom>
+          <a:solidFill>
+            <a:srgbClr val="FFEEDD"/>
+          </a:solidFill>
+          <a:ln>
+            <a:noFill/>
+          </a:ln>
+        </p:spPr>
+        <p:style>
+          <a:lnRef idx="2">
+            <a:schemeClr val="accent1">
+              <a:shade val="50000"/>
+            </a:schemeClr>
+          </a:lnRef>
+          <a:fillRef idx="1">
+            <a:schemeClr val="accent1"/>
+          </a:fillRef>
+          <a:effectRef idx="0">
+            <a:schemeClr val="accent1"/>
+          </a:effectRef>
+          <a:fontRef idx="minor">
+            <a:schemeClr val="lt1"/>
+          </a:fontRef>
+        </p:style>
+        <p:txBody>
+          <a:bodyPr rtlCol="0" anchor="ctr"/>
+          <a:lstStyle/>
+          <a:p>
+            <a:pPr algn="ctr"/>
+            <a:endParaRPr lang="ko-KR" altLang="en-US"/>
+          </a:p>
+        </p:txBody>
+      </p:sp>
+      <p:pic>
+        <p:nvPicPr>
+          <p:cNvPr id="72" name="Picture 5" descr="C:\Users\13\Desktop\동화약품\자료3.png"/>
+          <p:cNvPicPr>
+            <a:picLocks noChangeAspect="1" noChangeArrowheads="1"/>
+          </p:cNvPicPr>
+          <p:nvPr/>
+        </p:nvPicPr>
+        <p:blipFill>
+          <a:blip r:embed="rId2" cstate="print">
+            <a:extLst>
+              <a:ext uri="{28A0092B-C50C-407E-A947-70E740481C1C}">
+                <a14:useLocalDpi xmlns:a14="http://schemas.microsoft.com/office/drawing/2010/main" val="0"/>
+              </a:ext>
+            </a:extLst>
+          </a:blip>
+          <a:srcRect/>
+          <a:stretch>
+            <a:fillRect/>
+          </a:stretch>
+        </p:blipFill>
+        <p:spPr bwMode="auto">
+          <a:xfrm>
+            <a:off x="6967057" y="883983"/>
+            <a:ext cx="532820" cy="392604"/>
+          </a:xfrm>
+          <a:prstGeom prst="rect">
+            <a:avLst/>
+          </a:prstGeom>
+          <a:noFill/>
+          <a:ln>
+            <a:noFill/>
+          </a:ln>
+          <a:extLst>
+            <a:ext uri="{909E8E84-426E-40DD-AFC4-6F175D3DCCD1}">
+              <a14:hiddenFill xmlns:a14="http://schemas.microsoft.com/office/drawing/2010/main">
+                <a:solidFill>
+                  <a:srgbClr val="FFFFFF"/>
+                </a:solidFill>
+              </a14:hiddenFill>
+            </a:ext>
+          </a:extLst>
+        </p:spPr>
+      </p:pic>
+      <p:sp>
+        <p:nvSpPr>
+          <p:cNvPr id="8" name="TextBox 7"/>
           <p:cNvSpPr txBox="1"/>
           <p:nvPr/>
         </p:nvSpPr>
         <p:spPr>
           <a:xfrm>
-            <a:off x="251520" y="988332"/>
-            <a:ext cx="1597665" cy="323165"/>
+            <a:off x="2487401" y="1240304"/>
+            <a:ext cx="954107" cy="584775"/>
           </a:xfrm>
           <a:prstGeom prst="rect">
             <a:avLst/>
@@ -10717,29 +11672,62 @@
           <a:noFill/>
         </p:spPr>
         <p:txBody>
-          <a:bodyPr wrap="square" rtlCol="0">
+          <a:bodyPr wrap="none" rtlCol="0">
             <a:spAutoFit/>
           </a:bodyPr>
           <a:lstStyle/>
           <a:p>
-            <a:r>
-              <a:rPr lang="ko-KR" altLang="en-US" sz="1500" dirty="0" smtClean="0"/>
-              <a:t>브랜드 컬러</a:t>
-            </a:r>
-            <a:endParaRPr lang="en-US" altLang="ko-KR" sz="1500" dirty="0" smtClean="0"/>
-          </a:p>
-        </p:txBody>
-      </p:sp>
-      <p:sp>
-        <p:nvSpPr>
-          <p:cNvPr id="11" name="TextBox 10"/>
+            <a:pPr algn="ctr"/>
+            <a:r>
+              <a:rPr lang="ko-KR" altLang="en-US" sz="1600" dirty="0">
+                <a:solidFill>
+                  <a:srgbClr val="212121"/>
+                </a:solidFill>
+                <a:latin typeface="나눔고딕OTF ExtraBold" pitchFamily="34" charset="-127"/>
+                <a:ea typeface="나눔고딕OTF ExtraBold" pitchFamily="34" charset="-127"/>
+              </a:rPr>
+              <a:t>직관적인</a:t>
+            </a:r>
+            <a:endParaRPr lang="en-US" altLang="ko-KR" sz="1600" dirty="0">
+              <a:solidFill>
+                <a:srgbClr val="212121"/>
+              </a:solidFill>
+              <a:latin typeface="나눔고딕OTF ExtraBold" pitchFamily="34" charset="-127"/>
+              <a:ea typeface="나눔고딕OTF ExtraBold" pitchFamily="34" charset="-127"/>
+            </a:endParaRPr>
+          </a:p>
+          <a:p>
+            <a:pPr algn="ctr"/>
+            <a:r>
+              <a:rPr lang="ko-KR" altLang="en-US" sz="1600" dirty="0" smtClean="0">
+                <a:solidFill>
+                  <a:srgbClr val="212121"/>
+                </a:solidFill>
+                <a:latin typeface="나눔고딕OTF ExtraBold" pitchFamily="34" charset="-127"/>
+                <a:ea typeface="나눔고딕OTF ExtraBold" pitchFamily="34" charset="-127"/>
+              </a:rPr>
+              <a:t>아이콘</a:t>
+            </a:r>
+            <a:endParaRPr lang="ko-KR" altLang="en-US" sz="1600" dirty="0">
+              <a:solidFill>
+                <a:srgbClr val="212121"/>
+              </a:solidFill>
+              <a:latin typeface="나눔고딕OTF ExtraBold" pitchFamily="34" charset="-127"/>
+              <a:ea typeface="나눔고딕OTF ExtraBold" pitchFamily="34" charset="-127"/>
+            </a:endParaRPr>
+          </a:p>
+        </p:txBody>
+      </p:sp>
+      <p:sp>
+        <p:nvSpPr>
+          <p:cNvPr id="76" name="TextBox 75"/>
           <p:cNvSpPr txBox="1"/>
           <p:nvPr/>
         </p:nvSpPr>
         <p:spPr>
           <a:xfrm>
-            <a:off x="1565633" y="1034498"/>
-            <a:ext cx="1062152" cy="323165"/>
+            <a:off x="5458218" y="1233694"/>
+            <a:ext cx="761747" cy="584775"/>
           </a:xfrm>
           <a:prstGeom prst="rect">
             <a:avLst/>
@@ -10747,29 +11735,72 @@
           <a:noFill/>
         </p:spPr>
         <p:txBody>
-          <a:bodyPr wrap="square" rtlCol="0">
+          <a:bodyPr wrap="none" rtlCol="0">
             <a:spAutoFit/>
           </a:bodyPr>
           <a:lstStyle/>
           <a:p>
-            <a:r>
-              <a:rPr lang="ko-KR" altLang="en-US" sz="1500" dirty="0" smtClean="0"/>
-              <a:t>아이콘</a:t>
-            </a:r>
-            <a:endParaRPr lang="en-US" altLang="ko-KR" sz="1500" dirty="0" smtClean="0"/>
-          </a:p>
-        </p:txBody>
-      </p:sp>
-      <p:sp>
-        <p:nvSpPr>
-          <p:cNvPr id="13" name="TextBox 12"/>
+            <a:pPr algn="ctr"/>
+            <a:r>
+              <a:rPr lang="ko-KR" altLang="en-US" sz="1600" dirty="0" smtClean="0">
+                <a:solidFill>
+                  <a:srgbClr val="212121"/>
+                </a:solidFill>
+                <a:latin typeface="나눔고딕OTF ExtraBold" pitchFamily="34" charset="-127"/>
+                <a:ea typeface="나눔고딕OTF ExtraBold" pitchFamily="34" charset="-127"/>
+              </a:rPr>
+              <a:t>깔끔한</a:t>
+            </a:r>
+            <a:endParaRPr lang="en-US" altLang="ko-KR" sz="1600" dirty="0" smtClean="0">
+              <a:solidFill>
+                <a:srgbClr val="212121"/>
+              </a:solidFill>
+              <a:latin typeface="나눔고딕OTF ExtraBold" pitchFamily="34" charset="-127"/>
+              <a:ea typeface="나눔고딕OTF ExtraBold" pitchFamily="34" charset="-127"/>
+            </a:endParaRPr>
+          </a:p>
+          <a:p>
+            <a:pPr algn="ctr"/>
+            <a:r>
+              <a:rPr lang="ko-KR" altLang="en-US" sz="1600" dirty="0" smtClean="0">
+                <a:solidFill>
+                  <a:srgbClr val="212121"/>
+                </a:solidFill>
+                <a:latin typeface="나눔고딕OTF ExtraBold" pitchFamily="34" charset="-127"/>
+                <a:ea typeface="나눔고딕OTF ExtraBold" pitchFamily="34" charset="-127"/>
+              </a:rPr>
+              <a:t>디자</a:t>
+            </a:r>
+            <a:r>
+              <a:rPr lang="ko-KR" altLang="en-US" sz="1600" dirty="0">
+                <a:solidFill>
+                  <a:srgbClr val="212121"/>
+                </a:solidFill>
+                <a:latin typeface="나눔고딕OTF ExtraBold" pitchFamily="34" charset="-127"/>
+                <a:ea typeface="나눔고딕OTF ExtraBold" pitchFamily="34" charset="-127"/>
+              </a:rPr>
+              <a:t>인</a:t>
+            </a:r>
+            <a:endParaRPr lang="en-US" altLang="ko-KR" sz="1600" dirty="0" smtClean="0">
+              <a:solidFill>
+                <a:srgbClr val="212121"/>
+              </a:solidFill>
+              <a:latin typeface="나눔고딕OTF ExtraBold" pitchFamily="34" charset="-127"/>
+              <a:ea typeface="나눔고딕OTF ExtraBold" pitchFamily="34" charset="-127"/>
+            </a:endParaRPr>
+          </a:p>
+        </p:txBody>
+      </p:sp>
+      <p:sp>
+        <p:nvSpPr>
+          <p:cNvPr id="77" name="TextBox 76"/>
           <p:cNvSpPr txBox="1"/>
           <p:nvPr/>
         </p:nvSpPr>
         <p:spPr>
           <a:xfrm>
-            <a:off x="3163297" y="1107177"/>
-            <a:ext cx="1597665" cy="323165"/>
+            <a:off x="6751223" y="1260049"/>
+            <a:ext cx="1011815" cy="584775"/>
           </a:xfrm>
           <a:prstGeom prst="rect">
             <a:avLst/>
@@ -10777,29 +11808,72 @@
           <a:noFill/>
         </p:spPr>
         <p:txBody>
-          <a:bodyPr wrap="square" rtlCol="0">
+          <a:bodyPr wrap="none" rtlCol="0">
             <a:spAutoFit/>
           </a:bodyPr>
           <a:lstStyle/>
           <a:p>
-            <a:r>
-              <a:rPr lang="ko-KR" altLang="en-US" sz="1500" dirty="0" err="1" smtClean="0"/>
-              <a:t>접근성</a:t>
-            </a:r>
-            <a:endParaRPr lang="en-US" altLang="ko-KR" sz="1500" dirty="0" smtClean="0"/>
+            <a:pPr algn="ctr"/>
+            <a:r>
+              <a:rPr lang="ko-KR" altLang="en-US" sz="1600" dirty="0" smtClean="0">
+                <a:solidFill>
+                  <a:srgbClr val="212121"/>
+                </a:solidFill>
+                <a:latin typeface="나눔고딕OTF ExtraBold" pitchFamily="34" charset="-127"/>
+                <a:ea typeface="나눔고딕OTF ExtraBold" pitchFamily="34" charset="-127"/>
+              </a:rPr>
+              <a:t>생산 제품</a:t>
+            </a:r>
+            <a:endParaRPr lang="en-US" altLang="ko-KR" sz="1600" dirty="0" smtClean="0">
+              <a:solidFill>
+                <a:srgbClr val="212121"/>
+              </a:solidFill>
+              <a:latin typeface="나눔고딕OTF ExtraBold" pitchFamily="34" charset="-127"/>
+              <a:ea typeface="나눔고딕OTF ExtraBold" pitchFamily="34" charset="-127"/>
+            </a:endParaRPr>
+          </a:p>
+          <a:p>
+            <a:pPr algn="ctr"/>
+            <a:r>
+              <a:rPr lang="ko-KR" altLang="en-US" sz="1600" dirty="0" smtClean="0">
+                <a:solidFill>
+                  <a:srgbClr val="212121"/>
+                </a:solidFill>
+                <a:latin typeface="나눔고딕OTF ExtraBold" pitchFamily="34" charset="-127"/>
+                <a:ea typeface="나눔고딕OTF ExtraBold" pitchFamily="34" charset="-127"/>
+              </a:rPr>
+              <a:t>홍</a:t>
+            </a:r>
+            <a:r>
+              <a:rPr lang="ko-KR" altLang="en-US" sz="1600" dirty="0">
+                <a:solidFill>
+                  <a:srgbClr val="212121"/>
+                </a:solidFill>
+                <a:latin typeface="나눔고딕OTF ExtraBold" pitchFamily="34" charset="-127"/>
+                <a:ea typeface="나눔고딕OTF ExtraBold" pitchFamily="34" charset="-127"/>
+              </a:rPr>
+              <a:t>보</a:t>
+            </a:r>
+            <a:endParaRPr lang="en-US" altLang="ko-KR" sz="1600" dirty="0" smtClean="0">
+              <a:solidFill>
+                <a:srgbClr val="212121"/>
+              </a:solidFill>
+              <a:latin typeface="나눔고딕OTF ExtraBold" pitchFamily="34" charset="-127"/>
+              <a:ea typeface="나눔고딕OTF ExtraBold" pitchFamily="34" charset="-127"/>
+            </a:endParaRPr>
           </a:p>
         </p:txBody>
       </p:sp>
       <p:graphicFrame>
         <p:nvGraphicFramePr>
-          <p:cNvPr id="9" name="표 8"/>
+          <p:cNvPr id="78" name="표 77"/>
           <p:cNvGraphicFramePr>
             <a:graphicFrameLocks noGrp="1"/>
           </p:cNvGraphicFramePr>
           <p:nvPr>
             <p:extLst>
               <p:ext uri="{D42A27DB-BD31-4B8C-83A1-F6EECF244321}">
-                <p14:modId xmlns:p14="http://schemas.microsoft.com/office/powerpoint/2010/main" val="2791068488"/>
+                <p14:modId xmlns:p14="http://schemas.microsoft.com/office/powerpoint/2010/main" val="716816116"/>
               </p:ext>
             </p:extLst>
           </p:nvPr>
@@ -11368,76 +12442,24 @@
           </a:graphicData>
         </a:graphic>
       </p:graphicFrame>
-      <p:sp>
-        <p:nvSpPr>
-          <p:cNvPr id="16" name="TextBox 15"/>
-          <p:cNvSpPr txBox="1"/>
-          <p:nvPr/>
-        </p:nvSpPr>
-        <p:spPr>
-          <a:xfrm>
-            <a:off x="4760962" y="1164585"/>
-            <a:ext cx="1597665" cy="323165"/>
-          </a:xfrm>
-          <a:prstGeom prst="rect">
-            <a:avLst/>
-          </a:prstGeom>
-          <a:noFill/>
-        </p:spPr>
-        <p:txBody>
-          <a:bodyPr wrap="square" rtlCol="0">
-            <a:spAutoFit/>
-          </a:bodyPr>
-          <a:lstStyle/>
-          <a:p>
-            <a:r>
-              <a:rPr lang="ko-KR" altLang="en-US" sz="1500" dirty="0" smtClean="0"/>
-              <a:t>깔끔한 디자인</a:t>
-            </a:r>
-            <a:endParaRPr lang="en-US" altLang="ko-KR" sz="1500" dirty="0" smtClean="0"/>
-          </a:p>
-        </p:txBody>
-      </p:sp>
-      <p:sp>
-        <p:nvSpPr>
-          <p:cNvPr id="17" name="TextBox 16"/>
-          <p:cNvSpPr txBox="1"/>
-          <p:nvPr/>
-        </p:nvSpPr>
-        <p:spPr>
-          <a:xfrm>
-            <a:off x="6358627" y="1107177"/>
-            <a:ext cx="1597665" cy="323165"/>
-          </a:xfrm>
-          <a:prstGeom prst="rect">
-            <a:avLst/>
-          </a:prstGeom>
-          <a:noFill/>
-        </p:spPr>
-        <p:txBody>
-          <a:bodyPr wrap="square" rtlCol="0">
-            <a:spAutoFit/>
-          </a:bodyPr>
-          <a:lstStyle/>
-          <a:p>
-            <a:r>
-              <a:rPr lang="ko-KR" altLang="en-US" sz="1500" dirty="0" smtClean="0"/>
-              <a:t>대표 제품</a:t>
-            </a:r>
-            <a:endParaRPr lang="en-US" altLang="ko-KR" sz="1500" dirty="0" smtClean="0"/>
-          </a:p>
-        </p:txBody>
-      </p:sp>
     </p:spTree>
     <p:extLst>
       <p:ext uri="{BB962C8B-B14F-4D97-AF65-F5344CB8AC3E}">
-        <p14:creationId xmlns:p14="http://schemas.microsoft.com/office/powerpoint/2010/main" val="1927826199"/>
+        <p14:creationId xmlns:p14="http://schemas.microsoft.com/office/powerpoint/2010/main" val="2927342155"/>
       </p:ext>
     </p:extLst>
   </p:cSld>
   <p:clrMapOvr>
     <a:masterClrMapping/>
   </p:clrMapOvr>
+  <mc:AlternateContent xmlns:mc="http://schemas.openxmlformats.org/markup-compatibility/2006" xmlns:p14="http://schemas.microsoft.com/office/powerpoint/2010/main">
+    <mc:Choice Requires="p14">
+      <p:transition p14:dur="0"/>
+    </mc:Choice>
+    <mc:Fallback xmlns="">
+      <p:transition/>
+    </mc:Fallback>
+  </mc:AlternateContent>
   <p:timing>
     <p:tnLst>
       <p:par>

--- a/디자인설계 및 조사분석.pptx
+++ b/디자인설계 및 조사분석.pptx
@@ -3286,6 +3286,58 @@
           </a:extLst>
         </p:spPr>
       </p:pic>
+      <p:sp>
+        <p:nvSpPr>
+          <p:cNvPr id="13" name="직사각형 12"/>
+          <p:cNvSpPr/>
+          <p:nvPr/>
+        </p:nvSpPr>
+        <p:spPr>
+          <a:xfrm>
+            <a:off x="0" y="0"/>
+            <a:ext cx="9144000" cy="6858000"/>
+          </a:xfrm>
+          <a:prstGeom prst="rect">
+            <a:avLst/>
+          </a:prstGeom>
+          <a:solidFill>
+            <a:srgbClr val="FFEEDD">
+              <a:alpha val="43000"/>
+            </a:srgbClr>
+          </a:solidFill>
+          <a:ln>
+            <a:noFill/>
+          </a:ln>
+        </p:spPr>
+        <p:style>
+          <a:lnRef idx="2">
+            <a:schemeClr val="accent1">
+              <a:shade val="50000"/>
+            </a:schemeClr>
+          </a:lnRef>
+          <a:fillRef idx="1">
+            <a:schemeClr val="accent1"/>
+          </a:fillRef>
+          <a:effectRef idx="0">
+            <a:schemeClr val="accent1"/>
+          </a:effectRef>
+          <a:fontRef idx="minor">
+            <a:schemeClr val="lt1"/>
+          </a:fontRef>
+        </p:style>
+        <p:txBody>
+          <a:bodyPr rtlCol="0" anchor="ctr"/>
+          <a:lstStyle/>
+          <a:p>
+            <a:pPr algn="ctr"/>
+            <a:r>
+              <a:rPr lang="en-US" altLang="ko-KR" dirty="0" smtClean="0"/>
+              <a:t> </a:t>
+            </a:r>
+            <a:endParaRPr lang="ko-KR" altLang="en-US" dirty="0"/>
+          </a:p>
+        </p:txBody>
+      </p:sp>
       <p:sp>
         <p:nvSpPr>
           <p:cNvPr id="4" name="TextBox 3"/>

--- a/디자인설계 및 조사분석.pptx
+++ b/디자인설계 및 조사분석.pptx
@@ -11925,14 +11925,14 @@
           <p:nvPr>
             <p:extLst>
               <p:ext uri="{D42A27DB-BD31-4B8C-83A1-F6EECF244321}">
-                <p14:modId xmlns:p14="http://schemas.microsoft.com/office/powerpoint/2010/main" val="716816116"/>
+                <p14:modId xmlns:p14="http://schemas.microsoft.com/office/powerpoint/2010/main" val="2104605978"/>
               </p:ext>
             </p:extLst>
           </p:nvPr>
         </p:nvGraphicFramePr>
         <p:xfrm>
           <a:off x="251520" y="2060849"/>
-          <a:ext cx="8352928" cy="4017897"/>
+          <a:ext cx="8352928" cy="3432407"/>
         </p:xfrm>
         <a:graphic>
           <a:graphicData uri="http://schemas.openxmlformats.org/drawingml/2006/table">
@@ -11954,10 +11954,16 @@
                     <a:p>
                       <a:pPr algn="ctr" latinLnBrk="1"/>
                       <a:r>
-                        <a:rPr lang="ko-KR" altLang="en-US" dirty="0" smtClean="0"/>
+                        <a:rPr lang="ko-KR" altLang="en-US" dirty="0" smtClean="0">
+                          <a:latin typeface="나눔고딕OTF ExtraBold" pitchFamily="34" charset="-127"/>
+                          <a:ea typeface="나눔고딕OTF ExtraBold" pitchFamily="34" charset="-127"/>
+                        </a:rPr>
                         <a:t>구분</a:t>
                       </a:r>
-                      <a:endParaRPr lang="ko-KR" altLang="en-US" dirty="0"/>
+                      <a:endParaRPr lang="ko-KR" altLang="en-US" dirty="0">
+                        <a:latin typeface="나눔고딕OTF ExtraBold" pitchFamily="34" charset="-127"/>
+                        <a:ea typeface="나눔고딕OTF ExtraBold" pitchFamily="34" charset="-127"/>
+                      </a:endParaRPr>
                     </a:p>
                   </a:txBody>
                   <a:tcPr/>
@@ -11969,10 +11975,16 @@
                     <a:p>
                       <a:pPr algn="ctr" latinLnBrk="1"/>
                       <a:r>
-                        <a:rPr lang="ko-KR" altLang="en-US" dirty="0" smtClean="0"/>
+                        <a:rPr lang="ko-KR" altLang="en-US" dirty="0" smtClean="0">
+                          <a:latin typeface="나눔고딕OTF ExtraBold" pitchFamily="34" charset="-127"/>
+                          <a:ea typeface="나눔고딕OTF ExtraBold" pitchFamily="34" charset="-127"/>
+                        </a:rPr>
                         <a:t>내용</a:t>
                       </a:r>
-                      <a:endParaRPr lang="ko-KR" altLang="en-US" dirty="0"/>
+                      <a:endParaRPr lang="ko-KR" altLang="en-US" dirty="0">
+                        <a:latin typeface="나눔고딕OTF ExtraBold" pitchFamily="34" charset="-127"/>
+                        <a:ea typeface="나눔고딕OTF ExtraBold" pitchFamily="34" charset="-127"/>
+                      </a:endParaRPr>
                     </a:p>
                   </a:txBody>
                   <a:tcPr/>
@@ -11984,10 +11996,16 @@
                     <a:p>
                       <a:pPr algn="ctr" latinLnBrk="1"/>
                       <a:r>
-                        <a:rPr lang="ko-KR" altLang="en-US" dirty="0" smtClean="0"/>
+                        <a:rPr lang="ko-KR" altLang="en-US" dirty="0" smtClean="0">
+                          <a:latin typeface="나눔고딕OTF ExtraBold" pitchFamily="34" charset="-127"/>
+                          <a:ea typeface="나눔고딕OTF ExtraBold" pitchFamily="34" charset="-127"/>
+                        </a:rPr>
                         <a:t>예</a:t>
                       </a:r>
-                      <a:endParaRPr lang="ko-KR" altLang="en-US" dirty="0"/>
+                      <a:endParaRPr lang="ko-KR" altLang="en-US" dirty="0">
+                        <a:latin typeface="나눔고딕OTF ExtraBold" pitchFamily="34" charset="-127"/>
+                        <a:ea typeface="나눔고딕OTF ExtraBold" pitchFamily="34" charset="-127"/>
+                      </a:endParaRPr>
                     </a:p>
                   </a:txBody>
                   <a:tcPr/>
@@ -11999,16 +12017,22 @@
                     <a:p>
                       <a:pPr algn="ctr" latinLnBrk="1"/>
                       <a:r>
-                        <a:rPr lang="ko-KR" altLang="en-US" dirty="0" smtClean="0"/>
+                        <a:rPr lang="ko-KR" altLang="en-US" dirty="0" smtClean="0">
+                          <a:latin typeface="나눔고딕OTF ExtraBold" pitchFamily="34" charset="-127"/>
+                          <a:ea typeface="나눔고딕OTF ExtraBold" pitchFamily="34" charset="-127"/>
+                        </a:rPr>
                         <a:t>아니오</a:t>
                       </a:r>
-                      <a:endParaRPr lang="ko-KR" altLang="en-US" dirty="0"/>
+                      <a:endParaRPr lang="ko-KR" altLang="en-US" dirty="0">
+                        <a:latin typeface="나눔고딕OTF ExtraBold" pitchFamily="34" charset="-127"/>
+                        <a:ea typeface="나눔고딕OTF ExtraBold" pitchFamily="34" charset="-127"/>
+                      </a:endParaRPr>
                     </a:p>
                   </a:txBody>
                   <a:tcPr/>
                 </a:tc>
               </a:tr>
-              <a:tr h="464668">
+              <a:tr h="282311">
                 <a:tc>
                   <a:txBody>
                     <a:bodyPr/>
@@ -12016,10 +12040,16 @@
                     <a:p>
                       <a:pPr algn="ctr" latinLnBrk="1"/>
                       <a:r>
-                        <a:rPr lang="ko-KR" altLang="en-US" sz="1600" dirty="0" smtClean="0"/>
+                        <a:rPr lang="ko-KR" altLang="en-US" sz="1200" dirty="0" smtClean="0">
+                          <a:latin typeface="나눔고딕OTF" pitchFamily="34" charset="-127"/>
+                          <a:ea typeface="나눔고딕OTF" pitchFamily="34" charset="-127"/>
+                        </a:rPr>
                         <a:t>브랜드 컬러</a:t>
                       </a:r>
-                      <a:endParaRPr lang="ko-KR" altLang="en-US" sz="1600" dirty="0"/>
+                      <a:endParaRPr lang="ko-KR" altLang="en-US" sz="1200" dirty="0">
+                        <a:latin typeface="나눔고딕OTF" pitchFamily="34" charset="-127"/>
+                        <a:ea typeface="나눔고딕OTF" pitchFamily="34" charset="-127"/>
+                      </a:endParaRPr>
                     </a:p>
                   </a:txBody>
                   <a:tcPr/>
@@ -12031,14 +12061,37 @@
                     <a:p>
                       <a:pPr algn="l" latinLnBrk="1"/>
                       <a:r>
-                        <a:rPr lang="ko-KR" altLang="en-US" sz="1600" dirty="0" smtClean="0"/>
-                        <a:t>브랜드 컬러를 사용하여 홈페이지에 브랜드의 정체성을 나타내었는가</a:t>
+                        <a:rPr lang="ko-KR" altLang="en-US" sz="1200" dirty="0" smtClean="0">
+                          <a:latin typeface="나눔고딕OTF" pitchFamily="34" charset="-127"/>
+                          <a:ea typeface="나눔고딕OTF" pitchFamily="34" charset="-127"/>
+                        </a:rPr>
+                        <a:t>브랜드 컬러를 사용하여 </a:t>
                       </a:r>
                       <a:r>
-                        <a:rPr lang="en-US" altLang="ko-KR" sz="1600" dirty="0" smtClean="0"/>
+                        <a:rPr lang="ko-KR" altLang="en-US" sz="1200" dirty="0" smtClean="0">
+                          <a:latin typeface="나눔고딕OTF" pitchFamily="34" charset="-127"/>
+                          <a:ea typeface="나눔고딕OTF" pitchFamily="34" charset="-127"/>
+                        </a:rPr>
+                        <a:t>사이트에 </a:t>
+                      </a:r>
+                      <a:r>
+                        <a:rPr lang="ko-KR" altLang="en-US" sz="1200" dirty="0" smtClean="0">
+                          <a:latin typeface="나눔고딕OTF" pitchFamily="34" charset="-127"/>
+                          <a:ea typeface="나눔고딕OTF" pitchFamily="34" charset="-127"/>
+                        </a:rPr>
+                        <a:t>브랜드의 정체성을 나타내었는가</a:t>
+                      </a:r>
+                      <a:r>
+                        <a:rPr lang="en-US" altLang="ko-KR" sz="1200" dirty="0" smtClean="0">
+                          <a:latin typeface="나눔고딕OTF" pitchFamily="34" charset="-127"/>
+                          <a:ea typeface="나눔고딕OTF" pitchFamily="34" charset="-127"/>
+                        </a:rPr>
                         <a:t>.</a:t>
                       </a:r>
-                      <a:endParaRPr lang="ko-KR" altLang="en-US" sz="1600" dirty="0"/>
+                      <a:endParaRPr lang="ko-KR" altLang="en-US" sz="1200" dirty="0">
+                        <a:latin typeface="나눔고딕OTF" pitchFamily="34" charset="-127"/>
+                        <a:ea typeface="나눔고딕OTF" pitchFamily="34" charset="-127"/>
+                      </a:endParaRPr>
                     </a:p>
                   </a:txBody>
                   <a:tcPr/>
@@ -12049,7 +12102,10 @@
                     <a:lstStyle/>
                     <a:p>
                       <a:pPr algn="ctr" latinLnBrk="1"/>
-                      <a:endParaRPr lang="ko-KR" altLang="en-US" sz="1600" dirty="0"/>
+                      <a:endParaRPr lang="ko-KR" altLang="en-US" sz="1200" dirty="0">
+                        <a:latin typeface="나눔고딕OTF" pitchFamily="34" charset="-127"/>
+                        <a:ea typeface="나눔고딕OTF" pitchFamily="34" charset="-127"/>
+                      </a:endParaRPr>
                     </a:p>
                   </a:txBody>
                   <a:tcPr/>
@@ -12060,13 +12116,16 @@
                     <a:lstStyle/>
                     <a:p>
                       <a:pPr algn="ctr" latinLnBrk="1"/>
-                      <a:endParaRPr lang="ko-KR" altLang="en-US" sz="1600" dirty="0"/>
+                      <a:endParaRPr lang="ko-KR" altLang="en-US" sz="1200" dirty="0">
+                        <a:latin typeface="나눔고딕OTF" pitchFamily="34" charset="-127"/>
+                        <a:ea typeface="나눔고딕OTF" pitchFamily="34" charset="-127"/>
+                      </a:endParaRPr>
                     </a:p>
                   </a:txBody>
                   <a:tcPr/>
                 </a:tc>
               </a:tr>
-              <a:tr h="464668">
+              <a:tr h="288032">
                 <a:tc>
                   <a:txBody>
                     <a:bodyPr/>
@@ -12074,10 +12133,16 @@
                     <a:p>
                       <a:pPr algn="ctr" latinLnBrk="1"/>
                       <a:r>
-                        <a:rPr lang="ko-KR" altLang="en-US" sz="1600" dirty="0" smtClean="0"/>
+                        <a:rPr lang="ko-KR" altLang="en-US" sz="1200" dirty="0" smtClean="0">
+                          <a:latin typeface="나눔고딕OTF" pitchFamily="34" charset="-127"/>
+                          <a:ea typeface="나눔고딕OTF" pitchFamily="34" charset="-127"/>
+                        </a:rPr>
                         <a:t>아이콘</a:t>
                       </a:r>
-                      <a:endParaRPr lang="ko-KR" altLang="en-US" sz="1600" dirty="0"/>
+                      <a:endParaRPr lang="ko-KR" altLang="en-US" sz="1200" dirty="0">
+                        <a:latin typeface="나눔고딕OTF" pitchFamily="34" charset="-127"/>
+                        <a:ea typeface="나눔고딕OTF" pitchFamily="34" charset="-127"/>
+                      </a:endParaRPr>
                     </a:p>
                   </a:txBody>
                   <a:tcPr/>
@@ -12089,14 +12154,37 @@
                     <a:p>
                       <a:pPr algn="l" latinLnBrk="1"/>
                       <a:r>
-                        <a:rPr lang="ko-KR" altLang="en-US" sz="1600" dirty="0" smtClean="0"/>
-                        <a:t>글을 읽지 않아도 전달이 확실한 아이콘을 사용하였는가</a:t>
+                        <a:rPr lang="ko-KR" altLang="en-US" sz="1200" dirty="0" smtClean="0">
+                          <a:latin typeface="나눔고딕OTF" pitchFamily="34" charset="-127"/>
+                          <a:ea typeface="나눔고딕OTF" pitchFamily="34" charset="-127"/>
+                        </a:rPr>
+                        <a:t>글을 읽지 않아도 </a:t>
                       </a:r>
                       <a:r>
-                        <a:rPr lang="en-US" altLang="ko-KR" sz="1600" dirty="0" smtClean="0"/>
+                        <a:rPr lang="ko-KR" altLang="en-US" sz="1200" dirty="0" smtClean="0">
+                          <a:latin typeface="나눔고딕OTF" pitchFamily="34" charset="-127"/>
+                          <a:ea typeface="나눔고딕OTF" pitchFamily="34" charset="-127"/>
+                        </a:rPr>
+                        <a:t>알아볼 수 있는 아이콘을 </a:t>
+                      </a:r>
+                      <a:r>
+                        <a:rPr lang="ko-KR" altLang="en-US" sz="1200" dirty="0" err="1" smtClean="0">
+                          <a:latin typeface="나눔고딕OTF" pitchFamily="34" charset="-127"/>
+                          <a:ea typeface="나눔고딕OTF" pitchFamily="34" charset="-127"/>
+                        </a:rPr>
+                        <a:t>사용하였가</a:t>
+                      </a:r>
+                      <a:r>
+                        <a:rPr lang="en-US" altLang="ko-KR" sz="1200" dirty="0" smtClean="0">
+                          <a:latin typeface="나눔고딕OTF" pitchFamily="34" charset="-127"/>
+                          <a:ea typeface="나눔고딕OTF" pitchFamily="34" charset="-127"/>
+                        </a:rPr>
                         <a:t>.</a:t>
                       </a:r>
-                      <a:endParaRPr lang="ko-KR" altLang="en-US" sz="1600" dirty="0"/>
+                      <a:endParaRPr lang="ko-KR" altLang="en-US" sz="1200" dirty="0">
+                        <a:latin typeface="나눔고딕OTF" pitchFamily="34" charset="-127"/>
+                        <a:ea typeface="나눔고딕OTF" pitchFamily="34" charset="-127"/>
+                      </a:endParaRPr>
                     </a:p>
                   </a:txBody>
                   <a:tcPr/>
@@ -12107,7 +12195,10 @@
                     <a:lstStyle/>
                     <a:p>
                       <a:pPr algn="ctr" latinLnBrk="1"/>
-                      <a:endParaRPr lang="ko-KR" altLang="en-US" sz="1600" dirty="0"/>
+                      <a:endParaRPr lang="ko-KR" altLang="en-US" sz="1200" dirty="0">
+                        <a:latin typeface="나눔고딕OTF" pitchFamily="34" charset="-127"/>
+                        <a:ea typeface="나눔고딕OTF" pitchFamily="34" charset="-127"/>
+                      </a:endParaRPr>
                     </a:p>
                   </a:txBody>
                   <a:tcPr/>
@@ -12118,13 +12209,16 @@
                     <a:lstStyle/>
                     <a:p>
                       <a:pPr algn="ctr" latinLnBrk="1"/>
-                      <a:endParaRPr lang="ko-KR" altLang="en-US" sz="1600" dirty="0"/>
+                      <a:endParaRPr lang="ko-KR" altLang="en-US" sz="1200" dirty="0">
+                        <a:latin typeface="나눔고딕OTF" pitchFamily="34" charset="-127"/>
+                        <a:ea typeface="나눔고딕OTF" pitchFamily="34" charset="-127"/>
+                      </a:endParaRPr>
                     </a:p>
                   </a:txBody>
                   <a:tcPr/>
                 </a:tc>
               </a:tr>
-              <a:tr h="356271">
+              <a:tr h="288032">
                 <a:tc>
                   <a:txBody>
                     <a:bodyPr/>
@@ -12132,10 +12226,16 @@
                     <a:p>
                       <a:pPr algn="ctr" latinLnBrk="1"/>
                       <a:r>
-                        <a:rPr lang="ko-KR" altLang="en-US" sz="1600" dirty="0" err="1" smtClean="0"/>
+                        <a:rPr lang="ko-KR" altLang="en-US" sz="1200" dirty="0" err="1" smtClean="0">
+                          <a:latin typeface="나눔고딕OTF" pitchFamily="34" charset="-127"/>
+                          <a:ea typeface="나눔고딕OTF" pitchFamily="34" charset="-127"/>
+                        </a:rPr>
                         <a:t>접근성</a:t>
                       </a:r>
-                      <a:endParaRPr lang="ko-KR" altLang="en-US" sz="1600" dirty="0"/>
+                      <a:endParaRPr lang="ko-KR" altLang="en-US" sz="1200" dirty="0">
+                        <a:latin typeface="나눔고딕OTF" pitchFamily="34" charset="-127"/>
+                        <a:ea typeface="나눔고딕OTF" pitchFamily="34" charset="-127"/>
+                      </a:endParaRPr>
                     </a:p>
                   </a:txBody>
                   <a:tcPr/>
@@ -12147,14 +12247,23 @@
                     <a:p>
                       <a:pPr algn="l" latinLnBrk="1"/>
                       <a:r>
-                        <a:rPr lang="ko-KR" altLang="en-US" sz="1600" dirty="0" smtClean="0"/>
+                        <a:rPr lang="ko-KR" altLang="en-US" sz="1200" dirty="0" smtClean="0">
+                          <a:latin typeface="나눔고딕OTF" pitchFamily="34" charset="-127"/>
+                          <a:ea typeface="나눔고딕OTF" pitchFamily="34" charset="-127"/>
+                        </a:rPr>
                         <a:t>사용자가 원하는 목표까지 불필요한 과정은 없는가</a:t>
                       </a:r>
                       <a:r>
-                        <a:rPr lang="en-US" altLang="ko-KR" sz="1600" dirty="0" smtClean="0"/>
+                        <a:rPr lang="en-US" altLang="ko-KR" sz="1200" dirty="0" smtClean="0">
+                          <a:latin typeface="나눔고딕OTF" pitchFamily="34" charset="-127"/>
+                          <a:ea typeface="나눔고딕OTF" pitchFamily="34" charset="-127"/>
+                        </a:rPr>
                         <a:t>.</a:t>
                       </a:r>
-                      <a:endParaRPr lang="ko-KR" altLang="en-US" sz="1600" dirty="0"/>
+                      <a:endParaRPr lang="ko-KR" altLang="en-US" sz="1200" dirty="0">
+                        <a:latin typeface="나눔고딕OTF" pitchFamily="34" charset="-127"/>
+                        <a:ea typeface="나눔고딕OTF" pitchFamily="34" charset="-127"/>
+                      </a:endParaRPr>
                     </a:p>
                   </a:txBody>
                   <a:tcPr/>
@@ -12165,7 +12274,10 @@
                     <a:lstStyle/>
                     <a:p>
                       <a:pPr algn="ctr" latinLnBrk="1"/>
-                      <a:endParaRPr lang="ko-KR" altLang="en-US" sz="1600"/>
+                      <a:endParaRPr lang="ko-KR" altLang="en-US" sz="1200">
+                        <a:latin typeface="나눔고딕OTF" pitchFamily="34" charset="-127"/>
+                        <a:ea typeface="나눔고딕OTF" pitchFamily="34" charset="-127"/>
+                      </a:endParaRPr>
                     </a:p>
                   </a:txBody>
                   <a:tcPr/>
@@ -12176,13 +12288,16 @@
                     <a:lstStyle/>
                     <a:p>
                       <a:pPr algn="ctr" latinLnBrk="1"/>
-                      <a:endParaRPr lang="ko-KR" altLang="en-US" sz="1600" dirty="0"/>
+                      <a:endParaRPr lang="ko-KR" altLang="en-US" sz="1200" dirty="0">
+                        <a:latin typeface="나눔고딕OTF" pitchFamily="34" charset="-127"/>
+                        <a:ea typeface="나눔고딕OTF" pitchFamily="34" charset="-127"/>
+                      </a:endParaRPr>
                     </a:p>
                   </a:txBody>
                   <a:tcPr/>
                 </a:tc>
               </a:tr>
-              <a:tr h="356271">
+              <a:tr h="288032">
                 <a:tc>
                   <a:txBody>
                     <a:bodyPr/>
@@ -12190,10 +12305,16 @@
                     <a:p>
                       <a:pPr algn="ctr" latinLnBrk="1"/>
                       <a:r>
-                        <a:rPr lang="ko-KR" altLang="en-US" sz="1600" dirty="0" smtClean="0"/>
+                        <a:rPr lang="ko-KR" altLang="en-US" sz="1200" dirty="0" smtClean="0">
+                          <a:latin typeface="나눔고딕OTF" pitchFamily="34" charset="-127"/>
+                          <a:ea typeface="나눔고딕OTF" pitchFamily="34" charset="-127"/>
+                        </a:rPr>
                         <a:t>디자인</a:t>
                       </a:r>
-                      <a:endParaRPr lang="ko-KR" altLang="en-US" sz="1600" dirty="0"/>
+                      <a:endParaRPr lang="ko-KR" altLang="en-US" sz="1200" dirty="0">
+                        <a:latin typeface="나눔고딕OTF" pitchFamily="34" charset="-127"/>
+                        <a:ea typeface="나눔고딕OTF" pitchFamily="34" charset="-127"/>
+                      </a:endParaRPr>
                     </a:p>
                   </a:txBody>
                   <a:tcPr/>
@@ -12205,22 +12326,37 @@
                     <a:p>
                       <a:pPr algn="l" latinLnBrk="1"/>
                       <a:r>
-                        <a:rPr lang="ko-KR" altLang="en-US" sz="1600" dirty="0" smtClean="0"/>
+                        <a:rPr lang="ko-KR" altLang="en-US" sz="1200" dirty="0" smtClean="0">
+                          <a:latin typeface="나눔고딕OTF" pitchFamily="34" charset="-127"/>
+                          <a:ea typeface="나눔고딕OTF" pitchFamily="34" charset="-127"/>
+                        </a:rPr>
                         <a:t>최신 </a:t>
                       </a:r>
                       <a:r>
-                        <a:rPr lang="ko-KR" altLang="en-US" sz="1600" dirty="0" err="1" smtClean="0"/>
+                        <a:rPr lang="ko-KR" altLang="en-US" sz="1200" dirty="0" err="1" smtClean="0">
+                          <a:latin typeface="나눔고딕OTF" pitchFamily="34" charset="-127"/>
+                          <a:ea typeface="나눔고딕OTF" pitchFamily="34" charset="-127"/>
+                        </a:rPr>
                         <a:t>트렌드에</a:t>
                       </a:r>
                       <a:r>
-                        <a:rPr lang="ko-KR" altLang="en-US" sz="1600" dirty="0" smtClean="0"/>
+                        <a:rPr lang="ko-KR" altLang="en-US" sz="1200" dirty="0" smtClean="0">
+                          <a:latin typeface="나눔고딕OTF" pitchFamily="34" charset="-127"/>
+                          <a:ea typeface="나눔고딕OTF" pitchFamily="34" charset="-127"/>
+                        </a:rPr>
                         <a:t> 맞추어 시각화 하였는가</a:t>
                       </a:r>
                       <a:r>
-                        <a:rPr lang="en-US" altLang="ko-KR" sz="1600" dirty="0" smtClean="0"/>
+                        <a:rPr lang="en-US" altLang="ko-KR" sz="1200" dirty="0" smtClean="0">
+                          <a:latin typeface="나눔고딕OTF" pitchFamily="34" charset="-127"/>
+                          <a:ea typeface="나눔고딕OTF" pitchFamily="34" charset="-127"/>
+                        </a:rPr>
                         <a:t>.</a:t>
                       </a:r>
-                      <a:endParaRPr lang="ko-KR" altLang="en-US" sz="1600" dirty="0"/>
+                      <a:endParaRPr lang="ko-KR" altLang="en-US" sz="1200" dirty="0">
+                        <a:latin typeface="나눔고딕OTF" pitchFamily="34" charset="-127"/>
+                        <a:ea typeface="나눔고딕OTF" pitchFamily="34" charset="-127"/>
+                      </a:endParaRPr>
                     </a:p>
                   </a:txBody>
                   <a:tcPr/>
@@ -12231,7 +12367,10 @@
                     <a:lstStyle/>
                     <a:p>
                       <a:pPr algn="ctr" latinLnBrk="1"/>
-                      <a:endParaRPr lang="ko-KR" altLang="en-US" sz="1600" dirty="0"/>
+                      <a:endParaRPr lang="ko-KR" altLang="en-US" sz="1200" dirty="0">
+                        <a:latin typeface="나눔고딕OTF" pitchFamily="34" charset="-127"/>
+                        <a:ea typeface="나눔고딕OTF" pitchFamily="34" charset="-127"/>
+                      </a:endParaRPr>
                     </a:p>
                   </a:txBody>
                   <a:tcPr/>
@@ -12242,13 +12381,16 @@
                     <a:lstStyle/>
                     <a:p>
                       <a:pPr algn="ctr" latinLnBrk="1"/>
-                      <a:endParaRPr lang="ko-KR" altLang="en-US" sz="1600" dirty="0"/>
+                      <a:endParaRPr lang="ko-KR" altLang="en-US" sz="1200" dirty="0">
+                        <a:latin typeface="나눔고딕OTF" pitchFamily="34" charset="-127"/>
+                        <a:ea typeface="나눔고딕OTF" pitchFamily="34" charset="-127"/>
+                      </a:endParaRPr>
                     </a:p>
                   </a:txBody>
                   <a:tcPr/>
                 </a:tc>
               </a:tr>
-              <a:tr h="356271">
+              <a:tr h="144016">
                 <a:tc>
                   <a:txBody>
                     <a:bodyPr/>
@@ -12256,10 +12398,16 @@
                     <a:p>
                       <a:pPr algn="ctr" latinLnBrk="1"/>
                       <a:r>
-                        <a:rPr lang="ko-KR" altLang="en-US" sz="1600" dirty="0" smtClean="0"/>
+                        <a:rPr lang="ko-KR" altLang="en-US" sz="1200" dirty="0" smtClean="0">
+                          <a:latin typeface="나눔고딕OTF" pitchFamily="34" charset="-127"/>
+                          <a:ea typeface="나눔고딕OTF" pitchFamily="34" charset="-127"/>
+                        </a:rPr>
                         <a:t>제품 홍보</a:t>
                       </a:r>
-                      <a:endParaRPr lang="ko-KR" altLang="en-US" sz="1600" dirty="0"/>
+                      <a:endParaRPr lang="ko-KR" altLang="en-US" sz="1200" dirty="0">
+                        <a:latin typeface="나눔고딕OTF" pitchFamily="34" charset="-127"/>
+                        <a:ea typeface="나눔고딕OTF" pitchFamily="34" charset="-127"/>
+                      </a:endParaRPr>
                     </a:p>
                   </a:txBody>
                   <a:tcPr/>
@@ -12271,14 +12419,23 @@
                     <a:p>
                       <a:pPr algn="l" latinLnBrk="1"/>
                       <a:r>
-                        <a:rPr lang="ko-KR" altLang="en-US" sz="1600" dirty="0" smtClean="0"/>
+                        <a:rPr lang="ko-KR" altLang="en-US" sz="1200" dirty="0" smtClean="0">
+                          <a:latin typeface="나눔고딕OTF" pitchFamily="34" charset="-127"/>
+                          <a:ea typeface="나눔고딕OTF" pitchFamily="34" charset="-127"/>
+                        </a:rPr>
                         <a:t>대표 상품을 홍보 하였는가</a:t>
                       </a:r>
                       <a:r>
-                        <a:rPr lang="en-US" altLang="ko-KR" sz="1600" dirty="0" smtClean="0"/>
+                        <a:rPr lang="en-US" altLang="ko-KR" sz="1200" dirty="0" smtClean="0">
+                          <a:latin typeface="나눔고딕OTF" pitchFamily="34" charset="-127"/>
+                          <a:ea typeface="나눔고딕OTF" pitchFamily="34" charset="-127"/>
+                        </a:rPr>
                         <a:t>.</a:t>
                       </a:r>
-                      <a:endParaRPr lang="ko-KR" altLang="en-US" sz="1600" dirty="0"/>
+                      <a:endParaRPr lang="ko-KR" altLang="en-US" sz="1200" dirty="0">
+                        <a:latin typeface="나눔고딕OTF" pitchFamily="34" charset="-127"/>
+                        <a:ea typeface="나눔고딕OTF" pitchFamily="34" charset="-127"/>
+                      </a:endParaRPr>
                     </a:p>
                   </a:txBody>
                   <a:tcPr/>
@@ -12289,7 +12446,10 @@
                     <a:lstStyle/>
                     <a:p>
                       <a:pPr algn="ctr" latinLnBrk="1"/>
-                      <a:endParaRPr lang="ko-KR" altLang="en-US" sz="1600" dirty="0"/>
+                      <a:endParaRPr lang="ko-KR" altLang="en-US" sz="1200" dirty="0">
+                        <a:latin typeface="나눔고딕OTF" pitchFamily="34" charset="-127"/>
+                        <a:ea typeface="나눔고딕OTF" pitchFamily="34" charset="-127"/>
+                      </a:endParaRPr>
                     </a:p>
                   </a:txBody>
                   <a:tcPr/>
@@ -12300,20 +12460,26 @@
                     <a:lstStyle/>
                     <a:p>
                       <a:pPr algn="ctr" latinLnBrk="1"/>
-                      <a:endParaRPr lang="ko-KR" altLang="en-US" sz="1600" dirty="0"/>
+                      <a:endParaRPr lang="ko-KR" altLang="en-US" sz="1200" dirty="0">
+                        <a:latin typeface="나눔고딕OTF" pitchFamily="34" charset="-127"/>
+                        <a:ea typeface="나눔고딕OTF" pitchFamily="34" charset="-127"/>
+                      </a:endParaRPr>
                     </a:p>
                   </a:txBody>
                   <a:tcPr/>
                 </a:tc>
               </a:tr>
-              <a:tr h="356271">
+              <a:tr h="144016">
                 <a:tc>
                   <a:txBody>
                     <a:bodyPr/>
                     <a:lstStyle/>
                     <a:p>
                       <a:pPr algn="ctr" latinLnBrk="1"/>
-                      <a:endParaRPr lang="ko-KR" altLang="en-US" sz="1600" dirty="0"/>
+                      <a:endParaRPr lang="ko-KR" altLang="en-US" sz="1200" dirty="0">
+                        <a:latin typeface="나눔고딕OTF" pitchFamily="34" charset="-127"/>
+                        <a:ea typeface="나눔고딕OTF" pitchFamily="34" charset="-127"/>
+                      </a:endParaRPr>
                     </a:p>
                   </a:txBody>
                   <a:tcPr/>
@@ -12324,7 +12490,10 @@
                     <a:lstStyle/>
                     <a:p>
                       <a:pPr algn="l" latinLnBrk="1"/>
-                      <a:endParaRPr lang="ko-KR" altLang="en-US" sz="1600" dirty="0"/>
+                      <a:endParaRPr lang="ko-KR" altLang="en-US" sz="1200" dirty="0">
+                        <a:latin typeface="나눔고딕OTF" pitchFamily="34" charset="-127"/>
+                        <a:ea typeface="나눔고딕OTF" pitchFamily="34" charset="-127"/>
+                      </a:endParaRPr>
                     </a:p>
                   </a:txBody>
                   <a:tcPr/>
@@ -12335,7 +12504,10 @@
                     <a:lstStyle/>
                     <a:p>
                       <a:pPr algn="ctr" latinLnBrk="1"/>
-                      <a:endParaRPr lang="ko-KR" altLang="en-US" sz="1600" dirty="0"/>
+                      <a:endParaRPr lang="ko-KR" altLang="en-US" sz="1200" dirty="0">
+                        <a:latin typeface="나눔고딕OTF" pitchFamily="34" charset="-127"/>
+                        <a:ea typeface="나눔고딕OTF" pitchFamily="34" charset="-127"/>
+                      </a:endParaRPr>
                     </a:p>
                   </a:txBody>
                   <a:tcPr/>
@@ -12346,20 +12518,26 @@
                     <a:lstStyle/>
                     <a:p>
                       <a:pPr algn="ctr" latinLnBrk="1"/>
-                      <a:endParaRPr lang="ko-KR" altLang="en-US" sz="1600" dirty="0"/>
+                      <a:endParaRPr lang="ko-KR" altLang="en-US" sz="1200" dirty="0">
+                        <a:latin typeface="나눔고딕OTF" pitchFamily="34" charset="-127"/>
+                        <a:ea typeface="나눔고딕OTF" pitchFamily="34" charset="-127"/>
+                      </a:endParaRPr>
                     </a:p>
                   </a:txBody>
                   <a:tcPr/>
                 </a:tc>
               </a:tr>
-              <a:tr h="356271">
+              <a:tr h="144016">
                 <a:tc>
                   <a:txBody>
                     <a:bodyPr/>
                     <a:lstStyle/>
                     <a:p>
                       <a:pPr algn="ctr" latinLnBrk="1"/>
-                      <a:endParaRPr lang="ko-KR" altLang="en-US" sz="1600" dirty="0"/>
+                      <a:endParaRPr lang="ko-KR" altLang="en-US" sz="1200" dirty="0">
+                        <a:latin typeface="나눔고딕OTF" pitchFamily="34" charset="-127"/>
+                        <a:ea typeface="나눔고딕OTF" pitchFamily="34" charset="-127"/>
+                      </a:endParaRPr>
                     </a:p>
                   </a:txBody>
                   <a:tcPr/>
@@ -12370,7 +12548,10 @@
                     <a:lstStyle/>
                     <a:p>
                       <a:pPr algn="l" latinLnBrk="1"/>
-                      <a:endParaRPr lang="ko-KR" altLang="en-US" sz="1600" dirty="0"/>
+                      <a:endParaRPr lang="ko-KR" altLang="en-US" sz="1200" dirty="0">
+                        <a:latin typeface="나눔고딕OTF" pitchFamily="34" charset="-127"/>
+                        <a:ea typeface="나눔고딕OTF" pitchFamily="34" charset="-127"/>
+                      </a:endParaRPr>
                     </a:p>
                   </a:txBody>
                   <a:tcPr/>
@@ -12381,7 +12562,10 @@
                     <a:lstStyle/>
                     <a:p>
                       <a:pPr algn="ctr" latinLnBrk="1"/>
-                      <a:endParaRPr lang="ko-KR" altLang="en-US" sz="1600" dirty="0"/>
+                      <a:endParaRPr lang="ko-KR" altLang="en-US" sz="1200" dirty="0">
+                        <a:latin typeface="나눔고딕OTF" pitchFamily="34" charset="-127"/>
+                        <a:ea typeface="나눔고딕OTF" pitchFamily="34" charset="-127"/>
+                      </a:endParaRPr>
                     </a:p>
                   </a:txBody>
                   <a:tcPr/>
@@ -12392,20 +12576,26 @@
                     <a:lstStyle/>
                     <a:p>
                       <a:pPr algn="ctr" latinLnBrk="1"/>
-                      <a:endParaRPr lang="ko-KR" altLang="en-US" sz="1600" dirty="0"/>
+                      <a:endParaRPr lang="ko-KR" altLang="en-US" sz="1200" dirty="0">
+                        <a:latin typeface="나눔고딕OTF" pitchFamily="34" charset="-127"/>
+                        <a:ea typeface="나눔고딕OTF" pitchFamily="34" charset="-127"/>
+                      </a:endParaRPr>
                     </a:p>
                   </a:txBody>
                   <a:tcPr/>
                 </a:tc>
               </a:tr>
-              <a:tr h="356271">
+              <a:tr h="144016">
                 <a:tc>
                   <a:txBody>
                     <a:bodyPr/>
                     <a:lstStyle/>
                     <a:p>
                       <a:pPr algn="ctr" latinLnBrk="1"/>
-                      <a:endParaRPr lang="ko-KR" altLang="en-US" sz="1600" dirty="0"/>
+                      <a:endParaRPr lang="ko-KR" altLang="en-US" sz="1200" dirty="0">
+                        <a:latin typeface="나눔고딕OTF" pitchFamily="34" charset="-127"/>
+                        <a:ea typeface="나눔고딕OTF" pitchFamily="34" charset="-127"/>
+                      </a:endParaRPr>
                     </a:p>
                   </a:txBody>
                   <a:tcPr/>
@@ -12416,7 +12606,10 @@
                     <a:lstStyle/>
                     <a:p>
                       <a:pPr algn="l" latinLnBrk="1"/>
-                      <a:endParaRPr lang="ko-KR" altLang="en-US" sz="1600" dirty="0"/>
+                      <a:endParaRPr lang="ko-KR" altLang="en-US" sz="1200" dirty="0">
+                        <a:latin typeface="나눔고딕OTF" pitchFamily="34" charset="-127"/>
+                        <a:ea typeface="나눔고딕OTF" pitchFamily="34" charset="-127"/>
+                      </a:endParaRPr>
                     </a:p>
                   </a:txBody>
                   <a:tcPr/>
@@ -12427,7 +12620,10 @@
                     <a:lstStyle/>
                     <a:p>
                       <a:pPr algn="ctr" latinLnBrk="1"/>
-                      <a:endParaRPr lang="ko-KR" altLang="en-US" sz="1600" dirty="0"/>
+                      <a:endParaRPr lang="ko-KR" altLang="en-US" sz="1200" dirty="0">
+                        <a:latin typeface="나눔고딕OTF" pitchFamily="34" charset="-127"/>
+                        <a:ea typeface="나눔고딕OTF" pitchFamily="34" charset="-127"/>
+                      </a:endParaRPr>
                     </a:p>
                   </a:txBody>
                   <a:tcPr/>
@@ -12438,20 +12634,26 @@
                     <a:lstStyle/>
                     <a:p>
                       <a:pPr algn="ctr" latinLnBrk="1"/>
-                      <a:endParaRPr lang="ko-KR" altLang="en-US" sz="1600" dirty="0"/>
+                      <a:endParaRPr lang="ko-KR" altLang="en-US" sz="1200" dirty="0">
+                        <a:latin typeface="나눔고딕OTF" pitchFamily="34" charset="-127"/>
+                        <a:ea typeface="나눔고딕OTF" pitchFamily="34" charset="-127"/>
+                      </a:endParaRPr>
                     </a:p>
                   </a:txBody>
                   <a:tcPr/>
                 </a:tc>
               </a:tr>
-              <a:tr h="356271">
+              <a:tr h="144016">
                 <a:tc>
                   <a:txBody>
                     <a:bodyPr/>
                     <a:lstStyle/>
                     <a:p>
                       <a:pPr algn="ctr" latinLnBrk="1"/>
-                      <a:endParaRPr lang="ko-KR" altLang="en-US" sz="1600" dirty="0"/>
+                      <a:endParaRPr lang="ko-KR" altLang="en-US" sz="1200" dirty="0">
+                        <a:latin typeface="나눔고딕OTF" pitchFamily="34" charset="-127"/>
+                        <a:ea typeface="나눔고딕OTF" pitchFamily="34" charset="-127"/>
+                      </a:endParaRPr>
                     </a:p>
                   </a:txBody>
                   <a:tcPr/>
@@ -12462,7 +12664,10 @@
                     <a:lstStyle/>
                     <a:p>
                       <a:pPr algn="l" latinLnBrk="1"/>
-                      <a:endParaRPr lang="ko-KR" altLang="en-US" sz="1600" dirty="0"/>
+                      <a:endParaRPr lang="ko-KR" altLang="en-US" sz="1200" dirty="0">
+                        <a:latin typeface="나눔고딕OTF" pitchFamily="34" charset="-127"/>
+                        <a:ea typeface="나눔고딕OTF" pitchFamily="34" charset="-127"/>
+                      </a:endParaRPr>
                     </a:p>
                   </a:txBody>
                   <a:tcPr/>
@@ -12473,7 +12678,10 @@
                     <a:lstStyle/>
                     <a:p>
                       <a:pPr algn="ctr" latinLnBrk="1"/>
-                      <a:endParaRPr lang="ko-KR" altLang="en-US" sz="1600" dirty="0"/>
+                      <a:endParaRPr lang="ko-KR" altLang="en-US" sz="1200" dirty="0">
+                        <a:latin typeface="나눔고딕OTF" pitchFamily="34" charset="-127"/>
+                        <a:ea typeface="나눔고딕OTF" pitchFamily="34" charset="-127"/>
+                      </a:endParaRPr>
                     </a:p>
                   </a:txBody>
                   <a:tcPr/>
@@ -12484,7 +12692,126 @@
                     <a:lstStyle/>
                     <a:p>
                       <a:pPr algn="ctr" latinLnBrk="1"/>
-                      <a:endParaRPr lang="ko-KR" altLang="en-US" sz="1600" dirty="0"/>
+                      <a:endParaRPr lang="ko-KR" altLang="en-US" sz="1200" dirty="0">
+                        <a:latin typeface="나눔고딕OTF" pitchFamily="34" charset="-127"/>
+                        <a:ea typeface="나눔고딕OTF" pitchFamily="34" charset="-127"/>
+                      </a:endParaRPr>
+                    </a:p>
+                  </a:txBody>
+                  <a:tcPr/>
+                </a:tc>
+              </a:tr>
+              <a:tr h="144016">
+                <a:tc>
+                  <a:txBody>
+                    <a:bodyPr/>
+                    <a:lstStyle/>
+                    <a:p>
+                      <a:pPr algn="ctr" latinLnBrk="1"/>
+                      <a:endParaRPr lang="ko-KR" altLang="en-US" sz="1200" dirty="0">
+                        <a:latin typeface="나눔고딕OTF" pitchFamily="34" charset="-127"/>
+                        <a:ea typeface="나눔고딕OTF" pitchFamily="34" charset="-127"/>
+                      </a:endParaRPr>
+                    </a:p>
+                  </a:txBody>
+                  <a:tcPr/>
+                </a:tc>
+                <a:tc>
+                  <a:txBody>
+                    <a:bodyPr/>
+                    <a:lstStyle/>
+                    <a:p>
+                      <a:pPr algn="l" latinLnBrk="1"/>
+                      <a:endParaRPr lang="ko-KR" altLang="en-US" sz="1200" dirty="0">
+                        <a:latin typeface="나눔고딕OTF" pitchFamily="34" charset="-127"/>
+                        <a:ea typeface="나눔고딕OTF" pitchFamily="34" charset="-127"/>
+                      </a:endParaRPr>
+                    </a:p>
+                  </a:txBody>
+                  <a:tcPr/>
+                </a:tc>
+                <a:tc>
+                  <a:txBody>
+                    <a:bodyPr/>
+                    <a:lstStyle/>
+                    <a:p>
+                      <a:pPr algn="ctr" latinLnBrk="1"/>
+                      <a:endParaRPr lang="ko-KR" altLang="en-US" sz="1200" dirty="0">
+                        <a:latin typeface="나눔고딕OTF" pitchFamily="34" charset="-127"/>
+                        <a:ea typeface="나눔고딕OTF" pitchFamily="34" charset="-127"/>
+                      </a:endParaRPr>
+                    </a:p>
+                  </a:txBody>
+                  <a:tcPr/>
+                </a:tc>
+                <a:tc>
+                  <a:txBody>
+                    <a:bodyPr/>
+                    <a:lstStyle/>
+                    <a:p>
+                      <a:pPr algn="ctr" latinLnBrk="1"/>
+                      <a:endParaRPr lang="ko-KR" altLang="en-US" sz="1200" dirty="0">
+                        <a:latin typeface="나눔고딕OTF" pitchFamily="34" charset="-127"/>
+                        <a:ea typeface="나눔고딕OTF" pitchFamily="34" charset="-127"/>
+                      </a:endParaRPr>
+                    </a:p>
+                  </a:txBody>
+                  <a:tcPr/>
+                </a:tc>
+              </a:tr>
+              <a:tr h="144016">
+                <a:tc>
+                  <a:txBody>
+                    <a:bodyPr/>
+                    <a:lstStyle/>
+                    <a:p>
+                      <a:pPr algn="ctr" latinLnBrk="1"/>
+                      <a:endParaRPr lang="ko-KR" altLang="en-US" sz="1200" dirty="0">
+                        <a:latin typeface="나눔고딕OTF" pitchFamily="34" charset="-127"/>
+                        <a:ea typeface="나눔고딕OTF" pitchFamily="34" charset="-127"/>
+                      </a:endParaRPr>
+                    </a:p>
+                  </a:txBody>
+                  <a:tcPr/>
+                </a:tc>
+                <a:tc>
+                  <a:txBody>
+                    <a:bodyPr/>
+                    <a:lstStyle/>
+                    <a:p>
+                      <a:pPr algn="l" latinLnBrk="1"/>
+                      <a:endParaRPr lang="ko-KR" altLang="en-US" sz="1200" dirty="0">
+                        <a:latin typeface="나눔고딕OTF" pitchFamily="34" charset="-127"/>
+                        <a:ea typeface="나눔고딕OTF" pitchFamily="34" charset="-127"/>
+                      </a:endParaRPr>
+                    </a:p>
+                  </a:txBody>
+                  <a:tcPr/>
+                </a:tc>
+                <a:tc>
+                  <a:txBody>
+                    <a:bodyPr/>
+                    <a:lstStyle/>
+                    <a:p>
+                      <a:pPr algn="ctr" latinLnBrk="1"/>
+                      <a:endParaRPr lang="ko-KR" altLang="en-US" sz="1200" dirty="0">
+                        <a:latin typeface="나눔고딕OTF" pitchFamily="34" charset="-127"/>
+                        <a:ea typeface="나눔고딕OTF" pitchFamily="34" charset="-127"/>
+                      </a:endParaRPr>
+                    </a:p>
+                  </a:txBody>
+                  <a:tcPr/>
+                </a:tc>
+                <a:tc>
+                  <a:txBody>
+                    <a:bodyPr/>
+                    <a:lstStyle/>
+                    <a:p>
+                      <a:pPr algn="ctr" latinLnBrk="1"/>
+                      <a:endParaRPr lang="ko-KR" altLang="en-US" sz="1200" dirty="0">
+                        <a:latin typeface="나눔고딕OTF" pitchFamily="34" charset="-127"/>
+                        <a:ea typeface="나눔고딕OTF" pitchFamily="34" charset="-127"/>
+                      </a:endParaRPr>
                     </a:p>
                   </a:txBody>
                   <a:tcPr/>

--- a/디자인설계 및 조사분석.pptx
+++ b/디자인설계 및 조사분석.pptx
@@ -5115,21 +5115,28 @@
                 <a:latin typeface="나눔스퀘어OTF Bold" pitchFamily="34" charset="-127"/>
                 <a:ea typeface="나눔스퀘어OTF Bold" pitchFamily="34" charset="-127"/>
               </a:rPr>
-              <a:t>홈페이지 만 </a:t>
+              <a:t>홈페이지만 봤을 때 </a:t>
+            </a:r>
+            <a:r>
+              <a:rPr lang="ko-KR" altLang="en-US" sz="1500" smtClean="0">
+                <a:latin typeface="나눔스퀘어OTF Bold" pitchFamily="34" charset="-127"/>
+                <a:ea typeface="나눔스퀘어OTF Bold" pitchFamily="34" charset="-127"/>
+              </a:rPr>
+              <a:t>디자인으로 </a:t>
+            </a:r>
+            <a:r>
+              <a:rPr lang="ko-KR" altLang="en-US" sz="1500" smtClean="0">
+                <a:latin typeface="나눔스퀘어OTF Bold" pitchFamily="34" charset="-127"/>
+                <a:ea typeface="나눔스퀘어OTF Bold" pitchFamily="34" charset="-127"/>
+              </a:rPr>
+              <a:t>적으로 신경 </a:t>
             </a:r>
             <a:r>
               <a:rPr lang="ko-KR" altLang="en-US" sz="1500" dirty="0" smtClean="0">
                 <a:latin typeface="나눔스퀘어OTF Bold" pitchFamily="34" charset="-127"/>
                 <a:ea typeface="나눔스퀘어OTF Bold" pitchFamily="34" charset="-127"/>
               </a:rPr>
-              <a:t>봤을 때 </a:t>
-            </a:r>
-            <a:r>
-              <a:rPr lang="ko-KR" altLang="en-US" sz="1500" dirty="0" smtClean="0">
-                <a:latin typeface="나눔스퀘어OTF Bold" pitchFamily="34" charset="-127"/>
-                <a:ea typeface="나눔스퀘어OTF Bold" pitchFamily="34" charset="-127"/>
-              </a:rPr>
-              <a:t>디자인으로 적으로 사이트에  신경 쓴 </a:t>
+              <a:t>쓴 </a:t>
             </a:r>
             <a:r>
               <a:rPr lang="ko-KR" altLang="en-US" sz="1500" dirty="0" smtClean="0">

--- a/디자인설계 및 조사분석.pptx
+++ b/디자인설계 및 조사분석.pptx
@@ -5118,14 +5118,14 @@
               <a:t>홈페이지만 봤을 때 </a:t>
             </a:r>
             <a:r>
-              <a:rPr lang="ko-KR" altLang="en-US" sz="1500" smtClean="0">
+              <a:rPr lang="ko-KR" altLang="en-US" sz="1500" dirty="0" smtClean="0">
                 <a:latin typeface="나눔스퀘어OTF Bold" pitchFamily="34" charset="-127"/>
                 <a:ea typeface="나눔스퀘어OTF Bold" pitchFamily="34" charset="-127"/>
               </a:rPr>
               <a:t>디자인으로 </a:t>
             </a:r>
             <a:r>
-              <a:rPr lang="ko-KR" altLang="en-US" sz="1500" smtClean="0">
+              <a:rPr lang="ko-KR" altLang="en-US" sz="1500" dirty="0" smtClean="0">
                 <a:latin typeface="나눔스퀘어OTF Bold" pitchFamily="34" charset="-127"/>
                 <a:ea typeface="나눔스퀘어OTF Bold" pitchFamily="34" charset="-127"/>
               </a:rPr>
@@ -11932,7 +11932,7 @@
           <p:nvPr>
             <p:extLst>
               <p:ext uri="{D42A27DB-BD31-4B8C-83A1-F6EECF244321}">
-                <p14:modId xmlns:p14="http://schemas.microsoft.com/office/powerpoint/2010/main" val="2104605978"/>
+                <p14:modId xmlns:p14="http://schemas.microsoft.com/office/powerpoint/2010/main" val="3743304681"/>
               </p:ext>
             </p:extLst>
           </p:nvPr>
@@ -12040,20 +12040,34 @@
                 </a:tc>
               </a:tr>
               <a:tr h="282311">
-                <a:tc>
+                <a:tc rowSpan="2">
                   <a:txBody>
                     <a:bodyPr/>
                     <a:lstStyle/>
                     <a:p>
                       <a:pPr algn="ctr" latinLnBrk="1"/>
+                      <a:endParaRPr lang="en-US" altLang="ko-KR" sz="1200" b="1" dirty="0" smtClean="0">
+                        <a:latin typeface="나눔고딕OTF" pitchFamily="34" charset="-127"/>
+                        <a:ea typeface="나눔고딕OTF" pitchFamily="34" charset="-127"/>
+                      </a:endParaRPr>
+                    </a:p>
+                    <a:p>
+                      <a:pPr algn="ctr" latinLnBrk="1"/>
                       <a:r>
-                        <a:rPr lang="ko-KR" altLang="en-US" sz="1200" dirty="0" smtClean="0">
+                        <a:rPr lang="ko-KR" altLang="en-US" sz="1200" b="1" dirty="0" smtClean="0">
                           <a:latin typeface="나눔고딕OTF" pitchFamily="34" charset="-127"/>
                           <a:ea typeface="나눔고딕OTF" pitchFamily="34" charset="-127"/>
                         </a:rPr>
-                        <a:t>브랜드 컬러</a:t>
+                        <a:t>브랜드 </a:t>
                       </a:r>
-                      <a:endParaRPr lang="ko-KR" altLang="en-US" sz="1200" dirty="0">
+                      <a:r>
+                        <a:rPr lang="ko-KR" altLang="en-US" sz="1200" b="1" dirty="0" smtClean="0">
+                          <a:latin typeface="나눔고딕OTF" pitchFamily="34" charset="-127"/>
+                          <a:ea typeface="나눔고딕OTF" pitchFamily="34" charset="-127"/>
+                        </a:rPr>
+                        <a:t>컬러</a:t>
+                      </a:r>
+                      <a:endParaRPr lang="ko-KR" altLang="en-US" sz="1200" b="1" dirty="0">
                         <a:latin typeface="나눔고딕OTF" pitchFamily="34" charset="-127"/>
                         <a:ea typeface="나눔고딕OTF" pitchFamily="34" charset="-127"/>
                       </a:endParaRPr>
@@ -12133,19 +12147,12 @@
                 </a:tc>
               </a:tr>
               <a:tr h="288032">
-                <a:tc>
+                <a:tc vMerge="1">
                   <a:txBody>
                     <a:bodyPr/>
                     <a:lstStyle/>
                     <a:p>
                       <a:pPr algn="ctr" latinLnBrk="1"/>
-                      <a:r>
-                        <a:rPr lang="ko-KR" altLang="en-US" sz="1200" dirty="0" smtClean="0">
-                          <a:latin typeface="나눔고딕OTF" pitchFamily="34" charset="-127"/>
-                          <a:ea typeface="나눔고딕OTF" pitchFamily="34" charset="-127"/>
-                        </a:rPr>
-                        <a:t>아이콘</a:t>
-                      </a:r>
                       <a:endParaRPr lang="ko-KR" altLang="en-US" sz="1200" dirty="0">
                         <a:latin typeface="나눔고딕OTF" pitchFamily="34" charset="-127"/>
                         <a:ea typeface="나눔고딕OTF" pitchFamily="34" charset="-127"/>
@@ -12165,21 +12172,7 @@
                           <a:latin typeface="나눔고딕OTF" pitchFamily="34" charset="-127"/>
                           <a:ea typeface="나눔고딕OTF" pitchFamily="34" charset="-127"/>
                         </a:rPr>
-                        <a:t>글을 읽지 않아도 </a:t>
-                      </a:r>
-                      <a:r>
-                        <a:rPr lang="ko-KR" altLang="en-US" sz="1200" dirty="0" smtClean="0">
-                          <a:latin typeface="나눔고딕OTF" pitchFamily="34" charset="-127"/>
-                          <a:ea typeface="나눔고딕OTF" pitchFamily="34" charset="-127"/>
-                        </a:rPr>
-                        <a:t>알아볼 수 있는 아이콘을 </a:t>
-                      </a:r>
-                      <a:r>
-                        <a:rPr lang="ko-KR" altLang="en-US" sz="1200" dirty="0" err="1" smtClean="0">
-                          <a:latin typeface="나눔고딕OTF" pitchFamily="34" charset="-127"/>
-                          <a:ea typeface="나눔고딕OTF" pitchFamily="34" charset="-127"/>
-                        </a:rPr>
-                        <a:t>사용하였가</a:t>
+                        <a:t>브랜드 컬러를 사용하여 봄 시즌에 대비하였는가</a:t>
                       </a:r>
                       <a:r>
                         <a:rPr lang="en-US" altLang="ko-KR" sz="1200" dirty="0" smtClean="0">
@@ -12226,20 +12219,27 @@
                 </a:tc>
               </a:tr>
               <a:tr h="288032">
-                <a:tc>
+                <a:tc rowSpan="2">
                   <a:txBody>
                     <a:bodyPr/>
                     <a:lstStyle/>
                     <a:p>
                       <a:pPr algn="ctr" latinLnBrk="1"/>
+                      <a:endParaRPr lang="en-US" altLang="ko-KR" sz="1200" dirty="0" smtClean="0">
+                        <a:latin typeface="나눔고딕OTF" pitchFamily="34" charset="-127"/>
+                        <a:ea typeface="나눔고딕OTF" pitchFamily="34" charset="-127"/>
+                      </a:endParaRPr>
+                    </a:p>
+                    <a:p>
+                      <a:pPr algn="ctr" latinLnBrk="1"/>
                       <a:r>
-                        <a:rPr lang="ko-KR" altLang="en-US" sz="1200" dirty="0" err="1" smtClean="0">
+                        <a:rPr lang="ko-KR" altLang="en-US" sz="1200" b="1" dirty="0" smtClean="0">
                           <a:latin typeface="나눔고딕OTF" pitchFamily="34" charset="-127"/>
                           <a:ea typeface="나눔고딕OTF" pitchFamily="34" charset="-127"/>
                         </a:rPr>
-                        <a:t>접근성</a:t>
+                        <a:t>아이콘</a:t>
                       </a:r>
-                      <a:endParaRPr lang="ko-KR" altLang="en-US" sz="1200" dirty="0">
+                      <a:endParaRPr lang="ko-KR" altLang="en-US" sz="1200" b="1" dirty="0">
                         <a:latin typeface="나눔고딕OTF" pitchFamily="34" charset="-127"/>
                         <a:ea typeface="나눔고딕OTF" pitchFamily="34" charset="-127"/>
                       </a:endParaRPr>
@@ -12258,7 +12258,14 @@
                           <a:latin typeface="나눔고딕OTF" pitchFamily="34" charset="-127"/>
                           <a:ea typeface="나눔고딕OTF" pitchFamily="34" charset="-127"/>
                         </a:rPr>
-                        <a:t>사용자가 원하는 목표까지 불필요한 과정은 없는가</a:t>
+                        <a:t>글을 읽지 않아도 알아볼 수 있는 아이콘을 </a:t>
+                      </a:r>
+                      <a:r>
+                        <a:rPr lang="ko-KR" altLang="en-US" sz="1200" dirty="0" smtClean="0">
+                          <a:latin typeface="나눔고딕OTF" pitchFamily="34" charset="-127"/>
+                          <a:ea typeface="나눔고딕OTF" pitchFamily="34" charset="-127"/>
+                        </a:rPr>
+                        <a:t>사용하였는가</a:t>
                       </a:r>
                       <a:r>
                         <a:rPr lang="en-US" altLang="ko-KR" sz="1200" dirty="0" smtClean="0">
@@ -12305,179 +12312,7 @@
                 </a:tc>
               </a:tr>
               <a:tr h="288032">
-                <a:tc>
-                  <a:txBody>
-                    <a:bodyPr/>
-                    <a:lstStyle/>
-                    <a:p>
-                      <a:pPr algn="ctr" latinLnBrk="1"/>
-                      <a:r>
-                        <a:rPr lang="ko-KR" altLang="en-US" sz="1200" dirty="0" smtClean="0">
-                          <a:latin typeface="나눔고딕OTF" pitchFamily="34" charset="-127"/>
-                          <a:ea typeface="나눔고딕OTF" pitchFamily="34" charset="-127"/>
-                        </a:rPr>
-                        <a:t>디자인</a:t>
-                      </a:r>
-                      <a:endParaRPr lang="ko-KR" altLang="en-US" sz="1200" dirty="0">
-                        <a:latin typeface="나눔고딕OTF" pitchFamily="34" charset="-127"/>
-                        <a:ea typeface="나눔고딕OTF" pitchFamily="34" charset="-127"/>
-                      </a:endParaRPr>
-                    </a:p>
-                  </a:txBody>
-                  <a:tcPr/>
-                </a:tc>
-                <a:tc>
-                  <a:txBody>
-                    <a:bodyPr/>
-                    <a:lstStyle/>
-                    <a:p>
-                      <a:pPr algn="l" latinLnBrk="1"/>
-                      <a:r>
-                        <a:rPr lang="ko-KR" altLang="en-US" sz="1200" dirty="0" smtClean="0">
-                          <a:latin typeface="나눔고딕OTF" pitchFamily="34" charset="-127"/>
-                          <a:ea typeface="나눔고딕OTF" pitchFamily="34" charset="-127"/>
-                        </a:rPr>
-                        <a:t>최신 </a:t>
-                      </a:r>
-                      <a:r>
-                        <a:rPr lang="ko-KR" altLang="en-US" sz="1200" dirty="0" err="1" smtClean="0">
-                          <a:latin typeface="나눔고딕OTF" pitchFamily="34" charset="-127"/>
-                          <a:ea typeface="나눔고딕OTF" pitchFamily="34" charset="-127"/>
-                        </a:rPr>
-                        <a:t>트렌드에</a:t>
-                      </a:r>
-                      <a:r>
-                        <a:rPr lang="ko-KR" altLang="en-US" sz="1200" dirty="0" smtClean="0">
-                          <a:latin typeface="나눔고딕OTF" pitchFamily="34" charset="-127"/>
-                          <a:ea typeface="나눔고딕OTF" pitchFamily="34" charset="-127"/>
-                        </a:rPr>
-                        <a:t> 맞추어 시각화 하였는가</a:t>
-                      </a:r>
-                      <a:r>
-                        <a:rPr lang="en-US" altLang="ko-KR" sz="1200" dirty="0" smtClean="0">
-                          <a:latin typeface="나눔고딕OTF" pitchFamily="34" charset="-127"/>
-                          <a:ea typeface="나눔고딕OTF" pitchFamily="34" charset="-127"/>
-                        </a:rPr>
-                        <a:t>.</a:t>
-                      </a:r>
-                      <a:endParaRPr lang="ko-KR" altLang="en-US" sz="1200" dirty="0">
-                        <a:latin typeface="나눔고딕OTF" pitchFamily="34" charset="-127"/>
-                        <a:ea typeface="나눔고딕OTF" pitchFamily="34" charset="-127"/>
-                      </a:endParaRPr>
-                    </a:p>
-                  </a:txBody>
-                  <a:tcPr/>
-                </a:tc>
-                <a:tc>
-                  <a:txBody>
-                    <a:bodyPr/>
-                    <a:lstStyle/>
-                    <a:p>
-                      <a:pPr algn="ctr" latinLnBrk="1"/>
-                      <a:endParaRPr lang="ko-KR" altLang="en-US" sz="1200" dirty="0">
-                        <a:latin typeface="나눔고딕OTF" pitchFamily="34" charset="-127"/>
-                        <a:ea typeface="나눔고딕OTF" pitchFamily="34" charset="-127"/>
-                      </a:endParaRPr>
-                    </a:p>
-                  </a:txBody>
-                  <a:tcPr/>
-                </a:tc>
-                <a:tc>
-                  <a:txBody>
-                    <a:bodyPr/>
-                    <a:lstStyle/>
-                    <a:p>
-                      <a:pPr algn="ctr" latinLnBrk="1"/>
-                      <a:endParaRPr lang="ko-KR" altLang="en-US" sz="1200" dirty="0">
-                        <a:latin typeface="나눔고딕OTF" pitchFamily="34" charset="-127"/>
-                        <a:ea typeface="나눔고딕OTF" pitchFamily="34" charset="-127"/>
-                      </a:endParaRPr>
-                    </a:p>
-                  </a:txBody>
-                  <a:tcPr/>
-                </a:tc>
-              </a:tr>
-              <a:tr h="144016">
-                <a:tc>
-                  <a:txBody>
-                    <a:bodyPr/>
-                    <a:lstStyle/>
-                    <a:p>
-                      <a:pPr algn="ctr" latinLnBrk="1"/>
-                      <a:r>
-                        <a:rPr lang="ko-KR" altLang="en-US" sz="1200" dirty="0" smtClean="0">
-                          <a:latin typeface="나눔고딕OTF" pitchFamily="34" charset="-127"/>
-                          <a:ea typeface="나눔고딕OTF" pitchFamily="34" charset="-127"/>
-                        </a:rPr>
-                        <a:t>제품 홍보</a:t>
-                      </a:r>
-                      <a:endParaRPr lang="ko-KR" altLang="en-US" sz="1200" dirty="0">
-                        <a:latin typeface="나눔고딕OTF" pitchFamily="34" charset="-127"/>
-                        <a:ea typeface="나눔고딕OTF" pitchFamily="34" charset="-127"/>
-                      </a:endParaRPr>
-                    </a:p>
-                  </a:txBody>
-                  <a:tcPr/>
-                </a:tc>
-                <a:tc>
-                  <a:txBody>
-                    <a:bodyPr/>
-                    <a:lstStyle/>
-                    <a:p>
-                      <a:pPr algn="l" latinLnBrk="1"/>
-                      <a:r>
-                        <a:rPr lang="ko-KR" altLang="en-US" sz="1200" dirty="0" smtClean="0">
-                          <a:latin typeface="나눔고딕OTF" pitchFamily="34" charset="-127"/>
-                          <a:ea typeface="나눔고딕OTF" pitchFamily="34" charset="-127"/>
-                        </a:rPr>
-                        <a:t>대표 상품을 홍보 하였는가</a:t>
-                      </a:r>
-                      <a:r>
-                        <a:rPr lang="en-US" altLang="ko-KR" sz="1200" dirty="0" smtClean="0">
-                          <a:latin typeface="나눔고딕OTF" pitchFamily="34" charset="-127"/>
-                          <a:ea typeface="나눔고딕OTF" pitchFamily="34" charset="-127"/>
-                        </a:rPr>
-                        <a:t>.</a:t>
-                      </a:r>
-                      <a:endParaRPr lang="ko-KR" altLang="en-US" sz="1200" dirty="0">
-                        <a:latin typeface="나눔고딕OTF" pitchFamily="34" charset="-127"/>
-                        <a:ea typeface="나눔고딕OTF" pitchFamily="34" charset="-127"/>
-                      </a:endParaRPr>
-                    </a:p>
-                  </a:txBody>
-                  <a:tcPr/>
-                </a:tc>
-                <a:tc>
-                  <a:txBody>
-                    <a:bodyPr/>
-                    <a:lstStyle/>
-                    <a:p>
-                      <a:pPr algn="ctr" latinLnBrk="1"/>
-                      <a:endParaRPr lang="ko-KR" altLang="en-US" sz="1200" dirty="0">
-                        <a:latin typeface="나눔고딕OTF" pitchFamily="34" charset="-127"/>
-                        <a:ea typeface="나눔고딕OTF" pitchFamily="34" charset="-127"/>
-                      </a:endParaRPr>
-                    </a:p>
-                  </a:txBody>
-                  <a:tcPr/>
-                </a:tc>
-                <a:tc>
-                  <a:txBody>
-                    <a:bodyPr/>
-                    <a:lstStyle/>
-                    <a:p>
-                      <a:pPr algn="ctr" latinLnBrk="1"/>
-                      <a:endParaRPr lang="ko-KR" altLang="en-US" sz="1200" dirty="0">
-                        <a:latin typeface="나눔고딕OTF" pitchFamily="34" charset="-127"/>
-                        <a:ea typeface="나눔고딕OTF" pitchFamily="34" charset="-127"/>
-                      </a:endParaRPr>
-                    </a:p>
-                  </a:txBody>
-                  <a:tcPr/>
-                </a:tc>
-              </a:tr>
-              <a:tr h="144016">
-                <a:tc>
+                <a:tc vMerge="1">
                   <a:txBody>
                     <a:bodyPr/>
                     <a:lstStyle/>
@@ -12773,6 +12608,13 @@
                     <a:lstStyle/>
                     <a:p>
                       <a:pPr algn="ctr" latinLnBrk="1"/>
+                      <a:r>
+                        <a:rPr lang="ko-KR" altLang="en-US" sz="1200" dirty="0" err="1" smtClean="0">
+                          <a:latin typeface="나눔고딕OTF" pitchFamily="34" charset="-127"/>
+                          <a:ea typeface="나눔고딕OTF" pitchFamily="34" charset="-127"/>
+                        </a:rPr>
+                        <a:t>접근성</a:t>
+                      </a:r>
                       <a:endParaRPr lang="ko-KR" altLang="en-US" sz="1200" dirty="0">
                         <a:latin typeface="나눔고딕OTF" pitchFamily="34" charset="-127"/>
                         <a:ea typeface="나눔고딕OTF" pitchFamily="34" charset="-127"/>
@@ -12787,6 +12629,192 @@
                     <a:lstStyle/>
                     <a:p>
                       <a:pPr algn="l" latinLnBrk="1"/>
+                      <a:r>
+                        <a:rPr lang="ko-KR" altLang="en-US" sz="1200" dirty="0" smtClean="0">
+                          <a:latin typeface="나눔고딕OTF" pitchFamily="34" charset="-127"/>
+                          <a:ea typeface="나눔고딕OTF" pitchFamily="34" charset="-127"/>
+                        </a:rPr>
+                        <a:t>사용자가 원하는 목표까지 불필요한 과정은 없는가</a:t>
+                      </a:r>
+                      <a:r>
+                        <a:rPr lang="en-US" altLang="ko-KR" sz="1200" dirty="0" smtClean="0">
+                          <a:latin typeface="나눔고딕OTF" pitchFamily="34" charset="-127"/>
+                          <a:ea typeface="나눔고딕OTF" pitchFamily="34" charset="-127"/>
+                        </a:rPr>
+                        <a:t>.</a:t>
+                      </a:r>
+                      <a:endParaRPr lang="ko-KR" altLang="en-US" sz="1200" dirty="0">
+                        <a:latin typeface="나눔고딕OTF" pitchFamily="34" charset="-127"/>
+                        <a:ea typeface="나눔고딕OTF" pitchFamily="34" charset="-127"/>
+                      </a:endParaRPr>
+                    </a:p>
+                  </a:txBody>
+                  <a:tcPr/>
+                </a:tc>
+                <a:tc>
+                  <a:txBody>
+                    <a:bodyPr/>
+                    <a:lstStyle/>
+                    <a:p>
+                      <a:pPr algn="ctr" latinLnBrk="1"/>
+                      <a:endParaRPr lang="ko-KR" altLang="en-US" sz="1200" dirty="0">
+                        <a:latin typeface="나눔고딕OTF" pitchFamily="34" charset="-127"/>
+                        <a:ea typeface="나눔고딕OTF" pitchFamily="34" charset="-127"/>
+                      </a:endParaRPr>
+                    </a:p>
+                  </a:txBody>
+                  <a:tcPr/>
+                </a:tc>
+                <a:tc>
+                  <a:txBody>
+                    <a:bodyPr/>
+                    <a:lstStyle/>
+                    <a:p>
+                      <a:pPr algn="ctr" latinLnBrk="1"/>
+                      <a:endParaRPr lang="ko-KR" altLang="en-US" sz="1200" dirty="0">
+                        <a:latin typeface="나눔고딕OTF" pitchFamily="34" charset="-127"/>
+                        <a:ea typeface="나눔고딕OTF" pitchFamily="34" charset="-127"/>
+                      </a:endParaRPr>
+                    </a:p>
+                  </a:txBody>
+                  <a:tcPr/>
+                </a:tc>
+              </a:tr>
+              <a:tr h="144016">
+                <a:tc>
+                  <a:txBody>
+                    <a:bodyPr/>
+                    <a:lstStyle/>
+                    <a:p>
+                      <a:pPr algn="ctr" latinLnBrk="1"/>
+                      <a:r>
+                        <a:rPr lang="ko-KR" altLang="en-US" sz="1200" dirty="0" smtClean="0">
+                          <a:latin typeface="나눔고딕OTF" pitchFamily="34" charset="-127"/>
+                          <a:ea typeface="나눔고딕OTF" pitchFamily="34" charset="-127"/>
+                        </a:rPr>
+                        <a:t>디자인</a:t>
+                      </a:r>
+                      <a:endParaRPr lang="ko-KR" altLang="en-US" sz="1200" dirty="0">
+                        <a:latin typeface="나눔고딕OTF" pitchFamily="34" charset="-127"/>
+                        <a:ea typeface="나눔고딕OTF" pitchFamily="34" charset="-127"/>
+                      </a:endParaRPr>
+                    </a:p>
+                  </a:txBody>
+                  <a:tcPr/>
+                </a:tc>
+                <a:tc>
+                  <a:txBody>
+                    <a:bodyPr/>
+                    <a:lstStyle/>
+                    <a:p>
+                      <a:pPr algn="l" latinLnBrk="1"/>
+                      <a:r>
+                        <a:rPr lang="ko-KR" altLang="en-US" sz="1200" dirty="0" smtClean="0">
+                          <a:latin typeface="나눔고딕OTF" pitchFamily="34" charset="-127"/>
+                          <a:ea typeface="나눔고딕OTF" pitchFamily="34" charset="-127"/>
+                        </a:rPr>
+                        <a:t>최신 </a:t>
+                      </a:r>
+                      <a:r>
+                        <a:rPr lang="ko-KR" altLang="en-US" sz="1200" dirty="0" err="1" smtClean="0">
+                          <a:latin typeface="나눔고딕OTF" pitchFamily="34" charset="-127"/>
+                          <a:ea typeface="나눔고딕OTF" pitchFamily="34" charset="-127"/>
+                        </a:rPr>
+                        <a:t>트렌드에</a:t>
+                      </a:r>
+                      <a:r>
+                        <a:rPr lang="ko-KR" altLang="en-US" sz="1200" dirty="0" smtClean="0">
+                          <a:latin typeface="나눔고딕OTF" pitchFamily="34" charset="-127"/>
+                          <a:ea typeface="나눔고딕OTF" pitchFamily="34" charset="-127"/>
+                        </a:rPr>
+                        <a:t> 맞추어 시각화 하였는가</a:t>
+                      </a:r>
+                      <a:r>
+                        <a:rPr lang="en-US" altLang="ko-KR" sz="1200" dirty="0" smtClean="0">
+                          <a:latin typeface="나눔고딕OTF" pitchFamily="34" charset="-127"/>
+                          <a:ea typeface="나눔고딕OTF" pitchFamily="34" charset="-127"/>
+                        </a:rPr>
+                        <a:t>.</a:t>
+                      </a:r>
+                      <a:endParaRPr lang="ko-KR" altLang="en-US" sz="1200" dirty="0">
+                        <a:latin typeface="나눔고딕OTF" pitchFamily="34" charset="-127"/>
+                        <a:ea typeface="나눔고딕OTF" pitchFamily="34" charset="-127"/>
+                      </a:endParaRPr>
+                    </a:p>
+                  </a:txBody>
+                  <a:tcPr/>
+                </a:tc>
+                <a:tc>
+                  <a:txBody>
+                    <a:bodyPr/>
+                    <a:lstStyle/>
+                    <a:p>
+                      <a:pPr algn="ctr" latinLnBrk="1"/>
+                      <a:endParaRPr lang="ko-KR" altLang="en-US" sz="1200" dirty="0">
+                        <a:latin typeface="나눔고딕OTF" pitchFamily="34" charset="-127"/>
+                        <a:ea typeface="나눔고딕OTF" pitchFamily="34" charset="-127"/>
+                      </a:endParaRPr>
+                    </a:p>
+                  </a:txBody>
+                  <a:tcPr/>
+                </a:tc>
+                <a:tc>
+                  <a:txBody>
+                    <a:bodyPr/>
+                    <a:lstStyle/>
+                    <a:p>
+                      <a:pPr algn="ctr" latinLnBrk="1"/>
+                      <a:endParaRPr lang="ko-KR" altLang="en-US" sz="1200" dirty="0">
+                        <a:latin typeface="나눔고딕OTF" pitchFamily="34" charset="-127"/>
+                        <a:ea typeface="나눔고딕OTF" pitchFamily="34" charset="-127"/>
+                      </a:endParaRPr>
+                    </a:p>
+                  </a:txBody>
+                  <a:tcPr/>
+                </a:tc>
+              </a:tr>
+              <a:tr h="144016">
+                <a:tc>
+                  <a:txBody>
+                    <a:bodyPr/>
+                    <a:lstStyle/>
+                    <a:p>
+                      <a:pPr algn="ctr" latinLnBrk="1"/>
+                      <a:r>
+                        <a:rPr lang="ko-KR" altLang="en-US" sz="1200" dirty="0" smtClean="0">
+                          <a:latin typeface="나눔고딕OTF" pitchFamily="34" charset="-127"/>
+                          <a:ea typeface="나눔고딕OTF" pitchFamily="34" charset="-127"/>
+                        </a:rPr>
+                        <a:t>제품 홍보</a:t>
+                      </a:r>
+                      <a:endParaRPr lang="ko-KR" altLang="en-US" sz="1200" dirty="0">
+                        <a:latin typeface="나눔고딕OTF" pitchFamily="34" charset="-127"/>
+                        <a:ea typeface="나눔고딕OTF" pitchFamily="34" charset="-127"/>
+                      </a:endParaRPr>
+                    </a:p>
+                  </a:txBody>
+                  <a:tcPr/>
+                </a:tc>
+                <a:tc>
+                  <a:txBody>
+                    <a:bodyPr/>
+                    <a:lstStyle/>
+                    <a:p>
+                      <a:pPr algn="l" latinLnBrk="1"/>
+                      <a:r>
+                        <a:rPr lang="ko-KR" altLang="en-US" sz="1200" dirty="0" smtClean="0">
+                          <a:latin typeface="나눔고딕OTF" pitchFamily="34" charset="-127"/>
+                          <a:ea typeface="나눔고딕OTF" pitchFamily="34" charset="-127"/>
+                        </a:rPr>
+                        <a:t>대표 상품을 홍보 하였는가</a:t>
+                      </a:r>
+                      <a:r>
+                        <a:rPr lang="en-US" altLang="ko-KR" sz="1200" dirty="0" smtClean="0">
+                          <a:latin typeface="나눔고딕OTF" pitchFamily="34" charset="-127"/>
+                          <a:ea typeface="나눔고딕OTF" pitchFamily="34" charset="-127"/>
+                        </a:rPr>
+                        <a:t>.</a:t>
+                      </a:r>
                       <a:endParaRPr lang="ko-KR" altLang="en-US" sz="1200" dirty="0">
                         <a:latin typeface="나눔고딕OTF" pitchFamily="34" charset="-127"/>
                         <a:ea typeface="나눔고딕OTF" pitchFamily="34" charset="-127"/>

--- a/디자인설계 및 조사분석.pptx
+++ b/디자인설계 및 조사분석.pptx
@@ -11932,7 +11932,7 @@
           <p:nvPr>
             <p:extLst>
               <p:ext uri="{D42A27DB-BD31-4B8C-83A1-F6EECF244321}">
-                <p14:modId xmlns:p14="http://schemas.microsoft.com/office/powerpoint/2010/main" val="3743304681"/>
+                <p14:modId xmlns:p14="http://schemas.microsoft.com/office/powerpoint/2010/main" val="1673800025"/>
               </p:ext>
             </p:extLst>
           </p:nvPr>
@@ -12332,6 +12332,27 @@
                     <a:lstStyle/>
                     <a:p>
                       <a:pPr algn="l" latinLnBrk="1"/>
+                      <a:r>
+                        <a:rPr lang="ko-KR" altLang="en-US" sz="1200" smtClean="0">
+                          <a:latin typeface="나눔고딕OTF" pitchFamily="34" charset="-127"/>
+                          <a:ea typeface="나눔고딕OTF" pitchFamily="34" charset="-127"/>
+                        </a:rPr>
+                        <a:t>아이콘이 적재적소에 </a:t>
+                      </a:r>
+                      <a:r>
+                        <a:rPr lang="ko-KR" altLang="en-US" sz="1200" dirty="0" smtClean="0">
+                          <a:latin typeface="나눔고딕OTF" pitchFamily="34" charset="-127"/>
+                          <a:ea typeface="나눔고딕OTF" pitchFamily="34" charset="-127"/>
+                        </a:rPr>
+                        <a:t>배치 되어있는가</a:t>
+                      </a:r>
+                      <a:r>
+                        <a:rPr lang="en-US" altLang="ko-KR" sz="1200" dirty="0" smtClean="0">
+                          <a:latin typeface="나눔고딕OTF" pitchFamily="34" charset="-127"/>
+                          <a:ea typeface="나눔고딕OTF" pitchFamily="34" charset="-127"/>
+                        </a:rPr>
+                        <a:t>.</a:t>
+                      </a:r>
                       <a:endParaRPr lang="ko-KR" altLang="en-US" sz="1200" dirty="0">
                         <a:latin typeface="나눔고딕OTF" pitchFamily="34" charset="-127"/>
                         <a:ea typeface="나눔고딕OTF" pitchFamily="34" charset="-127"/>
@@ -12370,7 +12391,297 @@
                 </a:tc>
               </a:tr>
               <a:tr h="144016">
+                <a:tc rowSpan="2">
+                  <a:txBody>
+                    <a:bodyPr/>
+                    <a:lstStyle/>
+                    <a:p>
+                      <a:pPr marL="0" marR="0" indent="0" algn="ctr" defTabSz="914400" rtl="0" eaLnBrk="1" fontAlgn="auto" latinLnBrk="1" hangingPunct="1">
+                        <a:lnSpc>
+                          <a:spcPct val="100000"/>
+                        </a:lnSpc>
+                        <a:spcBef>
+                          <a:spcPts val="0"/>
+                        </a:spcBef>
+                        <a:spcAft>
+                          <a:spcPts val="0"/>
+                        </a:spcAft>
+                        <a:buClrTx/>
+                        <a:buSzTx/>
+                        <a:buFontTx/>
+                        <a:buNone/>
+                        <a:tabLst/>
+                        <a:defRPr/>
+                      </a:pPr>
+                      <a:endParaRPr lang="en-US" altLang="ko-KR" sz="1200" b="1" dirty="0" smtClean="0">
+                        <a:latin typeface="나눔고딕OTF" pitchFamily="34" charset="-127"/>
+                        <a:ea typeface="나눔고딕OTF" pitchFamily="34" charset="-127"/>
+                      </a:endParaRPr>
+                    </a:p>
+                    <a:p>
+                      <a:pPr marL="0" marR="0" indent="0" algn="ctr" defTabSz="914400" rtl="0" eaLnBrk="1" fontAlgn="auto" latinLnBrk="1" hangingPunct="1">
+                        <a:lnSpc>
+                          <a:spcPct val="100000"/>
+                        </a:lnSpc>
+                        <a:spcBef>
+                          <a:spcPts val="0"/>
+                        </a:spcBef>
+                        <a:spcAft>
+                          <a:spcPts val="0"/>
+                        </a:spcAft>
+                        <a:buClrTx/>
+                        <a:buSzTx/>
+                        <a:buFontTx/>
+                        <a:buNone/>
+                        <a:tabLst/>
+                        <a:defRPr/>
+                      </a:pPr>
+                      <a:r>
+                        <a:rPr lang="ko-KR" altLang="en-US" sz="1200" b="1" dirty="0" err="1" smtClean="0">
+                          <a:latin typeface="나눔고딕OTF" pitchFamily="34" charset="-127"/>
+                          <a:ea typeface="나눔고딕OTF" pitchFamily="34" charset="-127"/>
+                        </a:rPr>
+                        <a:t>접근성</a:t>
+                      </a:r>
+                      <a:endParaRPr lang="ko-KR" altLang="en-US" sz="1200" b="1" dirty="0" smtClean="0">
+                        <a:latin typeface="나눔고딕OTF" pitchFamily="34" charset="-127"/>
+                        <a:ea typeface="나눔고딕OTF" pitchFamily="34" charset="-127"/>
+                      </a:endParaRPr>
+                    </a:p>
+                  </a:txBody>
+                  <a:tcPr/>
+                </a:tc>
                 <a:tc>
+                  <a:txBody>
+                    <a:bodyPr/>
+                    <a:lstStyle/>
+                    <a:p>
+                      <a:pPr algn="l" latinLnBrk="1"/>
+                      <a:r>
+                        <a:rPr lang="ko-KR" altLang="en-US" sz="1200" dirty="0" smtClean="0">
+                          <a:latin typeface="나눔고딕OTF" pitchFamily="34" charset="-127"/>
+                          <a:ea typeface="나눔고딕OTF" pitchFamily="34" charset="-127"/>
+                        </a:rPr>
+                        <a:t>사용자가 원하는 목표까지 불필요한 과정은 없는가</a:t>
+                      </a:r>
+                      <a:r>
+                        <a:rPr lang="en-US" altLang="ko-KR" sz="1200" dirty="0" smtClean="0">
+                          <a:latin typeface="나눔고딕OTF" pitchFamily="34" charset="-127"/>
+                          <a:ea typeface="나눔고딕OTF" pitchFamily="34" charset="-127"/>
+                        </a:rPr>
+                        <a:t>.</a:t>
+                      </a:r>
+                      <a:endParaRPr lang="ko-KR" altLang="en-US" sz="1200" dirty="0">
+                        <a:latin typeface="나눔고딕OTF" pitchFamily="34" charset="-127"/>
+                        <a:ea typeface="나눔고딕OTF" pitchFamily="34" charset="-127"/>
+                      </a:endParaRPr>
+                    </a:p>
+                  </a:txBody>
+                  <a:tcPr/>
+                </a:tc>
+                <a:tc>
+                  <a:txBody>
+                    <a:bodyPr/>
+                    <a:lstStyle/>
+                    <a:p>
+                      <a:pPr algn="ctr" latinLnBrk="1"/>
+                      <a:endParaRPr lang="ko-KR" altLang="en-US" sz="1200" dirty="0">
+                        <a:latin typeface="나눔고딕OTF" pitchFamily="34" charset="-127"/>
+                        <a:ea typeface="나눔고딕OTF" pitchFamily="34" charset="-127"/>
+                      </a:endParaRPr>
+                    </a:p>
+                  </a:txBody>
+                  <a:tcPr/>
+                </a:tc>
+                <a:tc>
+                  <a:txBody>
+                    <a:bodyPr/>
+                    <a:lstStyle/>
+                    <a:p>
+                      <a:pPr algn="ctr" latinLnBrk="1"/>
+                      <a:endParaRPr lang="ko-KR" altLang="en-US" sz="1200" dirty="0">
+                        <a:latin typeface="나눔고딕OTF" pitchFamily="34" charset="-127"/>
+                        <a:ea typeface="나눔고딕OTF" pitchFamily="34" charset="-127"/>
+                      </a:endParaRPr>
+                    </a:p>
+                  </a:txBody>
+                  <a:tcPr/>
+                </a:tc>
+              </a:tr>
+              <a:tr h="144016">
+                <a:tc vMerge="1">
+                  <a:txBody>
+                    <a:bodyPr/>
+                    <a:lstStyle/>
+                    <a:p>
+                      <a:pPr algn="ctr" latinLnBrk="1"/>
+                      <a:endParaRPr lang="ko-KR" altLang="en-US" sz="1200" dirty="0">
+                        <a:latin typeface="나눔고딕OTF" pitchFamily="34" charset="-127"/>
+                        <a:ea typeface="나눔고딕OTF" pitchFamily="34" charset="-127"/>
+                      </a:endParaRPr>
+                    </a:p>
+                  </a:txBody>
+                  <a:tcPr/>
+                </a:tc>
+                <a:tc>
+                  <a:txBody>
+                    <a:bodyPr/>
+                    <a:lstStyle/>
+                    <a:p>
+                      <a:pPr algn="l" latinLnBrk="1"/>
+                      <a:r>
+                        <a:rPr lang="ko-KR" altLang="en-US" sz="1200" dirty="0" smtClean="0">
+                          <a:latin typeface="나눔고딕OTF" pitchFamily="34" charset="-127"/>
+                          <a:ea typeface="나눔고딕OTF" pitchFamily="34" charset="-127"/>
+                        </a:rPr>
+                        <a:t>여러 언어를 사용하여 외국인이 접근하기 용이한가</a:t>
+                      </a:r>
+                      <a:r>
+                        <a:rPr lang="en-US" altLang="ko-KR" sz="1200" dirty="0" smtClean="0">
+                          <a:latin typeface="나눔고딕OTF" pitchFamily="34" charset="-127"/>
+                          <a:ea typeface="나눔고딕OTF" pitchFamily="34" charset="-127"/>
+                        </a:rPr>
+                        <a:t>.</a:t>
+                      </a:r>
+                      <a:endParaRPr lang="ko-KR" altLang="en-US" sz="1200" dirty="0">
+                        <a:latin typeface="나눔고딕OTF" pitchFamily="34" charset="-127"/>
+                        <a:ea typeface="나눔고딕OTF" pitchFamily="34" charset="-127"/>
+                      </a:endParaRPr>
+                    </a:p>
+                  </a:txBody>
+                  <a:tcPr/>
+                </a:tc>
+                <a:tc>
+                  <a:txBody>
+                    <a:bodyPr/>
+                    <a:lstStyle/>
+                    <a:p>
+                      <a:pPr algn="ctr" latinLnBrk="1"/>
+                      <a:endParaRPr lang="ko-KR" altLang="en-US" sz="1200" dirty="0">
+                        <a:latin typeface="나눔고딕OTF" pitchFamily="34" charset="-127"/>
+                        <a:ea typeface="나눔고딕OTF" pitchFamily="34" charset="-127"/>
+                      </a:endParaRPr>
+                    </a:p>
+                  </a:txBody>
+                  <a:tcPr/>
+                </a:tc>
+                <a:tc>
+                  <a:txBody>
+                    <a:bodyPr/>
+                    <a:lstStyle/>
+                    <a:p>
+                      <a:pPr algn="ctr" latinLnBrk="1"/>
+                      <a:endParaRPr lang="ko-KR" altLang="en-US" sz="1200" dirty="0">
+                        <a:latin typeface="나눔고딕OTF" pitchFamily="34" charset="-127"/>
+                        <a:ea typeface="나눔고딕OTF" pitchFamily="34" charset="-127"/>
+                      </a:endParaRPr>
+                    </a:p>
+                  </a:txBody>
+                  <a:tcPr/>
+                </a:tc>
+              </a:tr>
+              <a:tr h="144016">
+                <a:tc rowSpan="2">
+                  <a:txBody>
+                    <a:bodyPr/>
+                    <a:lstStyle/>
+                    <a:p>
+                      <a:pPr marL="0" marR="0" indent="0" algn="ctr" defTabSz="914400" rtl="0" eaLnBrk="1" fontAlgn="auto" latinLnBrk="1" hangingPunct="1">
+                        <a:lnSpc>
+                          <a:spcPct val="100000"/>
+                        </a:lnSpc>
+                        <a:spcBef>
+                          <a:spcPts val="0"/>
+                        </a:spcBef>
+                        <a:spcAft>
+                          <a:spcPts val="0"/>
+                        </a:spcAft>
+                        <a:buClrTx/>
+                        <a:buSzTx/>
+                        <a:buFontTx/>
+                        <a:buNone/>
+                        <a:tabLst/>
+                        <a:defRPr/>
+                      </a:pPr>
+                      <a:endParaRPr lang="en-US" altLang="ko-KR" sz="1200" b="1" dirty="0" smtClean="0">
+                        <a:latin typeface="나눔고딕OTF" pitchFamily="34" charset="-127"/>
+                        <a:ea typeface="나눔고딕OTF" pitchFamily="34" charset="-127"/>
+                      </a:endParaRPr>
+                    </a:p>
+                    <a:p>
+                      <a:pPr marL="0" marR="0" indent="0" algn="ctr" defTabSz="914400" rtl="0" eaLnBrk="1" fontAlgn="auto" latinLnBrk="1" hangingPunct="1">
+                        <a:lnSpc>
+                          <a:spcPct val="100000"/>
+                        </a:lnSpc>
+                        <a:spcBef>
+                          <a:spcPts val="0"/>
+                        </a:spcBef>
+                        <a:spcAft>
+                          <a:spcPts val="0"/>
+                        </a:spcAft>
+                        <a:buClrTx/>
+                        <a:buSzTx/>
+                        <a:buFontTx/>
+                        <a:buNone/>
+                        <a:tabLst/>
+                        <a:defRPr/>
+                      </a:pPr>
+                      <a:r>
+                        <a:rPr lang="ko-KR" altLang="en-US" sz="1200" b="1" dirty="0" smtClean="0">
+                          <a:latin typeface="나눔고딕OTF" pitchFamily="34" charset="-127"/>
+                          <a:ea typeface="나눔고딕OTF" pitchFamily="34" charset="-127"/>
+                        </a:rPr>
+                        <a:t>디자인</a:t>
+                      </a:r>
+                    </a:p>
+                  </a:txBody>
+                  <a:tcPr/>
+                </a:tc>
+                <a:tc>
+                  <a:txBody>
+                    <a:bodyPr/>
+                    <a:lstStyle/>
+                    <a:p>
+                      <a:pPr algn="l" latinLnBrk="1"/>
+                      <a:endParaRPr lang="ko-KR" altLang="en-US" sz="1200" dirty="0">
+                        <a:latin typeface="나눔고딕OTF" pitchFamily="34" charset="-127"/>
+                        <a:ea typeface="나눔고딕OTF" pitchFamily="34" charset="-127"/>
+                      </a:endParaRPr>
+                    </a:p>
+                  </a:txBody>
+                  <a:tcPr/>
+                </a:tc>
+                <a:tc>
+                  <a:txBody>
+                    <a:bodyPr/>
+                    <a:lstStyle/>
+                    <a:p>
+                      <a:pPr algn="ctr" latinLnBrk="1"/>
+                      <a:endParaRPr lang="ko-KR" altLang="en-US" sz="1200" dirty="0">
+                        <a:latin typeface="나눔고딕OTF" pitchFamily="34" charset="-127"/>
+                        <a:ea typeface="나눔고딕OTF" pitchFamily="34" charset="-127"/>
+                      </a:endParaRPr>
+                    </a:p>
+                  </a:txBody>
+                  <a:tcPr/>
+                </a:tc>
+                <a:tc>
+                  <a:txBody>
+                    <a:bodyPr/>
+                    <a:lstStyle/>
+                    <a:p>
+                      <a:pPr algn="ctr" latinLnBrk="1"/>
+                      <a:endParaRPr lang="ko-KR" altLang="en-US" sz="1200" dirty="0">
+                        <a:latin typeface="나눔고딕OTF" pitchFamily="34" charset="-127"/>
+                        <a:ea typeface="나눔고딕OTF" pitchFamily="34" charset="-127"/>
+                      </a:endParaRPr>
+                    </a:p>
+                  </a:txBody>
+                  <a:tcPr/>
+                </a:tc>
+              </a:tr>
+              <a:tr h="144016">
+                <a:tc vMerge="1">
                   <a:txBody>
                     <a:bodyPr/>
                     <a:lstStyle/>
@@ -12448,201 +12759,6 @@
                     <a:lstStyle/>
                     <a:p>
                       <a:pPr algn="l" latinLnBrk="1"/>
-                      <a:endParaRPr lang="ko-KR" altLang="en-US" sz="1200" dirty="0">
-                        <a:latin typeface="나눔고딕OTF" pitchFamily="34" charset="-127"/>
-                        <a:ea typeface="나눔고딕OTF" pitchFamily="34" charset="-127"/>
-                      </a:endParaRPr>
-                    </a:p>
-                  </a:txBody>
-                  <a:tcPr/>
-                </a:tc>
-                <a:tc>
-                  <a:txBody>
-                    <a:bodyPr/>
-                    <a:lstStyle/>
-                    <a:p>
-                      <a:pPr algn="ctr" latinLnBrk="1"/>
-                      <a:endParaRPr lang="ko-KR" altLang="en-US" sz="1200" dirty="0">
-                        <a:latin typeface="나눔고딕OTF" pitchFamily="34" charset="-127"/>
-                        <a:ea typeface="나눔고딕OTF" pitchFamily="34" charset="-127"/>
-                      </a:endParaRPr>
-                    </a:p>
-                  </a:txBody>
-                  <a:tcPr/>
-                </a:tc>
-                <a:tc>
-                  <a:txBody>
-                    <a:bodyPr/>
-                    <a:lstStyle/>
-                    <a:p>
-                      <a:pPr algn="ctr" latinLnBrk="1"/>
-                      <a:endParaRPr lang="ko-KR" altLang="en-US" sz="1200" dirty="0">
-                        <a:latin typeface="나눔고딕OTF" pitchFamily="34" charset="-127"/>
-                        <a:ea typeface="나눔고딕OTF" pitchFamily="34" charset="-127"/>
-                      </a:endParaRPr>
-                    </a:p>
-                  </a:txBody>
-                  <a:tcPr/>
-                </a:tc>
-              </a:tr>
-              <a:tr h="144016">
-                <a:tc>
-                  <a:txBody>
-                    <a:bodyPr/>
-                    <a:lstStyle/>
-                    <a:p>
-                      <a:pPr algn="ctr" latinLnBrk="1"/>
-                      <a:endParaRPr lang="ko-KR" altLang="en-US" sz="1200" dirty="0">
-                        <a:latin typeface="나눔고딕OTF" pitchFamily="34" charset="-127"/>
-                        <a:ea typeface="나눔고딕OTF" pitchFamily="34" charset="-127"/>
-                      </a:endParaRPr>
-                    </a:p>
-                  </a:txBody>
-                  <a:tcPr/>
-                </a:tc>
-                <a:tc>
-                  <a:txBody>
-                    <a:bodyPr/>
-                    <a:lstStyle/>
-                    <a:p>
-                      <a:pPr algn="l" latinLnBrk="1"/>
-                      <a:endParaRPr lang="ko-KR" altLang="en-US" sz="1200" dirty="0">
-                        <a:latin typeface="나눔고딕OTF" pitchFamily="34" charset="-127"/>
-                        <a:ea typeface="나눔고딕OTF" pitchFamily="34" charset="-127"/>
-                      </a:endParaRPr>
-                    </a:p>
-                  </a:txBody>
-                  <a:tcPr/>
-                </a:tc>
-                <a:tc>
-                  <a:txBody>
-                    <a:bodyPr/>
-                    <a:lstStyle/>
-                    <a:p>
-                      <a:pPr algn="ctr" latinLnBrk="1"/>
-                      <a:endParaRPr lang="ko-KR" altLang="en-US" sz="1200" dirty="0">
-                        <a:latin typeface="나눔고딕OTF" pitchFamily="34" charset="-127"/>
-                        <a:ea typeface="나눔고딕OTF" pitchFamily="34" charset="-127"/>
-                      </a:endParaRPr>
-                    </a:p>
-                  </a:txBody>
-                  <a:tcPr/>
-                </a:tc>
-                <a:tc>
-                  <a:txBody>
-                    <a:bodyPr/>
-                    <a:lstStyle/>
-                    <a:p>
-                      <a:pPr algn="ctr" latinLnBrk="1"/>
-                      <a:endParaRPr lang="ko-KR" altLang="en-US" sz="1200" dirty="0">
-                        <a:latin typeface="나눔고딕OTF" pitchFamily="34" charset="-127"/>
-                        <a:ea typeface="나눔고딕OTF" pitchFamily="34" charset="-127"/>
-                      </a:endParaRPr>
-                    </a:p>
-                  </a:txBody>
-                  <a:tcPr/>
-                </a:tc>
-              </a:tr>
-              <a:tr h="144016">
-                <a:tc>
-                  <a:txBody>
-                    <a:bodyPr/>
-                    <a:lstStyle/>
-                    <a:p>
-                      <a:pPr algn="ctr" latinLnBrk="1"/>
-                      <a:endParaRPr lang="ko-KR" altLang="en-US" sz="1200" dirty="0">
-                        <a:latin typeface="나눔고딕OTF" pitchFamily="34" charset="-127"/>
-                        <a:ea typeface="나눔고딕OTF" pitchFamily="34" charset="-127"/>
-                      </a:endParaRPr>
-                    </a:p>
-                  </a:txBody>
-                  <a:tcPr/>
-                </a:tc>
-                <a:tc>
-                  <a:txBody>
-                    <a:bodyPr/>
-                    <a:lstStyle/>
-                    <a:p>
-                      <a:pPr algn="l" latinLnBrk="1"/>
-                      <a:endParaRPr lang="ko-KR" altLang="en-US" sz="1200" dirty="0">
-                        <a:latin typeface="나눔고딕OTF" pitchFamily="34" charset="-127"/>
-                        <a:ea typeface="나눔고딕OTF" pitchFamily="34" charset="-127"/>
-                      </a:endParaRPr>
-                    </a:p>
-                  </a:txBody>
-                  <a:tcPr/>
-                </a:tc>
-                <a:tc>
-                  <a:txBody>
-                    <a:bodyPr/>
-                    <a:lstStyle/>
-                    <a:p>
-                      <a:pPr algn="ctr" latinLnBrk="1"/>
-                      <a:endParaRPr lang="ko-KR" altLang="en-US" sz="1200" dirty="0">
-                        <a:latin typeface="나눔고딕OTF" pitchFamily="34" charset="-127"/>
-                        <a:ea typeface="나눔고딕OTF" pitchFamily="34" charset="-127"/>
-                      </a:endParaRPr>
-                    </a:p>
-                  </a:txBody>
-                  <a:tcPr/>
-                </a:tc>
-                <a:tc>
-                  <a:txBody>
-                    <a:bodyPr/>
-                    <a:lstStyle/>
-                    <a:p>
-                      <a:pPr algn="ctr" latinLnBrk="1"/>
-                      <a:endParaRPr lang="ko-KR" altLang="en-US" sz="1200" dirty="0">
-                        <a:latin typeface="나눔고딕OTF" pitchFamily="34" charset="-127"/>
-                        <a:ea typeface="나눔고딕OTF" pitchFamily="34" charset="-127"/>
-                      </a:endParaRPr>
-                    </a:p>
-                  </a:txBody>
-                  <a:tcPr/>
-                </a:tc>
-              </a:tr>
-              <a:tr h="144016">
-                <a:tc>
-                  <a:txBody>
-                    <a:bodyPr/>
-                    <a:lstStyle/>
-                    <a:p>
-                      <a:pPr algn="ctr" latinLnBrk="1"/>
-                      <a:r>
-                        <a:rPr lang="ko-KR" altLang="en-US" sz="1200" dirty="0" err="1" smtClean="0">
-                          <a:latin typeface="나눔고딕OTF" pitchFamily="34" charset="-127"/>
-                          <a:ea typeface="나눔고딕OTF" pitchFamily="34" charset="-127"/>
-                        </a:rPr>
-                        <a:t>접근성</a:t>
-                      </a:r>
-                      <a:endParaRPr lang="ko-KR" altLang="en-US" sz="1200" dirty="0">
-                        <a:latin typeface="나눔고딕OTF" pitchFamily="34" charset="-127"/>
-                        <a:ea typeface="나눔고딕OTF" pitchFamily="34" charset="-127"/>
-                      </a:endParaRPr>
-                    </a:p>
-                  </a:txBody>
-                  <a:tcPr/>
-                </a:tc>
-                <a:tc>
-                  <a:txBody>
-                    <a:bodyPr/>
-                    <a:lstStyle/>
-                    <a:p>
-                      <a:pPr algn="l" latinLnBrk="1"/>
-                      <a:r>
-                        <a:rPr lang="ko-KR" altLang="en-US" sz="1200" dirty="0" smtClean="0">
-                          <a:latin typeface="나눔고딕OTF" pitchFamily="34" charset="-127"/>
-                          <a:ea typeface="나눔고딕OTF" pitchFamily="34" charset="-127"/>
-                        </a:rPr>
-                        <a:t>사용자가 원하는 목표까지 불필요한 과정은 없는가</a:t>
-                      </a:r>
-                      <a:r>
-                        <a:rPr lang="en-US" altLang="ko-KR" sz="1200" dirty="0" smtClean="0">
-                          <a:latin typeface="나눔고딕OTF" pitchFamily="34" charset="-127"/>
-                          <a:ea typeface="나눔고딕OTF" pitchFamily="34" charset="-127"/>
-                        </a:rPr>
-                        <a:t>.</a:t>
-                      </a:r>
                       <a:endParaRPr lang="ko-KR" altLang="en-US" sz="1200" dirty="0">
                         <a:latin typeface="나눔고딕OTF" pitchFamily="34" charset="-127"/>
                         <a:ea typeface="나눔고딕OTF" pitchFamily="34" charset="-127"/>

--- a/디자인설계 및 조사분석.pptx
+++ b/디자인설계 및 조사분석.pptx
@@ -11932,7 +11932,7 @@
           <p:nvPr>
             <p:extLst>
               <p:ext uri="{D42A27DB-BD31-4B8C-83A1-F6EECF244321}">
-                <p14:modId xmlns:p14="http://schemas.microsoft.com/office/powerpoint/2010/main" val="1673800025"/>
+                <p14:modId xmlns:p14="http://schemas.microsoft.com/office/powerpoint/2010/main" val="157745366"/>
               </p:ext>
             </p:extLst>
           </p:nvPr>
@@ -12333,18 +12333,11 @@
                     <a:p>
                       <a:pPr algn="l" latinLnBrk="1"/>
                       <a:r>
-                        <a:rPr lang="ko-KR" altLang="en-US" sz="1200" smtClean="0">
-                          <a:latin typeface="나눔고딕OTF" pitchFamily="34" charset="-127"/>
-                          <a:ea typeface="나눔고딕OTF" pitchFamily="34" charset="-127"/>
-                        </a:rPr>
-                        <a:t>아이콘이 적재적소에 </a:t>
-                      </a:r>
-                      <a:r>
                         <a:rPr lang="ko-KR" altLang="en-US" sz="1200" dirty="0" smtClean="0">
                           <a:latin typeface="나눔고딕OTF" pitchFamily="34" charset="-127"/>
                           <a:ea typeface="나눔고딕OTF" pitchFamily="34" charset="-127"/>
                         </a:rPr>
-                        <a:t>배치 되어있는가</a:t>
+                        <a:t>아이콘이 적재적소에 배치 되어있는가</a:t>
                       </a:r>
                       <a:r>
                         <a:rPr lang="en-US" altLang="ko-KR" sz="1200" dirty="0" smtClean="0">
@@ -12530,11 +12523,18 @@
                     <a:p>
                       <a:pPr algn="l" latinLnBrk="1"/>
                       <a:r>
+                        <a:rPr lang="ko-KR" altLang="en-US" sz="1200" smtClean="0">
+                          <a:latin typeface="나눔고딕OTF" pitchFamily="34" charset="-127"/>
+                          <a:ea typeface="나눔고딕OTF" pitchFamily="34" charset="-127"/>
+                        </a:rPr>
+                        <a:t>소외계층이 접근하기 </a:t>
+                      </a:r>
+                      <a:r>
                         <a:rPr lang="ko-KR" altLang="en-US" sz="1200" dirty="0" smtClean="0">
                           <a:latin typeface="나눔고딕OTF" pitchFamily="34" charset="-127"/>
                           <a:ea typeface="나눔고딕OTF" pitchFamily="34" charset="-127"/>
                         </a:rPr>
-                        <a:t>여러 언어를 사용하여 외국인이 접근하기 용이한가</a:t>
+                        <a:t>용이한가</a:t>
                       </a:r>
                       <a:r>
                         <a:rPr lang="en-US" altLang="ko-KR" sz="1200" dirty="0" smtClean="0">

--- a/디자인설계 및 조사분석.pptx
+++ b/디자인설계 및 조사분석.pptx
@@ -10992,7 +10992,7 @@
         </p:nvSpPr>
         <p:spPr>
           <a:xfrm>
-            <a:off x="899592" y="1153785"/>
+            <a:off x="899592" y="1409889"/>
             <a:ext cx="1299040" cy="669555"/>
           </a:xfrm>
           <a:prstGeom prst="rect">
@@ -11054,7 +11054,7 @@
         </p:nvSpPr>
         <p:spPr>
           <a:xfrm>
-            <a:off x="1187624" y="805566"/>
+            <a:off x="1187624" y="1061670"/>
             <a:ext cx="721653" cy="549438"/>
           </a:xfrm>
           <a:prstGeom prst="rect">
@@ -11115,7 +11115,7 @@
         </p:blipFill>
         <p:spPr bwMode="auto">
           <a:xfrm>
-            <a:off x="1287344" y="883983"/>
+            <a:off x="1287344" y="1140087"/>
             <a:ext cx="532820" cy="392604"/>
           </a:xfrm>
           <a:prstGeom prst="rect">
@@ -11144,7 +11144,7 @@
         </p:nvSpPr>
         <p:spPr>
           <a:xfrm>
-            <a:off x="2314935" y="1153785"/>
+            <a:off x="2314935" y="1409889"/>
             <a:ext cx="1299040" cy="669555"/>
           </a:xfrm>
           <a:prstGeom prst="rect">
@@ -11196,7 +11196,7 @@
         </p:nvSpPr>
         <p:spPr>
           <a:xfrm>
-            <a:off x="2626211" y="805566"/>
+            <a:off x="2626211" y="1061670"/>
             <a:ext cx="721653" cy="549438"/>
           </a:xfrm>
           <a:prstGeom prst="rect">
@@ -11257,7 +11257,7 @@
         </p:blipFill>
         <p:spPr bwMode="auto">
           <a:xfrm>
-            <a:off x="2702687" y="883983"/>
+            <a:off x="2702687" y="1140087"/>
             <a:ext cx="532820" cy="392604"/>
           </a:xfrm>
           <a:prstGeom prst="rect">
@@ -11286,7 +11286,7 @@
         </p:nvSpPr>
         <p:spPr>
           <a:xfrm>
-            <a:off x="3755095" y="1153785"/>
+            <a:off x="3755095" y="1409889"/>
             <a:ext cx="1299040" cy="669555"/>
           </a:xfrm>
           <a:prstGeom prst="rect">
@@ -11348,7 +11348,7 @@
         </p:nvSpPr>
         <p:spPr>
           <a:xfrm>
-            <a:off x="4067944" y="805566"/>
+            <a:off x="4067944" y="1061670"/>
             <a:ext cx="721653" cy="549438"/>
           </a:xfrm>
           <a:prstGeom prst="rect">
@@ -11409,7 +11409,7 @@
         </p:blipFill>
         <p:spPr bwMode="auto">
           <a:xfrm>
-            <a:off x="4142847" y="883983"/>
+            <a:off x="4142847" y="1140087"/>
             <a:ext cx="532820" cy="392604"/>
           </a:xfrm>
           <a:prstGeom prst="rect">
@@ -11438,7 +11438,7 @@
         </p:nvSpPr>
         <p:spPr>
           <a:xfrm>
-            <a:off x="5189571" y="1153785"/>
+            <a:off x="5189571" y="1409889"/>
             <a:ext cx="1299040" cy="669555"/>
           </a:xfrm>
           <a:prstGeom prst="rect">
@@ -11490,7 +11490,7 @@
         </p:nvSpPr>
         <p:spPr>
           <a:xfrm>
-            <a:off x="5508104" y="805566"/>
+            <a:off x="5508104" y="1061670"/>
             <a:ext cx="721653" cy="549438"/>
           </a:xfrm>
           <a:prstGeom prst="rect">
@@ -11551,7 +11551,7 @@
         </p:blipFill>
         <p:spPr bwMode="auto">
           <a:xfrm>
-            <a:off x="5565509" y="883983"/>
+            <a:off x="5565509" y="1140087"/>
             <a:ext cx="532820" cy="392604"/>
           </a:xfrm>
           <a:prstGeom prst="rect">
@@ -11580,7 +11580,7 @@
         </p:nvSpPr>
         <p:spPr>
           <a:xfrm>
-            <a:off x="6591119" y="1153786"/>
+            <a:off x="6591119" y="1409890"/>
             <a:ext cx="1299040" cy="669554"/>
           </a:xfrm>
           <a:prstGeom prst="rect">
@@ -11632,7 +11632,7 @@
         </p:nvSpPr>
         <p:spPr>
           <a:xfrm>
-            <a:off x="6876256" y="805566"/>
+            <a:off x="6876256" y="1061670"/>
             <a:ext cx="721653" cy="549438"/>
           </a:xfrm>
           <a:prstGeom prst="rect">
@@ -11693,7 +11693,7 @@
         </p:blipFill>
         <p:spPr bwMode="auto">
           <a:xfrm>
-            <a:off x="6967057" y="883983"/>
+            <a:off x="6967057" y="1140087"/>
             <a:ext cx="532820" cy="392604"/>
           </a:xfrm>
           <a:prstGeom prst="rect">
@@ -11722,7 +11722,7 @@
         </p:nvSpPr>
         <p:spPr>
           <a:xfrm>
-            <a:off x="2487401" y="1240304"/>
+            <a:off x="2487401" y="1496408"/>
             <a:ext cx="954107" cy="584775"/>
           </a:xfrm>
           <a:prstGeom prst="rect">
@@ -11785,7 +11785,7 @@
         </p:nvSpPr>
         <p:spPr>
           <a:xfrm>
-            <a:off x="5458218" y="1233694"/>
+            <a:off x="5458218" y="1489798"/>
             <a:ext cx="761747" cy="584775"/>
           </a:xfrm>
           <a:prstGeom prst="rect">
@@ -11858,7 +11858,7 @@
         </p:nvSpPr>
         <p:spPr>
           <a:xfrm>
-            <a:off x="6751223" y="1260049"/>
+            <a:off x="6751223" y="1516153"/>
             <a:ext cx="1011815" cy="584775"/>
           </a:xfrm>
           <a:prstGeom prst="rect">
@@ -11932,14 +11932,14 @@
           <p:nvPr>
             <p:extLst>
               <p:ext uri="{D42A27DB-BD31-4B8C-83A1-F6EECF244321}">
-                <p14:modId xmlns:p14="http://schemas.microsoft.com/office/powerpoint/2010/main" val="157745366"/>
+                <p14:modId xmlns:p14="http://schemas.microsoft.com/office/powerpoint/2010/main" val="857339555"/>
               </p:ext>
             </p:extLst>
           </p:nvPr>
         </p:nvGraphicFramePr>
         <p:xfrm>
-          <a:off x="251520" y="2060849"/>
-          <a:ext cx="8352928" cy="3432407"/>
+          <a:off x="251520" y="2924943"/>
+          <a:ext cx="8352928" cy="3158087"/>
         </p:xfrm>
         <a:graphic>
           <a:graphicData uri="http://schemas.openxmlformats.org/drawingml/2006/table">
@@ -11953,7 +11953,7 @@
                 <a:gridCol w="936104"/>
                 <a:gridCol w="936104"/>
               </a:tblGrid>
-              <a:tr h="306105">
+              <a:tr h="221744">
                 <a:tc>
                   <a:txBody>
                     <a:bodyPr/>
@@ -12523,18 +12523,11 @@
                     <a:p>
                       <a:pPr algn="l" latinLnBrk="1"/>
                       <a:r>
-                        <a:rPr lang="ko-KR" altLang="en-US" sz="1200" smtClean="0">
-                          <a:latin typeface="나눔고딕OTF" pitchFamily="34" charset="-127"/>
-                          <a:ea typeface="나눔고딕OTF" pitchFamily="34" charset="-127"/>
-                        </a:rPr>
-                        <a:t>소외계층이 접근하기 </a:t>
-                      </a:r>
-                      <a:r>
                         <a:rPr lang="ko-KR" altLang="en-US" sz="1200" dirty="0" smtClean="0">
                           <a:latin typeface="나눔고딕OTF" pitchFamily="34" charset="-127"/>
                           <a:ea typeface="나눔고딕OTF" pitchFamily="34" charset="-127"/>
                         </a:rPr>
-                        <a:t>용이한가</a:t>
+                        <a:t>소외계층이 접근하기 용이한가</a:t>
                       </a:r>
                       <a:r>
                         <a:rPr lang="en-US" altLang="ko-KR" sz="1200" dirty="0" smtClean="0">
@@ -12643,6 +12636,34 @@
                     <a:lstStyle/>
                     <a:p>
                       <a:pPr algn="l" latinLnBrk="1"/>
+                      <a:r>
+                        <a:rPr lang="en-US" altLang="ko-KR" sz="1200" dirty="0" smtClean="0">
+                          <a:latin typeface="나눔고딕OTF" pitchFamily="34" charset="-127"/>
+                          <a:ea typeface="나눔고딕OTF" pitchFamily="34" charset="-127"/>
+                        </a:rPr>
+                        <a:t>2023 </a:t>
+                      </a:r>
+                      <a:r>
+                        <a:rPr lang="ko-KR" altLang="en-US" sz="1200" dirty="0" err="1" smtClean="0">
+                          <a:latin typeface="나눔고딕OTF" pitchFamily="34" charset="-127"/>
+                          <a:ea typeface="나눔고딕OTF" pitchFamily="34" charset="-127"/>
+                        </a:rPr>
+                        <a:t>트렌드를</a:t>
+                      </a:r>
+                      <a:r>
+                        <a:rPr lang="ko-KR" altLang="en-US" sz="1200" dirty="0" smtClean="0">
+                          <a:latin typeface="나눔고딕OTF" pitchFamily="34" charset="-127"/>
+                          <a:ea typeface="나눔고딕OTF" pitchFamily="34" charset="-127"/>
+                        </a:rPr>
+                        <a:t> 참고하여 디자인 하였는가</a:t>
+                      </a:r>
+                      <a:r>
+                        <a:rPr lang="en-US" altLang="ko-KR" sz="1200" dirty="0" smtClean="0">
+                          <a:latin typeface="나눔고딕OTF" pitchFamily="34" charset="-127"/>
+                          <a:ea typeface="나눔고딕OTF" pitchFamily="34" charset="-127"/>
+                        </a:rPr>
+                        <a:t>.</a:t>
+                      </a:r>
                       <a:endParaRPr lang="ko-KR" altLang="en-US" sz="1200" dirty="0">
                         <a:latin typeface="나눔고딕OTF" pitchFamily="34" charset="-127"/>
                         <a:ea typeface="나눔고딕OTF" pitchFamily="34" charset="-127"/>
@@ -12701,149 +12722,12 @@
                     <a:lstStyle/>
                     <a:p>
                       <a:pPr algn="l" latinLnBrk="1"/>
-                      <a:endParaRPr lang="ko-KR" altLang="en-US" sz="1200" dirty="0">
-                        <a:latin typeface="나눔고딕OTF" pitchFamily="34" charset="-127"/>
-                        <a:ea typeface="나눔고딕OTF" pitchFamily="34" charset="-127"/>
-                      </a:endParaRPr>
-                    </a:p>
-                  </a:txBody>
-                  <a:tcPr/>
-                </a:tc>
-                <a:tc>
-                  <a:txBody>
-                    <a:bodyPr/>
-                    <a:lstStyle/>
-                    <a:p>
-                      <a:pPr algn="ctr" latinLnBrk="1"/>
-                      <a:endParaRPr lang="ko-KR" altLang="en-US" sz="1200" dirty="0">
-                        <a:latin typeface="나눔고딕OTF" pitchFamily="34" charset="-127"/>
-                        <a:ea typeface="나눔고딕OTF" pitchFamily="34" charset="-127"/>
-                      </a:endParaRPr>
-                    </a:p>
-                  </a:txBody>
-                  <a:tcPr/>
-                </a:tc>
-                <a:tc>
-                  <a:txBody>
-                    <a:bodyPr/>
-                    <a:lstStyle/>
-                    <a:p>
-                      <a:pPr algn="ctr" latinLnBrk="1"/>
-                      <a:endParaRPr lang="ko-KR" altLang="en-US" sz="1200" dirty="0">
-                        <a:latin typeface="나눔고딕OTF" pitchFamily="34" charset="-127"/>
-                        <a:ea typeface="나눔고딕OTF" pitchFamily="34" charset="-127"/>
-                      </a:endParaRPr>
-                    </a:p>
-                  </a:txBody>
-                  <a:tcPr/>
-                </a:tc>
-              </a:tr>
-              <a:tr h="144016">
-                <a:tc>
-                  <a:txBody>
-                    <a:bodyPr/>
-                    <a:lstStyle/>
-                    <a:p>
-                      <a:pPr algn="ctr" latinLnBrk="1"/>
-                      <a:endParaRPr lang="ko-KR" altLang="en-US" sz="1200" dirty="0">
-                        <a:latin typeface="나눔고딕OTF" pitchFamily="34" charset="-127"/>
-                        <a:ea typeface="나눔고딕OTF" pitchFamily="34" charset="-127"/>
-                      </a:endParaRPr>
-                    </a:p>
-                  </a:txBody>
-                  <a:tcPr/>
-                </a:tc>
-                <a:tc>
-                  <a:txBody>
-                    <a:bodyPr/>
-                    <a:lstStyle/>
-                    <a:p>
-                      <a:pPr algn="l" latinLnBrk="1"/>
-                      <a:endParaRPr lang="ko-KR" altLang="en-US" sz="1200" dirty="0">
-                        <a:latin typeface="나눔고딕OTF" pitchFamily="34" charset="-127"/>
-                        <a:ea typeface="나눔고딕OTF" pitchFamily="34" charset="-127"/>
-                      </a:endParaRPr>
-                    </a:p>
-                  </a:txBody>
-                  <a:tcPr/>
-                </a:tc>
-                <a:tc>
-                  <a:txBody>
-                    <a:bodyPr/>
-                    <a:lstStyle/>
-                    <a:p>
-                      <a:pPr algn="ctr" latinLnBrk="1"/>
-                      <a:endParaRPr lang="ko-KR" altLang="en-US" sz="1200" dirty="0">
-                        <a:latin typeface="나눔고딕OTF" pitchFamily="34" charset="-127"/>
-                        <a:ea typeface="나눔고딕OTF" pitchFamily="34" charset="-127"/>
-                      </a:endParaRPr>
-                    </a:p>
-                  </a:txBody>
-                  <a:tcPr/>
-                </a:tc>
-                <a:tc>
-                  <a:txBody>
-                    <a:bodyPr/>
-                    <a:lstStyle/>
-                    <a:p>
-                      <a:pPr algn="ctr" latinLnBrk="1"/>
-                      <a:endParaRPr lang="ko-KR" altLang="en-US" sz="1200" dirty="0">
-                        <a:latin typeface="나눔고딕OTF" pitchFamily="34" charset="-127"/>
-                        <a:ea typeface="나눔고딕OTF" pitchFamily="34" charset="-127"/>
-                      </a:endParaRPr>
-                    </a:p>
-                  </a:txBody>
-                  <a:tcPr/>
-                </a:tc>
-              </a:tr>
-              <a:tr h="144016">
-                <a:tc>
-                  <a:txBody>
-                    <a:bodyPr/>
-                    <a:lstStyle/>
-                    <a:p>
-                      <a:pPr algn="ctr" latinLnBrk="1"/>
                       <a:r>
                         <a:rPr lang="ko-KR" altLang="en-US" sz="1200" dirty="0" smtClean="0">
                           <a:latin typeface="나눔고딕OTF" pitchFamily="34" charset="-127"/>
                           <a:ea typeface="나눔고딕OTF" pitchFamily="34" charset="-127"/>
                         </a:rPr>
-                        <a:t>디자인</a:t>
-                      </a:r>
-                      <a:endParaRPr lang="ko-KR" altLang="en-US" sz="1200" dirty="0">
-                        <a:latin typeface="나눔고딕OTF" pitchFamily="34" charset="-127"/>
-                        <a:ea typeface="나눔고딕OTF" pitchFamily="34" charset="-127"/>
-                      </a:endParaRPr>
-                    </a:p>
-                  </a:txBody>
-                  <a:tcPr/>
-                </a:tc>
-                <a:tc>
-                  <a:txBody>
-                    <a:bodyPr/>
-                    <a:lstStyle/>
-                    <a:p>
-                      <a:pPr algn="l" latinLnBrk="1"/>
-                      <a:r>
-                        <a:rPr lang="ko-KR" altLang="en-US" sz="1200" dirty="0" smtClean="0">
-                          <a:latin typeface="나눔고딕OTF" pitchFamily="34" charset="-127"/>
-                          <a:ea typeface="나눔고딕OTF" pitchFamily="34" charset="-127"/>
-                        </a:rPr>
-                        <a:t>최신 </a:t>
-                      </a:r>
-                      <a:r>
-                        <a:rPr lang="ko-KR" altLang="en-US" sz="1200" dirty="0" err="1" smtClean="0">
-                          <a:latin typeface="나눔고딕OTF" pitchFamily="34" charset="-127"/>
-                          <a:ea typeface="나눔고딕OTF" pitchFamily="34" charset="-127"/>
-                        </a:rPr>
-                        <a:t>트렌드에</a:t>
-                      </a:r>
-                      <a:r>
-                        <a:rPr lang="ko-KR" altLang="en-US" sz="1200" dirty="0" smtClean="0">
-                          <a:latin typeface="나눔고딕OTF" pitchFamily="34" charset="-127"/>
-                          <a:ea typeface="나눔고딕OTF" pitchFamily="34" charset="-127"/>
-                        </a:rPr>
-                        <a:t> 맞추어 시각화 하였는가</a:t>
+                        <a:t>과도한 영어 사용으로 인해 복잡해 보이지는 않는가</a:t>
                       </a:r>
                       <a:r>
                         <a:rPr lang="en-US" altLang="ko-KR" sz="1200" dirty="0" smtClean="0">
@@ -12890,19 +12774,126 @@
                 </a:tc>
               </a:tr>
               <a:tr h="144016">
+                <a:tc rowSpan="2">
+                  <a:txBody>
+                    <a:bodyPr/>
+                    <a:lstStyle/>
+                    <a:p>
+                      <a:pPr marL="0" marR="0" indent="0" algn="ctr" defTabSz="914400" rtl="0" eaLnBrk="1" fontAlgn="auto" latinLnBrk="1" hangingPunct="1">
+                        <a:lnSpc>
+                          <a:spcPct val="100000"/>
+                        </a:lnSpc>
+                        <a:spcBef>
+                          <a:spcPts val="0"/>
+                        </a:spcBef>
+                        <a:spcAft>
+                          <a:spcPts val="0"/>
+                        </a:spcAft>
+                        <a:buClrTx/>
+                        <a:buSzTx/>
+                        <a:buFontTx/>
+                        <a:buNone/>
+                        <a:tabLst/>
+                        <a:defRPr/>
+                      </a:pPr>
+                      <a:endParaRPr lang="en-US" altLang="ko-KR" sz="1200" b="1" dirty="0" smtClean="0">
+                        <a:latin typeface="나눔고딕OTF" pitchFamily="34" charset="-127"/>
+                        <a:ea typeface="나눔고딕OTF" pitchFamily="34" charset="-127"/>
+                      </a:endParaRPr>
+                    </a:p>
+                    <a:p>
+                      <a:pPr marL="0" marR="0" indent="0" algn="ctr" defTabSz="914400" rtl="0" eaLnBrk="1" fontAlgn="auto" latinLnBrk="1" hangingPunct="1">
+                        <a:lnSpc>
+                          <a:spcPct val="100000"/>
+                        </a:lnSpc>
+                        <a:spcBef>
+                          <a:spcPts val="0"/>
+                        </a:spcBef>
+                        <a:spcAft>
+                          <a:spcPts val="0"/>
+                        </a:spcAft>
+                        <a:buClrTx/>
+                        <a:buSzTx/>
+                        <a:buFontTx/>
+                        <a:buNone/>
+                        <a:tabLst/>
+                        <a:defRPr/>
+                      </a:pPr>
+                      <a:r>
+                        <a:rPr lang="ko-KR" altLang="en-US" sz="1200" b="1" dirty="0" smtClean="0">
+                          <a:latin typeface="나눔고딕OTF" pitchFamily="34" charset="-127"/>
+                          <a:ea typeface="나눔고딕OTF" pitchFamily="34" charset="-127"/>
+                        </a:rPr>
+                        <a:t>제품 홍보</a:t>
+                      </a:r>
+                    </a:p>
+                  </a:txBody>
+                  <a:tcPr/>
+                </a:tc>
+                <a:tc>
+                  <a:txBody>
+                    <a:bodyPr/>
+                    <a:lstStyle/>
+                    <a:p>
+                      <a:pPr algn="l" latinLnBrk="1"/>
+                      <a:r>
+                        <a:rPr lang="ko-KR" altLang="en-US" sz="1200" dirty="0" smtClean="0">
+                          <a:latin typeface="나눔고딕OTF" pitchFamily="34" charset="-127"/>
+                          <a:ea typeface="나눔고딕OTF" pitchFamily="34" charset="-127"/>
+                        </a:rPr>
+                        <a:t>회사의 대표 상품을 홍보하였는가</a:t>
+                      </a:r>
+                      <a:r>
+                        <a:rPr lang="en-US" altLang="ko-KR" sz="1200" dirty="0" smtClean="0">
+                          <a:latin typeface="나눔고딕OTF" pitchFamily="34" charset="-127"/>
+                          <a:ea typeface="나눔고딕OTF" pitchFamily="34" charset="-127"/>
+                        </a:rPr>
+                        <a:t>.</a:t>
+                      </a:r>
+                      <a:endParaRPr lang="ko-KR" altLang="en-US" sz="1200" dirty="0">
+                        <a:latin typeface="나눔고딕OTF" pitchFamily="34" charset="-127"/>
+                        <a:ea typeface="나눔고딕OTF" pitchFamily="34" charset="-127"/>
+                      </a:endParaRPr>
+                    </a:p>
+                  </a:txBody>
+                  <a:tcPr/>
+                </a:tc>
                 <a:tc>
                   <a:txBody>
                     <a:bodyPr/>
                     <a:lstStyle/>
                     <a:p>
                       <a:pPr algn="ctr" latinLnBrk="1"/>
-                      <a:r>
-                        <a:rPr lang="ko-KR" altLang="en-US" sz="1200" dirty="0" smtClean="0">
-                          <a:latin typeface="나눔고딕OTF" pitchFamily="34" charset="-127"/>
-                          <a:ea typeface="나눔고딕OTF" pitchFamily="34" charset="-127"/>
-                        </a:rPr>
-                        <a:t>제품 홍보</a:t>
-                      </a:r>
+                      <a:endParaRPr lang="ko-KR" altLang="en-US" sz="1200" dirty="0">
+                        <a:latin typeface="나눔고딕OTF" pitchFamily="34" charset="-127"/>
+                        <a:ea typeface="나눔고딕OTF" pitchFamily="34" charset="-127"/>
+                      </a:endParaRPr>
+                    </a:p>
+                  </a:txBody>
+                  <a:tcPr/>
+                </a:tc>
+                <a:tc>
+                  <a:txBody>
+                    <a:bodyPr/>
+                    <a:lstStyle/>
+                    <a:p>
+                      <a:pPr algn="ctr" latinLnBrk="1"/>
+                      <a:endParaRPr lang="ko-KR" altLang="en-US" sz="1200" dirty="0">
+                        <a:latin typeface="나눔고딕OTF" pitchFamily="34" charset="-127"/>
+                        <a:ea typeface="나눔고딕OTF" pitchFamily="34" charset="-127"/>
+                      </a:endParaRPr>
+                    </a:p>
+                  </a:txBody>
+                  <a:tcPr/>
+                </a:tc>
+              </a:tr>
+              <a:tr h="144016">
+                <a:tc vMerge="1">
+                  <a:txBody>
+                    <a:bodyPr/>
+                    <a:lstStyle/>
+                    <a:p>
+                      <a:pPr algn="ctr" latinLnBrk="1"/>
                       <a:endParaRPr lang="ko-KR" altLang="en-US" sz="1200" dirty="0">
                         <a:latin typeface="나눔고딕OTF" pitchFamily="34" charset="-127"/>
                         <a:ea typeface="나눔고딕OTF" pitchFamily="34" charset="-127"/>
@@ -12922,7 +12913,7 @@
                           <a:latin typeface="나눔고딕OTF" pitchFamily="34" charset="-127"/>
                           <a:ea typeface="나눔고딕OTF" pitchFamily="34" charset="-127"/>
                         </a:rPr>
-                        <a:t>대표 상품을 홍보 하였는가</a:t>
+                        <a:t>회사의 신제품을 홍보하였는가</a:t>
                       </a:r>
                       <a:r>
                         <a:rPr lang="en-US" altLang="ko-KR" sz="1200" dirty="0" smtClean="0">
@@ -12972,6 +12963,52 @@
           </a:graphicData>
         </a:graphic>
       </p:graphicFrame>
+      <p:sp>
+        <p:nvSpPr>
+          <p:cNvPr id="10" name="TextBox 9"/>
+          <p:cNvSpPr txBox="1"/>
+          <p:nvPr/>
+        </p:nvSpPr>
+        <p:spPr>
+          <a:xfrm>
+            <a:off x="251520" y="2555612"/>
+            <a:ext cx="7128792" cy="369332"/>
+          </a:xfrm>
+          <a:prstGeom prst="rect">
+            <a:avLst/>
+          </a:prstGeom>
+          <a:noFill/>
+        </p:spPr>
+        <p:txBody>
+          <a:bodyPr wrap="square" rtlCol="0">
+            <a:spAutoFit/>
+          </a:bodyPr>
+          <a:lstStyle/>
+          <a:p>
+            <a:r>
+              <a:rPr lang="ko-KR" altLang="en-US" b="1" dirty="0" smtClean="0">
+                <a:solidFill>
+                  <a:schemeClr val="accent3">
+                    <a:lumMod val="50000"/>
+                  </a:schemeClr>
+                </a:solidFill>
+                <a:latin typeface="나눔스퀘어 네오 Heavy" pitchFamily="2" charset="-127"/>
+                <a:ea typeface="나눔스퀘어 네오 Heavy" pitchFamily="2" charset="-127"/>
+              </a:rPr>
+              <a:t>체크리스트</a:t>
+            </a:r>
+            <a:endParaRPr lang="ko-KR" altLang="en-US" b="1" dirty="0">
+              <a:solidFill>
+                <a:schemeClr val="accent3">
+                  <a:lumMod val="50000"/>
+                </a:schemeClr>
+              </a:solidFill>
+              <a:latin typeface="나눔스퀘어 네오 Heavy" pitchFamily="2" charset="-127"/>
+              <a:ea typeface="나눔스퀘어 네오 Heavy" pitchFamily="2" charset="-127"/>
+            </a:endParaRPr>
+          </a:p>
+        </p:txBody>
+      </p:sp>
     </p:spTree>
     <p:extLst>
       <p:ext uri="{BB962C8B-B14F-4D97-AF65-F5344CB8AC3E}">
